--- a/ez18n-slides/javaone-2012/ez18n_javaone2012.pptx
+++ b/ez18n-slides/javaone-2012/ez18n_javaone2012.pptx
@@ -328,7 +328,7 @@
           <a:p>
             <a:fld id="{44BDE56E-FDAD-435D-9C14-6892E5F1DEF0}" type="datetimeFigureOut">
               <a:rPr lang="fr-FR" smtClean="0"/>
-              <a:t>07/09/12</a:t>
+              <a:t>09/09/2012</a:t>
             </a:fld>
             <a:endParaRPr lang="fr-FR"/>
           </a:p>
@@ -370,7 +370,7 @@
           <a:p>
             <a:fld id="{CDB8DDEB-C0FB-4A06-AB03-5B35B2987E25}" type="slidenum">
               <a:rPr lang="fr-FR" smtClean="0"/>
-              <a:t>‹#›</a:t>
+              <a:t>‹N°›</a:t>
             </a:fld>
             <a:endParaRPr lang="fr-FR"/>
           </a:p>
@@ -389,7 +389,7 @@
   <p:timing>
     <p:tnLst>
       <p:par>
-        <p:cTn xmlns:p14="http://schemas.microsoft.com/office/powerpoint/2010/main" id="1" dur="indefinite" restart="never" nodeType="tmRoot"/>
+        <p:cTn id="1" dur="indefinite" restart="never" nodeType="tmRoot"/>
       </p:par>
     </p:tnLst>
   </p:timing>
@@ -505,7 +505,7 @@
           <a:p>
             <a:fld id="{44BDE56E-FDAD-435D-9C14-6892E5F1DEF0}" type="datetimeFigureOut">
               <a:rPr lang="fr-FR" smtClean="0"/>
-              <a:t>07/09/12</a:t>
+              <a:t>09/09/2012</a:t>
             </a:fld>
             <a:endParaRPr lang="fr-FR"/>
           </a:p>
@@ -547,7 +547,7 @@
           <a:p>
             <a:fld id="{CDB8DDEB-C0FB-4A06-AB03-5B35B2987E25}" type="slidenum">
               <a:rPr lang="fr-FR" smtClean="0"/>
-              <a:t>‹#›</a:t>
+              <a:t>‹N°›</a:t>
             </a:fld>
             <a:endParaRPr lang="fr-FR"/>
           </a:p>
@@ -685,7 +685,7 @@
           <a:p>
             <a:fld id="{44BDE56E-FDAD-435D-9C14-6892E5F1DEF0}" type="datetimeFigureOut">
               <a:rPr lang="fr-FR" smtClean="0"/>
-              <a:t>07/09/12</a:t>
+              <a:t>09/09/2012</a:t>
             </a:fld>
             <a:endParaRPr lang="fr-FR"/>
           </a:p>
@@ -727,7 +727,7 @@
           <a:p>
             <a:fld id="{CDB8DDEB-C0FB-4A06-AB03-5B35B2987E25}" type="slidenum">
               <a:rPr lang="fr-FR" smtClean="0"/>
-              <a:t>‹#›</a:t>
+              <a:t>‹N°›</a:t>
             </a:fld>
             <a:endParaRPr lang="fr-FR"/>
           </a:p>
@@ -855,7 +855,7 @@
           <a:p>
             <a:fld id="{44BDE56E-FDAD-435D-9C14-6892E5F1DEF0}" type="datetimeFigureOut">
               <a:rPr lang="fr-FR" smtClean="0"/>
-              <a:t>07/09/12</a:t>
+              <a:t>09/09/2012</a:t>
             </a:fld>
             <a:endParaRPr lang="fr-FR"/>
           </a:p>
@@ -897,7 +897,7 @@
           <a:p>
             <a:fld id="{CDB8DDEB-C0FB-4A06-AB03-5B35B2987E25}" type="slidenum">
               <a:rPr lang="fr-FR" smtClean="0"/>
-              <a:t>‹#›</a:t>
+              <a:t>‹N°›</a:t>
             </a:fld>
             <a:endParaRPr lang="fr-FR"/>
           </a:p>
@@ -916,7 +916,7 @@
   <p:timing>
     <p:tnLst>
       <p:par>
-        <p:cTn xmlns:p14="http://schemas.microsoft.com/office/powerpoint/2010/main" id="1" dur="indefinite" restart="never" nodeType="tmRoot"/>
+        <p:cTn id="1" dur="indefinite" restart="never" nodeType="tmRoot"/>
       </p:par>
     </p:tnLst>
   </p:timing>
@@ -1108,7 +1108,7 @@
           <a:p>
             <a:fld id="{44BDE56E-FDAD-435D-9C14-6892E5F1DEF0}" type="datetimeFigureOut">
               <a:rPr lang="fr-FR" smtClean="0"/>
-              <a:t>07/09/12</a:t>
+              <a:t>09/09/2012</a:t>
             </a:fld>
             <a:endParaRPr lang="fr-FR"/>
           </a:p>
@@ -1150,7 +1150,7 @@
           <a:p>
             <a:fld id="{CDB8DDEB-C0FB-4A06-AB03-5B35B2987E25}" type="slidenum">
               <a:rPr lang="fr-FR" smtClean="0"/>
-              <a:t>‹#›</a:t>
+              <a:t>‹N°›</a:t>
             </a:fld>
             <a:endParaRPr lang="fr-FR"/>
           </a:p>
@@ -1396,7 +1396,7 @@
           <a:p>
             <a:fld id="{44BDE56E-FDAD-435D-9C14-6892E5F1DEF0}" type="datetimeFigureOut">
               <a:rPr lang="fr-FR" smtClean="0"/>
-              <a:t>07/09/12</a:t>
+              <a:t>09/09/2012</a:t>
             </a:fld>
             <a:endParaRPr lang="fr-FR"/>
           </a:p>
@@ -1438,7 +1438,7 @@
           <a:p>
             <a:fld id="{CDB8DDEB-C0FB-4A06-AB03-5B35B2987E25}" type="slidenum">
               <a:rPr lang="fr-FR" smtClean="0"/>
-              <a:t>‹#›</a:t>
+              <a:t>‹N°›</a:t>
             </a:fld>
             <a:endParaRPr lang="fr-FR"/>
           </a:p>
@@ -1818,7 +1818,7 @@
           <a:p>
             <a:fld id="{44BDE56E-FDAD-435D-9C14-6892E5F1DEF0}" type="datetimeFigureOut">
               <a:rPr lang="fr-FR" smtClean="0"/>
-              <a:t>07/09/12</a:t>
+              <a:t>09/09/2012</a:t>
             </a:fld>
             <a:endParaRPr lang="fr-FR"/>
           </a:p>
@@ -1860,7 +1860,7 @@
           <a:p>
             <a:fld id="{CDB8DDEB-C0FB-4A06-AB03-5B35B2987E25}" type="slidenum">
               <a:rPr lang="fr-FR" smtClean="0"/>
-              <a:t>‹#›</a:t>
+              <a:t>‹N°›</a:t>
             </a:fld>
             <a:endParaRPr lang="fr-FR"/>
           </a:p>
@@ -1876,6 +1876,13 @@
   <p:clrMapOvr>
     <a:masterClrMapping/>
   </p:clrMapOvr>
+  <p:timing>
+    <p:tnLst>
+      <p:par>
+        <p:cTn id="1" dur="indefinite" restart="never" nodeType="tmRoot"/>
+      </p:par>
+    </p:tnLst>
+  </p:timing>
 </p:sldLayout>
 </file>
 
@@ -1936,7 +1943,7 @@
           <a:p>
             <a:fld id="{44BDE56E-FDAD-435D-9C14-6892E5F1DEF0}" type="datetimeFigureOut">
               <a:rPr lang="fr-FR" smtClean="0"/>
-              <a:t>07/09/12</a:t>
+              <a:t>09/09/2012</a:t>
             </a:fld>
             <a:endParaRPr lang="fr-FR"/>
           </a:p>
@@ -1978,7 +1985,7 @@
           <a:p>
             <a:fld id="{CDB8DDEB-C0FB-4A06-AB03-5B35B2987E25}" type="slidenum">
               <a:rPr lang="fr-FR" smtClean="0"/>
-              <a:t>‹#›</a:t>
+              <a:t>‹N°›</a:t>
             </a:fld>
             <a:endParaRPr lang="fr-FR"/>
           </a:p>
@@ -2031,7 +2038,7 @@
           <a:p>
             <a:fld id="{44BDE56E-FDAD-435D-9C14-6892E5F1DEF0}" type="datetimeFigureOut">
               <a:rPr lang="fr-FR" smtClean="0"/>
-              <a:t>07/09/12</a:t>
+              <a:t>09/09/2012</a:t>
             </a:fld>
             <a:endParaRPr lang="fr-FR"/>
           </a:p>
@@ -2073,7 +2080,7 @@
           <a:p>
             <a:fld id="{CDB8DDEB-C0FB-4A06-AB03-5B35B2987E25}" type="slidenum">
               <a:rPr lang="fr-FR" smtClean="0"/>
-              <a:t>‹#›</a:t>
+              <a:t>‹N°›</a:t>
             </a:fld>
             <a:endParaRPr lang="fr-FR"/>
           </a:p>
@@ -2308,7 +2315,7 @@
           <a:p>
             <a:fld id="{44BDE56E-FDAD-435D-9C14-6892E5F1DEF0}" type="datetimeFigureOut">
               <a:rPr lang="fr-FR" smtClean="0"/>
-              <a:t>07/09/12</a:t>
+              <a:t>09/09/2012</a:t>
             </a:fld>
             <a:endParaRPr lang="fr-FR"/>
           </a:p>
@@ -2350,7 +2357,7 @@
           <a:p>
             <a:fld id="{CDB8DDEB-C0FB-4A06-AB03-5B35B2987E25}" type="slidenum">
               <a:rPr lang="fr-FR" smtClean="0"/>
-              <a:t>‹#›</a:t>
+              <a:t>‹N°›</a:t>
             </a:fld>
             <a:endParaRPr lang="fr-FR"/>
           </a:p>
@@ -2561,7 +2568,7 @@
           <a:p>
             <a:fld id="{44BDE56E-FDAD-435D-9C14-6892E5F1DEF0}" type="datetimeFigureOut">
               <a:rPr lang="fr-FR" smtClean="0"/>
-              <a:t>07/09/12</a:t>
+              <a:t>09/09/2012</a:t>
             </a:fld>
             <a:endParaRPr lang="fr-FR"/>
           </a:p>
@@ -2603,7 +2610,7 @@
           <a:p>
             <a:fld id="{CDB8DDEB-C0FB-4A06-AB03-5B35B2987E25}" type="slidenum">
               <a:rPr lang="fr-FR" smtClean="0"/>
-              <a:t>‹#›</a:t>
+              <a:t>‹N°›</a:t>
             </a:fld>
             <a:endParaRPr lang="fr-FR"/>
           </a:p>
@@ -2646,7 +2653,7 @@
       </p:grpSpPr>
       <p:pic>
         <p:nvPicPr>
-          <p:cNvPr id="7" name="Image 6"/>
+          <p:cNvPr id="8" name="Image 7"/>
           <p:cNvPicPr>
             <a:picLocks noChangeAspect="1"/>
           </p:cNvPicPr>
@@ -2674,6 +2681,36 @@
           </a:prstGeom>
         </p:spPr>
       </p:pic>
+      <p:pic>
+        <p:nvPicPr>
+          <p:cNvPr id="9" name="Image 8"/>
+          <p:cNvPicPr>
+            <a:picLocks noChangeAspect="1"/>
+          </p:cNvPicPr>
+          <p:nvPr userDrawn="1"/>
+        </p:nvPicPr>
+        <p:blipFill>
+          <a:blip r:embed="rId14" cstate="print">
+            <a:extLst>
+              <a:ext uri="{28A0092B-C50C-407E-A947-70E740481C1C}">
+                <a14:useLocalDpi xmlns:a14="http://schemas.microsoft.com/office/drawing/2010/main" val="0"/>
+              </a:ext>
+            </a:extLst>
+          </a:blip>
+          <a:stretch>
+            <a:fillRect/>
+          </a:stretch>
+        </p:blipFill>
+        <p:spPr>
+          <a:xfrm>
+            <a:off x="76200" y="6324600"/>
+            <a:ext cx="2133600" cy="396949"/>
+          </a:xfrm>
+          <a:prstGeom prst="rect">
+            <a:avLst/>
+          </a:prstGeom>
+        </p:spPr>
+      </p:pic>
       <p:sp>
         <p:nvSpPr>
           <p:cNvPr id="2" name="Espace réservé du titre 1"/>
@@ -2804,7 +2841,7 @@
           <a:p>
             <a:fld id="{44BDE56E-FDAD-435D-9C14-6892E5F1DEF0}" type="datetimeFigureOut">
               <a:rPr lang="fr-FR" smtClean="0"/>
-              <a:t>07/09/12</a:t>
+              <a:t>09/09/2012</a:t>
             </a:fld>
             <a:endParaRPr lang="fr-FR"/>
           </a:p>
@@ -2882,7 +2919,7 @@
           <a:p>
             <a:fld id="{CDB8DDEB-C0FB-4A06-AB03-5B35B2987E25}" type="slidenum">
               <a:rPr lang="fr-FR" smtClean="0"/>
-              <a:t>‹#›</a:t>
+              <a:t>‹N°›</a:t>
             </a:fld>
             <a:endParaRPr lang="fr-FR"/>
           </a:p>
@@ -2912,7 +2949,7 @@
   <p:timing>
     <p:tnLst>
       <p:par>
-        <p:cTn xmlns:p14="http://schemas.microsoft.com/office/powerpoint/2010/main" id="1" dur="indefinite" restart="never" nodeType="tmRoot"/>
+        <p:cTn id="1" dur="indefinite" restart="never" nodeType="tmRoot"/>
       </p:par>
     </p:tnLst>
   </p:timing>
@@ -3205,39 +3242,23 @@
           <a:p>
             <a:r>
               <a:rPr lang="en-US" dirty="0" smtClean="0"/>
-              <a:t>Multi-device </a:t>
-            </a:r>
-            <a:r>
-              <a:rPr lang="en-US" dirty="0"/>
-              <a:t>Content </a:t>
-            </a:r>
-            <a:r>
-              <a:rPr lang="en-US" dirty="0" smtClean="0"/>
-              <a:t>Display</a:t>
+              <a:t>Multi-device Content Display</a:t>
             </a:r>
             <a:br>
               <a:rPr lang="en-US" dirty="0" smtClean="0"/>
             </a:br>
             <a:r>
-              <a:rPr lang="en-US" dirty="0"/>
+              <a:rPr lang="en-US" dirty="0" smtClean="0"/>
               <a:t>&amp;</a:t>
             </a:r>
-            <a:r>
-              <a:rPr lang="en-US" dirty="0" smtClean="0"/>
-              <a:t/>
-            </a:r>
             <a:br>
               <a:rPr lang="en-US" dirty="0" smtClean="0"/>
             </a:br>
             <a:r>
               <a:rPr lang="en-US" dirty="0" smtClean="0"/>
-              <a:t> </a:t>
-            </a:r>
-            <a:r>
-              <a:rPr lang="en-US" dirty="0"/>
-              <a:t>Smart Use of Annotation Processing</a:t>
-            </a:r>
-            <a:endParaRPr lang="fr-FR" dirty="0"/>
+              <a:t> Smart Use of Annotation Processing</a:t>
+            </a:r>
+            <a:endParaRPr lang="en-US" dirty="0"/>
           </a:p>
         </p:txBody>
       </p:sp>
@@ -3292,7 +3313,7 @@
   <p:timing>
     <p:tnLst>
       <p:par>
-        <p:cTn xmlns:p14="http://schemas.microsoft.com/office/powerpoint/2010/main" id="1" dur="indefinite" restart="never" nodeType="tmRoot"/>
+        <p:cTn id="1" dur="indefinite" restart="never" nodeType="tmRoot"/>
       </p:par>
     </p:tnLst>
   </p:timing>
@@ -3390,7 +3411,7 @@
   <p:timing>
     <p:tnLst>
       <p:par>
-        <p:cTn xmlns:p14="http://schemas.microsoft.com/office/powerpoint/2010/main" id="1" dur="indefinite" restart="never" nodeType="tmRoot"/>
+        <p:cTn id="1" dur="indefinite" restart="never" nodeType="tmRoot"/>
       </p:par>
     </p:tnLst>
   </p:timing>
@@ -3433,7 +3454,7 @@
               <a:rPr lang="en-US" dirty="0" smtClean="0"/>
               <a:t>APT for dummies</a:t>
             </a:r>
-            <a:endParaRPr lang="fr-FR" dirty="0"/>
+            <a:endParaRPr lang="en-US" dirty="0"/>
           </a:p>
         </p:txBody>
       </p:sp>
@@ -3455,54 +3476,20 @@
           <a:lstStyle/>
           <a:p>
             <a:r>
-              <a:rPr lang="fr-FR" dirty="0" smtClean="0"/>
-              <a:t>Annotation </a:t>
-            </a:r>
-            <a:r>
-              <a:rPr lang="fr-FR" dirty="0" err="1" smtClean="0"/>
-              <a:t>Processing</a:t>
-            </a:r>
-            <a:r>
-              <a:rPr lang="fr-FR" dirty="0" smtClean="0"/>
-              <a:t> </a:t>
-            </a:r>
-            <a:r>
-              <a:rPr lang="fr-FR" dirty="0" err="1" smtClean="0"/>
-              <a:t>Tool</a:t>
-            </a:r>
-            <a:endParaRPr lang="fr-FR" dirty="0"/>
-          </a:p>
-          <a:p>
-            <a:r>
-              <a:rPr lang="fr-FR" dirty="0" err="1" smtClean="0"/>
-              <a:t>Kind</a:t>
-            </a:r>
-            <a:r>
-              <a:rPr lang="fr-FR" dirty="0" smtClean="0"/>
-              <a:t> of </a:t>
-            </a:r>
-            <a:r>
-              <a:rPr lang="fr-FR" dirty="0" err="1" smtClean="0"/>
-              <a:t>old-school</a:t>
-            </a:r>
-            <a:r>
-              <a:rPr lang="fr-FR" dirty="0" smtClean="0"/>
-              <a:t> </a:t>
-            </a:r>
-            <a:r>
-              <a:rPr lang="fr-FR" dirty="0" err="1" smtClean="0"/>
-              <a:t>pre-processing</a:t>
-            </a:r>
-            <a:endParaRPr lang="fr-FR" dirty="0" smtClean="0"/>
-          </a:p>
-          <a:p>
-            <a:r>
-              <a:rPr lang="fr-FR" dirty="0" err="1" smtClean="0"/>
-              <a:t>Based</a:t>
-            </a:r>
-            <a:r>
-              <a:rPr lang="fr-FR" dirty="0" smtClean="0"/>
-              <a:t> on Annotations</a:t>
+              <a:rPr lang="en-US" dirty="0" smtClean="0"/>
+              <a:t>Annotation Processing Tool</a:t>
+            </a:r>
+          </a:p>
+          <a:p>
+            <a:r>
+              <a:rPr lang="en-US" dirty="0" smtClean="0"/>
+              <a:t>Kind of old-school pre-processing</a:t>
+            </a:r>
+          </a:p>
+          <a:p>
+            <a:r>
+              <a:rPr lang="en-US" dirty="0" smtClean="0"/>
+              <a:t>Based on Annotations</a:t>
             </a:r>
           </a:p>
           <a:p>
@@ -3510,11 +3497,11 @@
               <a:buNone/>
             </a:pPr>
             <a:r>
-              <a:rPr lang="en-US" dirty="0"/>
+              <a:rPr lang="en-US" dirty="0" smtClean="0"/>
               <a:t>@Retention(</a:t>
             </a:r>
             <a:r>
-              <a:rPr lang="en-US" dirty="0" err="1">
+              <a:rPr lang="en-US" dirty="0" err="1" smtClean="0">
                 <a:solidFill>
                   <a:schemeClr val="tx2">
                     <a:lumMod val="60000"/>
@@ -3525,63 +3512,16 @@
               <a:t>RetentionPolicy.SOURCE</a:t>
             </a:r>
             <a:r>
-              <a:rPr lang="en-US" dirty="0"/>
+              <a:rPr lang="en-US" dirty="0" smtClean="0"/>
               <a:t>) </a:t>
             </a:r>
-            <a:endParaRPr lang="fr-FR" dirty="0"/>
-          </a:p>
-          <a:p>
-            <a:r>
-              <a:rPr lang="fr-FR" dirty="0" err="1" smtClean="0"/>
-              <a:t>When</a:t>
-            </a:r>
-            <a:r>
-              <a:rPr lang="fr-FR" dirty="0" smtClean="0"/>
-              <a:t> </a:t>
-            </a:r>
-            <a:r>
-              <a:rPr lang="fr-FR" dirty="0" err="1" smtClean="0"/>
-              <a:t>you</a:t>
-            </a:r>
-            <a:r>
-              <a:rPr lang="fr-FR" dirty="0" smtClean="0"/>
-              <a:t> </a:t>
-            </a:r>
-            <a:r>
-              <a:rPr lang="fr-FR" dirty="0" err="1" smtClean="0"/>
-              <a:t>need</a:t>
-            </a:r>
-            <a:r>
-              <a:rPr lang="fr-FR" dirty="0" smtClean="0"/>
-              <a:t> code </a:t>
-            </a:r>
-            <a:r>
-              <a:rPr lang="fr-FR" dirty="0" err="1" smtClean="0"/>
-              <a:t>generation</a:t>
-            </a:r>
-            <a:r>
-              <a:rPr lang="fr-FR" dirty="0"/>
-              <a:t> </a:t>
-            </a:r>
-            <a:r>
-              <a:rPr lang="fr-FR" dirty="0" err="1" smtClean="0"/>
-              <a:t>based</a:t>
-            </a:r>
-            <a:r>
-              <a:rPr lang="fr-FR" dirty="0" smtClean="0"/>
-              <a:t> on </a:t>
-            </a:r>
-            <a:r>
-              <a:rPr lang="fr-FR" dirty="0" err="1" smtClean="0"/>
-              <a:t>your</a:t>
-            </a:r>
-            <a:r>
-              <a:rPr lang="fr-FR" dirty="0" smtClean="0"/>
-              <a:t> code</a:t>
-            </a:r>
-          </a:p>
-          <a:p>
-            <a:endParaRPr lang="fr-FR" dirty="0" smtClean="0"/>
+          </a:p>
+          <a:p>
+            <a:r>
+              <a:rPr lang="en-US" dirty="0" smtClean="0"/>
+              <a:t>When you need code generation based on your code</a:t>
+            </a:r>
+            <a:endParaRPr lang="en-US" dirty="0" smtClean="0"/>
           </a:p>
         </p:txBody>
       </p:sp>
@@ -3598,7 +3538,7 @@
   <p:timing>
     <p:tnLst>
       <p:par>
-        <p:cTn xmlns:p14="http://schemas.microsoft.com/office/powerpoint/2010/main" id="1" dur="indefinite" restart="never" nodeType="tmRoot"/>
+        <p:cTn id="1" dur="indefinite" restart="never" nodeType="tmRoot"/>
       </p:par>
     </p:tnLst>
   </p:timing>
@@ -3638,14 +3578,10 @@
           <a:lstStyle/>
           <a:p>
             <a:r>
-              <a:rPr lang="fr-FR" dirty="0" smtClean="0"/>
-              <a:t>Annotation code </a:t>
-            </a:r>
-            <a:r>
-              <a:rPr lang="fr-FR" dirty="0" err="1" smtClean="0"/>
-              <a:t>samples</a:t>
-            </a:r>
-            <a:endParaRPr lang="fr-FR" dirty="0"/>
+              <a:rPr lang="en-US" dirty="0" smtClean="0"/>
+              <a:t>Annotation code samples</a:t>
+            </a:r>
+            <a:endParaRPr lang="en-US" dirty="0"/>
           </a:p>
         </p:txBody>
       </p:sp>
@@ -3676,30 +3612,10 @@
               <a:buChar char="§"/>
             </a:pPr>
             <a:r>
-              <a:rPr lang="fr-FR" sz="2800" dirty="0" err="1" smtClean="0"/>
-              <a:t>Declare</a:t>
-            </a:r>
-            <a:r>
-              <a:rPr lang="fr-FR" sz="2800" dirty="0" smtClean="0"/>
-              <a:t> Annotations on </a:t>
-            </a:r>
-            <a:r>
-              <a:rPr lang="fr-FR" sz="2800" dirty="0" err="1" smtClean="0"/>
-              <a:t>elements</a:t>
-            </a:r>
-            <a:r>
-              <a:rPr lang="fr-FR" sz="2800" dirty="0" smtClean="0"/>
-              <a:t> to </a:t>
-            </a:r>
-            <a:r>
-              <a:rPr lang="fr-FR" sz="2800" dirty="0" err="1" smtClean="0"/>
-              <a:t>parse</a:t>
-            </a:r>
-            <a:r>
-              <a:rPr lang="fr-FR" sz="2800" dirty="0" smtClean="0"/>
-              <a:t>.</a:t>
-            </a:r>
-            <a:endParaRPr lang="fr-FR" sz="2800" dirty="0" smtClean="0"/>
+              <a:rPr lang="en-US" sz="2800" dirty="0" smtClean="0"/>
+              <a:t>Declare Annotations on elements to parse.</a:t>
+            </a:r>
+            <a:endParaRPr lang="en-US" sz="2800" dirty="0" smtClean="0"/>
           </a:p>
         </p:txBody>
       </p:sp>
@@ -3776,7 +3692,7 @@
   <p:timing>
     <p:tnLst>
       <p:par>
-        <p:cTn xmlns:p14="http://schemas.microsoft.com/office/powerpoint/2010/main" id="1" dur="indefinite" restart="never" nodeType="tmRoot"/>
+        <p:cTn id="1" dur="indefinite" restart="never" nodeType="tmRoot"/>
       </p:par>
     </p:tnLst>
   </p:timing>
@@ -3839,102 +3755,45 @@
           <a:lstStyle/>
           <a:p>
             <a:r>
-              <a:rPr lang="fr-FR" dirty="0" err="1" smtClean="0"/>
-              <a:t>J</a:t>
-            </a:r>
-            <a:r>
-              <a:rPr lang="fr-FR" dirty="0" err="1" smtClean="0"/>
-              <a:t>avax.</a:t>
-            </a:r>
-            <a:r>
-              <a:rPr lang="fr-FR" dirty="0" err="1" smtClean="0"/>
-              <a:t>annotation.processing</a:t>
-            </a:r>
-            <a:r>
-              <a:rPr lang="fr-FR" dirty="0" err="1" smtClean="0"/>
-              <a:t>.Processor</a:t>
-            </a:r>
-            <a:endParaRPr lang="fr-FR" dirty="0" smtClean="0"/>
-          </a:p>
-          <a:p>
-            <a:r>
-              <a:rPr lang="fr-FR" dirty="0" smtClean="0"/>
-              <a:t>Code </a:t>
-            </a:r>
-            <a:r>
-              <a:rPr lang="fr-FR" dirty="0" err="1" smtClean="0"/>
-              <a:t>parsing</a:t>
-            </a:r>
-            <a:r>
-              <a:rPr lang="fr-FR" dirty="0" smtClean="0"/>
-              <a:t> </a:t>
-            </a:r>
-            <a:r>
-              <a:rPr lang="fr-FR" dirty="0" err="1" smtClean="0"/>
-              <a:t>similar</a:t>
-            </a:r>
-            <a:r>
-              <a:rPr lang="fr-FR" dirty="0" smtClean="0"/>
-              <a:t> to </a:t>
-            </a:r>
-            <a:r>
-              <a:rPr lang="fr-FR" dirty="0" err="1" smtClean="0"/>
-              <a:t>Reflection</a:t>
-            </a:r>
-            <a:endParaRPr lang="fr-FR" dirty="0"/>
+              <a:rPr lang="en-US" dirty="0" err="1"/>
+              <a:t>j</a:t>
+            </a:r>
+            <a:r>
+              <a:rPr lang="en-US" dirty="0" err="1" smtClean="0"/>
+              <a:t>avax.annotation.processing.Processor</a:t>
+            </a:r>
+            <a:endParaRPr lang="en-US" dirty="0" smtClean="0"/>
+          </a:p>
+          <a:p>
+            <a:r>
+              <a:rPr lang="en-US" dirty="0" smtClean="0"/>
+              <a:t>Code parsing similar to Reflection</a:t>
+            </a:r>
           </a:p>
           <a:p>
             <a:pPr lvl="1"/>
             <a:r>
-              <a:rPr lang="fr-FR" dirty="0" smtClean="0"/>
-              <a:t>No </a:t>
-            </a:r>
-            <a:r>
-              <a:rPr lang="fr-FR" dirty="0" err="1" smtClean="0"/>
-              <a:t>need</a:t>
-            </a:r>
-            <a:r>
-              <a:rPr lang="fr-FR" dirty="0" smtClean="0"/>
-              <a:t> for </a:t>
-            </a:r>
-            <a:r>
-              <a:rPr lang="fr-FR" dirty="0" err="1" smtClean="0"/>
-              <a:t>compiled</a:t>
-            </a:r>
-            <a:r>
-              <a:rPr lang="fr-FR" dirty="0" smtClean="0"/>
-              <a:t> code</a:t>
+              <a:rPr lang="en-US" dirty="0" smtClean="0"/>
+              <a:t>No need for compiled code</a:t>
             </a:r>
           </a:p>
           <a:p>
             <a:pPr lvl="1"/>
             <a:r>
-              <a:rPr lang="fr-FR" dirty="0" err="1" smtClean="0"/>
-              <a:t>Some</a:t>
-            </a:r>
-            <a:r>
-              <a:rPr lang="fr-FR" dirty="0" smtClean="0"/>
-              <a:t> limitations</a:t>
-            </a:r>
-          </a:p>
-          <a:p>
-            <a:r>
-              <a:rPr lang="fr-FR" dirty="0" err="1" smtClean="0"/>
+              <a:rPr lang="en-US" dirty="0" smtClean="0"/>
+              <a:t>Some limitations</a:t>
+            </a:r>
+          </a:p>
+          <a:p>
+            <a:r>
+              <a:rPr lang="en-US" dirty="0" err="1" smtClean="0"/>
               <a:t>FileObject</a:t>
             </a:r>
             <a:r>
-              <a:rPr lang="fr-FR" dirty="0" smtClean="0"/>
-              <a:t> : a future </a:t>
-            </a:r>
-            <a:r>
-              <a:rPr lang="fr-FR" dirty="0" err="1" smtClean="0"/>
-              <a:t>generated</a:t>
-            </a:r>
-            <a:r>
-              <a:rPr lang="fr-FR" dirty="0" smtClean="0"/>
-              <a:t> file</a:t>
-            </a:r>
-            <a:endParaRPr lang="fr-FR" dirty="0"/>
+              <a:rPr lang="en-US" dirty="0" smtClean="0"/>
+              <a:t> : a future generated file</a:t>
+            </a:r>
+            <a:endParaRPr lang="en-US" dirty="0"/>
           </a:p>
         </p:txBody>
       </p:sp>
@@ -3948,6 +3807,13 @@
   <p:clrMapOvr>
     <a:masterClrMapping/>
   </p:clrMapOvr>
+  <p:timing>
+    <p:tnLst>
+      <p:par>
+        <p:cTn id="1" dur="indefinite" restart="never" nodeType="tmRoot"/>
+      </p:par>
+    </p:tnLst>
+  </p:timing>
 </p:sld>
 </file>
 
@@ -3984,14 +3850,10 @@
           <a:lstStyle/>
           <a:p>
             <a:r>
-              <a:rPr lang="fr-FR" dirty="0" smtClean="0"/>
-              <a:t>Processor code </a:t>
-            </a:r>
-            <a:r>
-              <a:rPr lang="fr-FR" dirty="0" err="1" smtClean="0"/>
-              <a:t>sample</a:t>
-            </a:r>
-            <a:endParaRPr lang="fr-FR" dirty="0"/>
+              <a:rPr lang="en-US" dirty="0" smtClean="0"/>
+              <a:t>Processor code sample</a:t>
+            </a:r>
+            <a:endParaRPr lang="en-US" dirty="0"/>
           </a:p>
         </p:txBody>
       </p:sp>
@@ -4022,30 +3884,18 @@
               <a:buChar char="§"/>
             </a:pPr>
             <a:r>
-              <a:rPr lang="fr-FR" sz="2800" dirty="0" smtClean="0"/>
+              <a:rPr lang="en-US" sz="2800" dirty="0" smtClean="0"/>
               <a:t>@</a:t>
             </a:r>
             <a:r>
-              <a:rPr lang="fr-FR" sz="2800" dirty="0" err="1" smtClean="0"/>
+              <a:rPr lang="en-US" sz="2800" dirty="0" err="1" smtClean="0"/>
               <a:t>SupportedAnnotationTypes</a:t>
             </a:r>
             <a:r>
-              <a:rPr lang="fr-FR" sz="2800" dirty="0" smtClean="0"/>
-              <a:t> </a:t>
-            </a:r>
-            <a:r>
-              <a:rPr lang="fr-FR" sz="2800" dirty="0" smtClean="0"/>
-              <a:t>for the </a:t>
-            </a:r>
-            <a:r>
-              <a:rPr lang="fr-FR" sz="2800" dirty="0" err="1" smtClean="0"/>
-              <a:t>matching</a:t>
-            </a:r>
-            <a:r>
-              <a:rPr lang="fr-FR" sz="2800" dirty="0" smtClean="0"/>
-              <a:t> annotation</a:t>
-            </a:r>
-            <a:endParaRPr lang="fr-FR" sz="2800" dirty="0" smtClean="0"/>
+              <a:rPr lang="en-US" sz="2800" dirty="0" smtClean="0"/>
+              <a:t> for the matching annotation</a:t>
+            </a:r>
+            <a:endParaRPr lang="en-US" sz="2800" dirty="0" smtClean="0"/>
           </a:p>
         </p:txBody>
       </p:sp>
@@ -4089,14 +3939,14 @@
           </a:ln>
           <a:effectLst/>
           <a:extLst>
-            <a:ext uri="{909E8E84-426E-40dd-AFC4-6F175D3DCCD1}">
+            <a:ext uri="{909E8E84-426E-40DD-AFC4-6F175D3DCCD1}">
               <a14:hiddenFill xmlns:a14="http://schemas.microsoft.com/office/drawing/2010/main">
                 <a:solidFill>
                   <a:schemeClr val="accent1"/>
                 </a:solidFill>
               </a14:hiddenFill>
             </a:ext>
-            <a:ext uri="{AF507438-7753-43e0-B8FC-AC1667EBCBE1}">
+            <a:ext uri="{AF507438-7753-43E0-B8FC-AC1667EBCBE1}">
               <a14:hiddenEffects xmlns:a14="http://schemas.microsoft.com/office/drawing/2010/main">
                 <a:effectLst>
                   <a:outerShdw dist="35921" dir="2700000" algn="ctr" rotWithShape="0">
@@ -4148,14 +3998,14 @@
           </a:ln>
           <a:effectLst/>
           <a:extLst>
-            <a:ext uri="{909E8E84-426E-40dd-AFC4-6F175D3DCCD1}">
+            <a:ext uri="{909E8E84-426E-40DD-AFC4-6F175D3DCCD1}">
               <a14:hiddenFill xmlns:a14="http://schemas.microsoft.com/office/drawing/2010/main">
                 <a:solidFill>
                   <a:schemeClr val="accent1"/>
                 </a:solidFill>
               </a14:hiddenFill>
             </a:ext>
-            <a:ext uri="{AF507438-7753-43e0-B8FC-AC1667EBCBE1}">
+            <a:ext uri="{AF507438-7753-43E0-B8FC-AC1667EBCBE1}">
               <a14:hiddenEffects xmlns:a14="http://schemas.microsoft.com/office/drawing/2010/main">
                 <a:effectLst>
                   <a:outerShdw dist="35921" dir="2700000" algn="ctr" rotWithShape="0">
@@ -4331,34 +4181,18 @@
               <a:buChar char="§"/>
             </a:pPr>
             <a:r>
-              <a:rPr lang="fr-FR" sz="2800" dirty="0" smtClean="0"/>
-              <a:t>Use a</a:t>
-            </a:r>
-            <a:r>
-              <a:rPr lang="fr-FR" sz="2800" dirty="0" smtClean="0"/>
-              <a:t> </a:t>
-            </a:r>
-            <a:r>
-              <a:rPr lang="fr-FR" sz="2800" dirty="0" err="1" smtClean="0"/>
+              <a:rPr lang="en-US" sz="2800" dirty="0" smtClean="0"/>
+              <a:t>Use a </a:t>
+            </a:r>
+            <a:r>
+              <a:rPr lang="en-US" sz="2800" dirty="0" err="1" smtClean="0"/>
               <a:t>FileObject</a:t>
             </a:r>
             <a:r>
-              <a:rPr lang="fr-FR" sz="2800" dirty="0" smtClean="0"/>
-              <a:t> </a:t>
-            </a:r>
-            <a:r>
-              <a:rPr lang="fr-FR" sz="2800" dirty="0" smtClean="0"/>
-              <a:t>to </a:t>
-            </a:r>
-            <a:r>
-              <a:rPr lang="fr-FR" sz="2800" dirty="0" err="1" smtClean="0"/>
-              <a:t>generate</a:t>
-            </a:r>
-            <a:r>
-              <a:rPr lang="fr-FR" sz="2800" dirty="0" smtClean="0"/>
-              <a:t> the content</a:t>
-            </a:r>
-            <a:endParaRPr lang="fr-FR" sz="2800" dirty="0" smtClean="0"/>
+              <a:rPr lang="en-US" sz="2800" dirty="0" smtClean="0"/>
+              <a:t> to generate the content</a:t>
+            </a:r>
+            <a:endParaRPr lang="en-US" sz="2800" dirty="0" smtClean="0"/>
           </a:p>
         </p:txBody>
       </p:sp>
@@ -4375,7 +4209,7 @@
   <p:timing>
     <p:tnLst>
       <p:par>
-        <p:cTn xmlns:p14="http://schemas.microsoft.com/office/powerpoint/2010/main" id="1" dur="indefinite" restart="never" nodeType="tmRoot"/>
+        <p:cTn id="1" dur="indefinite" restart="never" nodeType="tmRoot"/>
       </p:par>
     </p:tnLst>
   </p:timing>
@@ -4438,93 +4272,39 @@
           <a:lstStyle/>
           <a:p>
             <a:r>
-              <a:rPr lang="fr-FR" dirty="0" err="1" smtClean="0"/>
+              <a:rPr lang="en-US" dirty="0" err="1" smtClean="0"/>
               <a:t>Javac</a:t>
             </a:r>
             <a:r>
-              <a:rPr lang="fr-FR" dirty="0" smtClean="0"/>
-              <a:t> </a:t>
-            </a:r>
-            <a:r>
-              <a:rPr lang="fr-FR" dirty="0" err="1" smtClean="0"/>
-              <a:t>built</a:t>
-            </a:r>
-            <a:r>
-              <a:rPr lang="fr-FR" dirty="0" smtClean="0"/>
-              <a:t>-in command</a:t>
-            </a:r>
-          </a:p>
-          <a:p>
-            <a:r>
-              <a:rPr lang="fr-FR" dirty="0" err="1" smtClean="0"/>
-              <a:t>Maven</a:t>
-            </a:r>
-            <a:r>
-              <a:rPr lang="fr-FR" dirty="0" smtClean="0"/>
-              <a:t> </a:t>
-            </a:r>
-            <a:r>
-              <a:rPr lang="fr-FR" dirty="0" err="1" smtClean="0"/>
-              <a:t>integration</a:t>
-            </a:r>
-            <a:endParaRPr lang="fr-FR" dirty="0" smtClean="0"/>
-          </a:p>
-          <a:p>
-            <a:r>
-              <a:rPr lang="fr-FR" dirty="0" smtClean="0"/>
-              <a:t>IDE </a:t>
-            </a:r>
-            <a:r>
-              <a:rPr lang="fr-FR" dirty="0" err="1" smtClean="0"/>
-              <a:t>integration</a:t>
-            </a:r>
-            <a:endParaRPr lang="fr-FR" dirty="0" smtClean="0"/>
+              <a:rPr lang="en-US" dirty="0" smtClean="0"/>
+              <a:t> built-in command</a:t>
+            </a:r>
+          </a:p>
+          <a:p>
+            <a:r>
+              <a:rPr lang="en-US" dirty="0" smtClean="0"/>
+              <a:t>Maven integration</a:t>
+            </a:r>
+          </a:p>
+          <a:p>
+            <a:r>
+              <a:rPr lang="en-US" dirty="0" smtClean="0"/>
+              <a:t>IDE integration</a:t>
+            </a:r>
           </a:p>
           <a:p>
             <a:pPr lvl="1"/>
             <a:r>
-              <a:rPr lang="fr-FR" dirty="0" err="1" smtClean="0"/>
-              <a:t>Sample</a:t>
-            </a:r>
-            <a:r>
-              <a:rPr lang="fr-FR" dirty="0" smtClean="0"/>
-              <a:t> </a:t>
-            </a:r>
-            <a:r>
-              <a:rPr lang="fr-FR" dirty="0" err="1"/>
-              <a:t>d</a:t>
-            </a:r>
-            <a:r>
-              <a:rPr lang="fr-FR" dirty="0" err="1" smtClean="0"/>
-              <a:t>edicated</a:t>
-            </a:r>
-            <a:r>
-              <a:rPr lang="fr-FR" dirty="0" smtClean="0"/>
-              <a:t> </a:t>
-            </a:r>
-            <a:r>
-              <a:rPr lang="fr-FR" dirty="0" err="1" smtClean="0"/>
-              <a:t>builder</a:t>
-            </a:r>
-            <a:endParaRPr lang="fr-FR" dirty="0" smtClean="0"/>
-          </a:p>
-          <a:p>
-            <a:endParaRPr lang="fr-FR" dirty="0" smtClean="0"/>
-          </a:p>
-          <a:p>
-            <a:r>
-              <a:rPr lang="fr-FR" dirty="0" smtClean="0"/>
-              <a:t>To commit </a:t>
-            </a:r>
-            <a:r>
-              <a:rPr lang="fr-FR" dirty="0" err="1" smtClean="0"/>
-              <a:t>generated</a:t>
-            </a:r>
-            <a:r>
-              <a:rPr lang="fr-FR" dirty="0" smtClean="0"/>
-              <a:t> code or not ?</a:t>
-            </a:r>
-            <a:endParaRPr lang="fr-FR" dirty="0"/>
+              <a:rPr lang="en-US" dirty="0" smtClean="0"/>
+              <a:t>Sample dedicated builder</a:t>
+            </a:r>
+          </a:p>
+          <a:p>
+            <a:r>
+              <a:rPr lang="en-US" dirty="0" smtClean="0"/>
+              <a:t>To commit generated code or not ?</a:t>
+            </a:r>
+            <a:endParaRPr lang="en-US" dirty="0"/>
           </a:p>
         </p:txBody>
       </p:sp>
@@ -4538,6 +4318,13 @@
   <p:clrMapOvr>
     <a:masterClrMapping/>
   </p:clrMapOvr>
+  <p:timing>
+    <p:tnLst>
+      <p:par>
+        <p:cTn id="1" dur="indefinite" restart="never" nodeType="tmRoot"/>
+      </p:par>
+    </p:tnLst>
+  </p:timing>
 </p:sld>
 </file>
 
@@ -4574,14 +4361,10 @@
           <a:lstStyle/>
           <a:p>
             <a:r>
-              <a:rPr lang="fr-FR" dirty="0" smtClean="0"/>
-              <a:t>APT </a:t>
-            </a:r>
-            <a:r>
-              <a:rPr lang="fr-FR" dirty="0" err="1" smtClean="0"/>
-              <a:t>Companions</a:t>
-            </a:r>
-            <a:endParaRPr lang="fr-FR" dirty="0"/>
+              <a:rPr lang="en-US" dirty="0" smtClean="0"/>
+              <a:t>APT Companions</a:t>
+            </a:r>
+            <a:endParaRPr lang="en-US" dirty="0"/>
           </a:p>
         </p:txBody>
       </p:sp>
@@ -4601,129 +4384,70 @@
           <a:lstStyle/>
           <a:p>
             <a:r>
-              <a:rPr lang="fr-FR" dirty="0" err="1" smtClean="0"/>
-              <a:t>Dependency</a:t>
-            </a:r>
-            <a:r>
-              <a:rPr lang="fr-FR" dirty="0" smtClean="0"/>
-              <a:t> Injection</a:t>
-            </a:r>
-            <a:endParaRPr lang="fr-FR" dirty="0"/>
+              <a:rPr lang="en-US" dirty="0" smtClean="0"/>
+              <a:t>Dependency Injection</a:t>
+            </a:r>
           </a:p>
           <a:p>
             <a:pPr lvl="1"/>
             <a:r>
-              <a:rPr lang="fr-FR" dirty="0" err="1" smtClean="0"/>
+              <a:rPr lang="en-US" dirty="0" err="1" smtClean="0"/>
               <a:t>java.util.ServiceLoader</a:t>
             </a:r>
             <a:r>
-              <a:rPr lang="fr-FR" dirty="0" smtClean="0"/>
-              <a:t> </a:t>
-            </a:r>
-            <a:r>
-              <a:rPr lang="fr-FR" dirty="0"/>
-              <a:t>(META-INF/services</a:t>
-            </a:r>
-            <a:r>
-              <a:rPr lang="fr-FR" dirty="0" smtClean="0"/>
-              <a:t>)</a:t>
+              <a:rPr lang="en-US" dirty="0" smtClean="0"/>
+              <a:t> (META-INF/services)</a:t>
             </a:r>
           </a:p>
           <a:p>
             <a:pPr lvl="1"/>
             <a:r>
-              <a:rPr lang="fr-FR" dirty="0" smtClean="0"/>
-              <a:t>JEE injection, </a:t>
-            </a:r>
-            <a:r>
-              <a:rPr lang="fr-FR" dirty="0" err="1" smtClean="0"/>
-              <a:t>Spring</a:t>
-            </a:r>
-            <a:r>
-              <a:rPr lang="fr-FR" dirty="0" smtClean="0"/>
-              <a:t>, </a:t>
-            </a:r>
-            <a:r>
-              <a:rPr lang="fr-FR" dirty="0" err="1" smtClean="0"/>
+              <a:rPr lang="en-US" dirty="0" smtClean="0"/>
+              <a:t>JEE injection, Spring, </a:t>
+            </a:r>
+            <a:r>
+              <a:rPr lang="en-US" dirty="0" err="1" smtClean="0"/>
               <a:t>Guice</a:t>
             </a:r>
             <a:r>
-              <a:rPr lang="fr-FR" dirty="0" smtClean="0"/>
+              <a:rPr lang="en-US" dirty="0" smtClean="0"/>
               <a:t>, … </a:t>
             </a:r>
-            <a:endParaRPr lang="fr-FR" dirty="0"/>
-          </a:p>
-          <a:p>
-            <a:r>
-              <a:rPr lang="fr-FR" dirty="0" err="1" smtClean="0"/>
+          </a:p>
+          <a:p>
+            <a:r>
+              <a:rPr lang="en-US" dirty="0" err="1" smtClean="0"/>
               <a:t>Templating</a:t>
             </a:r>
             <a:r>
-              <a:rPr lang="fr-FR" dirty="0" smtClean="0"/>
-              <a:t> </a:t>
-            </a:r>
-            <a:r>
-              <a:rPr lang="fr-FR" dirty="0" err="1" smtClean="0"/>
-              <a:t>engine</a:t>
-            </a:r>
-            <a:endParaRPr lang="fr-FR" dirty="0"/>
+              <a:rPr lang="en-US" dirty="0" smtClean="0"/>
+              <a:t> engine</a:t>
+            </a:r>
           </a:p>
           <a:p>
             <a:pPr lvl="1"/>
             <a:r>
-              <a:rPr lang="fr-FR" dirty="0" err="1" smtClean="0"/>
-              <a:t>Generate</a:t>
-            </a:r>
-            <a:r>
-              <a:rPr lang="fr-FR" dirty="0" smtClean="0"/>
-              <a:t> java files (or </a:t>
-            </a:r>
-            <a:r>
-              <a:rPr lang="fr-FR" dirty="0" err="1" smtClean="0"/>
-              <a:t>others</a:t>
-            </a:r>
-            <a:r>
-              <a:rPr lang="fr-FR" dirty="0" smtClean="0"/>
-              <a:t>)</a:t>
+              <a:rPr lang="en-US" dirty="0" smtClean="0"/>
+              <a:t>Generate java files (or others)</a:t>
             </a:r>
           </a:p>
           <a:p>
             <a:pPr lvl="1"/>
             <a:r>
-              <a:rPr lang="fr-FR" dirty="0" err="1" smtClean="0"/>
+              <a:rPr lang="en-US" dirty="0" err="1" smtClean="0"/>
               <a:t>Lightweith</a:t>
             </a:r>
             <a:r>
-              <a:rPr lang="fr-FR" dirty="0" smtClean="0"/>
-              <a:t> </a:t>
-            </a:r>
-            <a:r>
-              <a:rPr lang="fr-FR" dirty="0" err="1" smtClean="0"/>
-              <a:t>from</a:t>
-            </a:r>
-            <a:r>
-              <a:rPr lang="fr-FR" dirty="0" smtClean="0"/>
-              <a:t> </a:t>
-            </a:r>
-            <a:r>
-              <a:rPr lang="fr-FR" dirty="0" err="1" smtClean="0"/>
-              <a:t>ant</a:t>
-            </a:r>
-            <a:endParaRPr lang="fr-FR" dirty="0"/>
-          </a:p>
-          <a:p>
-            <a:r>
-              <a:rPr lang="fr-FR" dirty="0" err="1" smtClean="0"/>
-              <a:t>Your</a:t>
-            </a:r>
-            <a:r>
-              <a:rPr lang="fr-FR" dirty="0" smtClean="0"/>
-              <a:t> Imagination !</a:t>
-            </a:r>
-            <a:endParaRPr lang="fr-FR" dirty="0"/>
-          </a:p>
-          <a:p>
-            <a:endParaRPr lang="fr-FR" dirty="0"/>
+              <a:rPr lang="en-US" dirty="0" smtClean="0"/>
+              <a:t> from ant</a:t>
+            </a:r>
+          </a:p>
+          <a:p>
+            <a:r>
+              <a:rPr lang="en-US" dirty="0" smtClean="0"/>
+              <a:t>Your Imagination !</a:t>
+            </a:r>
+            <a:endParaRPr lang="en-US" dirty="0"/>
           </a:p>
         </p:txBody>
       </p:sp>
@@ -4737,6 +4461,13 @@
   <p:clrMapOvr>
     <a:masterClrMapping/>
   </p:clrMapOvr>
+  <p:timing>
+    <p:tnLst>
+      <p:par>
+        <p:cTn id="1" dur="indefinite" restart="never" nodeType="tmRoot"/>
+      </p:par>
+    </p:tnLst>
+  </p:timing>
 </p:sld>
 </file>
 
@@ -4778,12 +4509,12 @@
               <a:buNone/>
             </a:pPr>
             <a:r>
-              <a:rPr lang="fr-FR" dirty="0" err="1" smtClean="0">
+              <a:rPr lang="en-US" dirty="0" err="1" smtClean="0">
                 <a:latin typeface="Lucida Console" pitchFamily="49" charset="0"/>
               </a:rPr>
               <a:t>javac</a:t>
             </a:r>
-            <a:endParaRPr lang="fr-FR" dirty="0">
+            <a:endParaRPr lang="en-US" dirty="0" smtClean="0">
               <a:latin typeface="Lucida Console" pitchFamily="49" charset="0"/>
             </a:endParaRPr>
           </a:p>
@@ -4792,19 +4523,19 @@
               <a:buNone/>
             </a:pPr>
             <a:r>
-              <a:rPr lang="fr-FR" dirty="0" smtClean="0">
+              <a:rPr lang="en-US" dirty="0" smtClean="0">
                 <a:latin typeface="Lucida Console" pitchFamily="49" charset="0"/>
               </a:rPr>
               <a:t>-</a:t>
             </a:r>
             <a:r>
-              <a:rPr lang="fr-FR" dirty="0" err="1" smtClean="0">
+              <a:rPr lang="en-US" dirty="0" err="1" smtClean="0">
                 <a:latin typeface="Lucida Console" pitchFamily="49" charset="0"/>
               </a:rPr>
               <a:t>cp</a:t>
             </a:r>
             <a:r>
-              <a:rPr lang="fr-FR" dirty="0" smtClean="0">
+              <a:rPr lang="en-US" dirty="0" smtClean="0">
                 <a:latin typeface="Lucida Console" pitchFamily="49" charset="0"/>
               </a:rPr>
               <a:t> $CLASSPATH</a:t>
@@ -4815,18 +4546,18 @@
               <a:buNone/>
             </a:pPr>
             <a:r>
-              <a:rPr lang="fr-FR" dirty="0" smtClean="0">
+              <a:rPr lang="en-US" dirty="0" smtClean="0">
                 <a:latin typeface="Lucida Console" pitchFamily="49" charset="0"/>
               </a:rPr>
               <a:t>-</a:t>
             </a:r>
             <a:r>
-              <a:rPr lang="fr-FR" dirty="0" err="1" smtClean="0">
+              <a:rPr lang="en-US" dirty="0" err="1" smtClean="0">
                 <a:latin typeface="Lucida Console" pitchFamily="49" charset="0"/>
               </a:rPr>
               <a:t>proc:only</a:t>
             </a:r>
-            <a:endParaRPr lang="fr-FR" dirty="0">
+            <a:endParaRPr lang="en-US" dirty="0" smtClean="0">
               <a:latin typeface="Lucida Console" pitchFamily="49" charset="0"/>
             </a:endParaRPr>
           </a:p>
@@ -4835,22 +4566,66 @@
               <a:buNone/>
             </a:pPr>
             <a:r>
-              <a:rPr lang="fr-FR" dirty="0" smtClean="0">
+              <a:rPr lang="en-US" dirty="0" smtClean="0">
+                <a:latin typeface="Lucida Console" pitchFamily="49" charset="0"/>
+              </a:rPr>
+              <a:t>-encoding UTF-8</a:t>
+            </a:r>
+          </a:p>
+          <a:p>
+            <a:pPr marL="400050" lvl="1" indent="0">
+              <a:buNone/>
+            </a:pPr>
+            <a:r>
+              <a:rPr lang="en-US" dirty="0" smtClean="0">
+                <a:latin typeface="Lucida Console" pitchFamily="49" charset="0"/>
+              </a:rPr>
+              <a:t>-processor $PROCESSOR</a:t>
+            </a:r>
+          </a:p>
+          <a:p>
+            <a:pPr marL="400050" lvl="1" indent="0">
+              <a:buNone/>
+            </a:pPr>
+            <a:r>
+              <a:rPr lang="en-US" dirty="0" smtClean="0">
+                <a:latin typeface="Lucida Console" pitchFamily="49" charset="0"/>
+              </a:rPr>
+              <a:t>-d $PROJECT_HOME\target\classes</a:t>
+            </a:r>
+          </a:p>
+          <a:p>
+            <a:pPr marL="400050" lvl="1" indent="0">
+              <a:buNone/>
+            </a:pPr>
+            <a:r>
+              <a:rPr lang="en-US" dirty="0" smtClean="0">
+                <a:latin typeface="Lucida Console" pitchFamily="49" charset="0"/>
+              </a:rPr>
+              <a:t>-s $PROJECT_HOME\target\generated-sources\apt</a:t>
+            </a:r>
+          </a:p>
+          <a:p>
+            <a:pPr marL="400050" lvl="1" indent="0">
+              <a:buNone/>
+            </a:pPr>
+            <a:r>
+              <a:rPr lang="en-US" dirty="0" smtClean="0">
                 <a:latin typeface="Lucida Console" pitchFamily="49" charset="0"/>
               </a:rPr>
               <a:t>-</a:t>
             </a:r>
             <a:r>
-              <a:rPr lang="fr-FR" dirty="0" err="1" smtClean="0">
+              <a:rPr lang="en-US" dirty="0" err="1" smtClean="0">
                 <a:latin typeface="Lucida Console" pitchFamily="49" charset="0"/>
               </a:rPr>
-              <a:t>encoding</a:t>
-            </a:r>
-            <a:r>
-              <a:rPr lang="fr-FR" dirty="0" smtClean="0">
+              <a:t>sourcepath</a:t>
+            </a:r>
+            <a:r>
+              <a:rPr lang="en-US" dirty="0" smtClean="0">
                 <a:latin typeface="Lucida Console" pitchFamily="49" charset="0"/>
               </a:rPr>
-              <a:t> UTF-8</a:t>
+              <a:t> $SOURCE_PATH</a:t>
             </a:r>
           </a:p>
           <a:p>
@@ -4858,10 +4633,10 @@
               <a:buNone/>
             </a:pPr>
             <a:r>
-              <a:rPr lang="fr-FR" dirty="0" smtClean="0">
+              <a:rPr lang="en-US" dirty="0" smtClean="0">
                 <a:latin typeface="Lucida Console" pitchFamily="49" charset="0"/>
               </a:rPr>
-              <a:t>-processor $PROCESSOR</a:t>
+              <a:t>-verbose</a:t>
             </a:r>
           </a:p>
           <a:p>
@@ -4869,128 +4644,12 @@
               <a:buNone/>
             </a:pPr>
             <a:r>
-              <a:rPr lang="fr-FR" dirty="0" smtClean="0">
+              <a:rPr lang="en-US" dirty="0" smtClean="0">
                 <a:latin typeface="Lucida Console" pitchFamily="49" charset="0"/>
               </a:rPr>
-              <a:t>-d $PROJECT_HOME\</a:t>
-            </a:r>
-            <a:r>
-              <a:rPr lang="fr-FR" dirty="0" err="1" smtClean="0">
-                <a:latin typeface="Lucida Console" pitchFamily="49" charset="0"/>
-              </a:rPr>
-              <a:t>target</a:t>
-            </a:r>
-            <a:r>
-              <a:rPr lang="fr-FR" dirty="0" smtClean="0">
-                <a:latin typeface="Lucida Console" pitchFamily="49" charset="0"/>
-              </a:rPr>
-              <a:t>\classes</a:t>
-            </a:r>
-          </a:p>
-          <a:p>
-            <a:pPr marL="400050" lvl="1" indent="0">
-              <a:buNone/>
-            </a:pPr>
-            <a:r>
-              <a:rPr lang="fr-FR" dirty="0" smtClean="0">
-                <a:latin typeface="Lucida Console" pitchFamily="49" charset="0"/>
-              </a:rPr>
-              <a:t>-s $PROJECT_HOME\</a:t>
-            </a:r>
-            <a:r>
-              <a:rPr lang="fr-FR" dirty="0" err="1" smtClean="0">
-                <a:latin typeface="Lucida Console" pitchFamily="49" charset="0"/>
-              </a:rPr>
-              <a:t>target</a:t>
-            </a:r>
-            <a:r>
-              <a:rPr lang="fr-FR" dirty="0" smtClean="0">
-                <a:latin typeface="Lucida Console" pitchFamily="49" charset="0"/>
-              </a:rPr>
-              <a:t>\</a:t>
-            </a:r>
-            <a:r>
-              <a:rPr lang="fr-FR" dirty="0" err="1" smtClean="0">
-                <a:latin typeface="Lucida Console" pitchFamily="49" charset="0"/>
-              </a:rPr>
-              <a:t>generated</a:t>
-            </a:r>
-            <a:r>
-              <a:rPr lang="fr-FR" dirty="0" smtClean="0">
-                <a:latin typeface="Lucida Console" pitchFamily="49" charset="0"/>
-              </a:rPr>
-              <a:t>-sources\</a:t>
-            </a:r>
-            <a:r>
-              <a:rPr lang="fr-FR" dirty="0" err="1" smtClean="0">
-                <a:latin typeface="Lucida Console" pitchFamily="49" charset="0"/>
-              </a:rPr>
-              <a:t>apt</a:t>
-            </a:r>
-            <a:endParaRPr lang="fr-FR" dirty="0">
-              <a:latin typeface="Lucida Console" pitchFamily="49" charset="0"/>
-            </a:endParaRPr>
-          </a:p>
-          <a:p>
-            <a:pPr marL="400050" lvl="1" indent="0">
-              <a:buNone/>
-            </a:pPr>
-            <a:r>
-              <a:rPr lang="fr-FR" dirty="0" smtClean="0">
-                <a:latin typeface="Lucida Console" pitchFamily="49" charset="0"/>
-              </a:rPr>
-              <a:t>-</a:t>
-            </a:r>
-            <a:r>
-              <a:rPr lang="fr-FR" dirty="0" err="1" smtClean="0">
-                <a:latin typeface="Lucida Console" pitchFamily="49" charset="0"/>
-              </a:rPr>
-              <a:t>sourcepath</a:t>
-            </a:r>
-            <a:r>
-              <a:rPr lang="fr-FR" dirty="0" smtClean="0">
-                <a:latin typeface="Lucida Console" pitchFamily="49" charset="0"/>
-              </a:rPr>
-              <a:t> $SOURCE_PATH</a:t>
-            </a:r>
-          </a:p>
-          <a:p>
-            <a:pPr marL="400050" lvl="1" indent="0">
-              <a:buNone/>
-            </a:pPr>
-            <a:r>
-              <a:rPr lang="fr-FR" dirty="0" smtClean="0">
-                <a:latin typeface="Lucida Console" pitchFamily="49" charset="0"/>
-              </a:rPr>
-              <a:t>-</a:t>
-            </a:r>
-            <a:r>
-              <a:rPr lang="fr-FR" dirty="0" err="1" smtClean="0">
-                <a:latin typeface="Lucida Console" pitchFamily="49" charset="0"/>
-              </a:rPr>
-              <a:t>verbose</a:t>
-            </a:r>
-            <a:endParaRPr lang="fr-FR" dirty="0" smtClean="0">
-              <a:latin typeface="Lucida Console" pitchFamily="49" charset="0"/>
-            </a:endParaRPr>
-          </a:p>
-          <a:p>
-            <a:pPr marL="400050" lvl="1" indent="0">
-              <a:buNone/>
-            </a:pPr>
-            <a:r>
-              <a:rPr lang="fr-FR" dirty="0">
-                <a:latin typeface="Lucida Console" pitchFamily="49" charset="0"/>
-              </a:rPr>
-              <a:t>$</a:t>
-            </a:r>
-            <a:r>
-              <a:rPr lang="fr-FR" dirty="0" smtClean="0">
-                <a:latin typeface="Lucida Console" pitchFamily="49" charset="0"/>
-              </a:rPr>
-              <a:t>FILES</a:t>
-            </a:r>
-            <a:endParaRPr lang="fr-FR" dirty="0">
+              <a:t>$FILES</a:t>
+            </a:r>
+            <a:endParaRPr lang="en-US" dirty="0">
               <a:latin typeface="Lucida Console" pitchFamily="49" charset="0"/>
             </a:endParaRPr>
           </a:p>
@@ -5055,26 +4714,18 @@
           <a:lstStyle/>
           <a:p>
             <a:r>
-              <a:rPr lang="fr-FR" dirty="0" smtClean="0"/>
-              <a:t>APT </a:t>
-            </a:r>
-            <a:r>
-              <a:rPr lang="fr-FR" dirty="0" err="1" smtClean="0"/>
-              <a:t>from</a:t>
-            </a:r>
-            <a:r>
-              <a:rPr lang="fr-FR" dirty="0" smtClean="0"/>
-              <a:t> </a:t>
-            </a:r>
-            <a:r>
-              <a:rPr lang="fr-FR" dirty="0" err="1" smtClean="0"/>
+              <a:rPr lang="en-US" dirty="0" smtClean="0"/>
+              <a:t>APT from </a:t>
+            </a:r>
+            <a:r>
+              <a:rPr lang="en-US" dirty="0" err="1" smtClean="0"/>
               <a:t>javac</a:t>
             </a:r>
             <a:r>
-              <a:rPr lang="fr-FR" dirty="0" smtClean="0"/>
+              <a:rPr lang="en-US" dirty="0" smtClean="0"/>
               <a:t> command line</a:t>
             </a:r>
-            <a:endParaRPr lang="fr-FR" dirty="0"/>
+            <a:endParaRPr lang="en-US" dirty="0"/>
           </a:p>
         </p:txBody>
       </p:sp>
@@ -5414,7 +5065,7 @@
   <p:timing>
     <p:tnLst>
       <p:par>
-        <p:cTn xmlns:p14="http://schemas.microsoft.com/office/powerpoint/2010/main" id="1" dur="indefinite" restart="never" nodeType="tmRoot"/>
+        <p:cTn id="1" dur="indefinite" restart="never" nodeType="tmRoot"/>
       </p:par>
     </p:tnLst>
   </p:timing>
@@ -5456,26 +5107,14 @@
           <a:lstStyle/>
           <a:p>
             <a:r>
-              <a:rPr lang="fr-FR" dirty="0" err="1" smtClean="0"/>
-              <a:t>Similarities</a:t>
-            </a:r>
-            <a:r>
-              <a:rPr lang="fr-FR" dirty="0" smtClean="0"/>
-              <a:t> </a:t>
-            </a:r>
-            <a:r>
-              <a:rPr lang="fr-FR" dirty="0" err="1" smtClean="0"/>
-              <a:t>with</a:t>
-            </a:r>
-            <a:r>
-              <a:rPr lang="fr-FR" dirty="0" smtClean="0"/>
-              <a:t> </a:t>
-            </a:r>
-            <a:r>
-              <a:rPr lang="fr-FR" dirty="0" err="1" smtClean="0"/>
+              <a:rPr lang="en-US" dirty="0" smtClean="0"/>
+              <a:t>Similarities with </a:t>
+            </a:r>
+            <a:r>
+              <a:rPr lang="en-US" dirty="0" err="1" smtClean="0"/>
               <a:t>java.lang.reflect</a:t>
             </a:r>
-            <a:endParaRPr lang="fr-FR" dirty="0"/>
+            <a:endParaRPr lang="en-US" dirty="0"/>
           </a:p>
         </p:txBody>
       </p:sp>
@@ -5723,15 +5362,15 @@
               <a:buChar char="•"/>
             </a:pPr>
             <a:r>
-              <a:rPr lang="fr-FR" sz="2800" dirty="0" smtClean="0"/>
+              <a:rPr lang="en-US" sz="2800" dirty="0" smtClean="0"/>
               <a:t>NO </a:t>
             </a:r>
             <a:r>
-              <a:rPr lang="fr-FR" sz="2800" dirty="0" err="1" smtClean="0"/>
+              <a:rPr lang="en-US" sz="2800" dirty="0" err="1" smtClean="0"/>
               <a:t>Class.newInstance</a:t>
             </a:r>
             <a:r>
-              <a:rPr lang="fr-FR" sz="2800" dirty="0" smtClean="0"/>
+              <a:rPr lang="en-US" sz="2800" dirty="0" smtClean="0"/>
               <a:t>()</a:t>
             </a:r>
           </a:p>
@@ -5741,23 +5380,23 @@
               <a:buChar char="•"/>
             </a:pPr>
             <a:r>
-              <a:rPr lang="fr-FR" sz="2800" dirty="0" smtClean="0"/>
+              <a:rPr lang="en-US" sz="2800" dirty="0" smtClean="0"/>
               <a:t>NO </a:t>
             </a:r>
             <a:r>
-              <a:rPr lang="fr-FR" sz="2800" dirty="0" err="1" smtClean="0"/>
+              <a:rPr lang="en-US" sz="2800" dirty="0" err="1" smtClean="0"/>
               <a:t>instanceOf</a:t>
             </a:r>
             <a:r>
-              <a:rPr lang="fr-FR" sz="2800" dirty="0"/>
+              <a:rPr lang="en-US" sz="2800" dirty="0" smtClean="0"/>
               <a:t>, NO </a:t>
             </a:r>
             <a:r>
-              <a:rPr lang="fr-FR" sz="2800" dirty="0" err="1"/>
+              <a:rPr lang="en-US" sz="2800" dirty="0" err="1" smtClean="0"/>
               <a:t>isAssignable</a:t>
             </a:r>
             <a:r>
-              <a:rPr lang="fr-FR" sz="2800" dirty="0"/>
+              <a:rPr lang="en-US" sz="2800" dirty="0" smtClean="0"/>
               <a:t>()</a:t>
             </a:r>
           </a:p>
@@ -5767,26 +5406,25 @@
               <a:buChar char="•"/>
             </a:pPr>
             <a:r>
-              <a:rPr lang="fr-FR" sz="2800" dirty="0"/>
+              <a:rPr lang="en-US" sz="2800" dirty="0" smtClean="0"/>
               <a:t>NO </a:t>
             </a:r>
             <a:r>
-              <a:rPr lang="fr-FR" sz="2800" dirty="0" err="1" smtClean="0"/>
+              <a:rPr lang="en-US" sz="2800" dirty="0" err="1" smtClean="0"/>
               <a:t>getConstructor</a:t>
             </a:r>
             <a:r>
-              <a:rPr lang="fr-FR" sz="2800" dirty="0"/>
+              <a:rPr lang="en-US" sz="2800" dirty="0" smtClean="0"/>
               <a:t>, </a:t>
             </a:r>
             <a:r>
-              <a:rPr lang="fr-FR" sz="2800" dirty="0" err="1" smtClean="0"/>
+              <a:rPr lang="en-US" sz="2800" dirty="0" err="1" smtClean="0"/>
               <a:t>getMethod</a:t>
             </a:r>
             <a:r>
-              <a:rPr lang="fr-FR" sz="2800" dirty="0" smtClean="0"/>
+              <a:rPr lang="en-US" sz="2800" dirty="0" smtClean="0"/>
               <a:t>, …</a:t>
             </a:r>
-            <a:endParaRPr lang="fr-FR" sz="2800" dirty="0"/>
           </a:p>
           <a:p>
             <a:pPr marL="285750" indent="-285750">
@@ -5794,22 +5432,10 @@
               <a:buChar char="•"/>
             </a:pPr>
             <a:r>
-              <a:rPr lang="fr-FR" sz="2800" dirty="0" err="1" smtClean="0"/>
-              <a:t>Weak</a:t>
-            </a:r>
-            <a:r>
-              <a:rPr lang="fr-FR" sz="2800" dirty="0" smtClean="0"/>
-              <a:t> </a:t>
-            </a:r>
-            <a:r>
-              <a:rPr lang="fr-FR" sz="2800" dirty="0" err="1" smtClean="0"/>
-              <a:t>inheritance</a:t>
-            </a:r>
-            <a:r>
-              <a:rPr lang="fr-FR" sz="2800" dirty="0" smtClean="0"/>
-              <a:t> management</a:t>
-            </a:r>
-            <a:endParaRPr lang="fr-FR" sz="2800" dirty="0"/>
+              <a:rPr lang="en-US" sz="2800" dirty="0" smtClean="0"/>
+              <a:t>Weak inheritance management</a:t>
+            </a:r>
+            <a:endParaRPr lang="en-US" sz="2800" dirty="0"/>
           </a:p>
         </p:txBody>
       </p:sp>
@@ -5826,7 +5452,7 @@
   <p:timing>
     <p:tnLst>
       <p:par>
-        <p:cTn xmlns:p14="http://schemas.microsoft.com/office/powerpoint/2010/main" id="1" dur="indefinite" restart="never" nodeType="tmRoot"/>
+        <p:cTn id="1" dur="indefinite" restart="never" nodeType="tmRoot"/>
       </p:par>
     </p:tnLst>
   </p:timing>
@@ -5866,10 +5492,10 @@
           <a:lstStyle/>
           <a:p>
             <a:r>
-              <a:rPr lang="fr-FR" dirty="0" smtClean="0"/>
-              <a:t>Ca sert à quoi ?</a:t>
-            </a:r>
-            <a:endParaRPr lang="fr-FR" dirty="0"/>
+              <a:rPr lang="en-US" dirty="0" smtClean="0"/>
+              <a:t>Useful or not ?</a:t>
+            </a:r>
+            <a:endParaRPr lang="en-US" dirty="0"/>
           </a:p>
         </p:txBody>
       </p:sp>
@@ -5891,84 +5517,142 @@
           <a:lstStyle/>
           <a:p>
             <a:r>
-              <a:rPr lang="fr-FR" dirty="0" smtClean="0"/>
-              <a:t>Injecter des patterns répétitifs et complexes</a:t>
-            </a:r>
-          </a:p>
-          <a:p>
-            <a:r>
-              <a:rPr lang="fr-FR" dirty="0" smtClean="0"/>
-              <a:t>Générer des </a:t>
-            </a:r>
-            <a:r>
-              <a:rPr lang="fr-FR" dirty="0" err="1" smtClean="0"/>
-              <a:t>factories</a:t>
-            </a:r>
-            <a:r>
-              <a:rPr lang="fr-FR" dirty="0" smtClean="0"/>
-              <a:t>, des singletons</a:t>
-            </a:r>
-          </a:p>
-          <a:p>
-            <a:r>
-              <a:rPr lang="fr-FR" dirty="0" smtClean="0"/>
-              <a:t>Générer des délégations avec du code de management</a:t>
+              <a:rPr lang="en-US" dirty="0" err="1" smtClean="0"/>
+              <a:t>Injecter</a:t>
+            </a:r>
+            <a:r>
+              <a:rPr lang="en-US" dirty="0" smtClean="0"/>
+              <a:t> des patterns </a:t>
+            </a:r>
+            <a:r>
+              <a:rPr lang="en-US" dirty="0" err="1" smtClean="0"/>
+              <a:t>répétitifs</a:t>
+            </a:r>
+            <a:r>
+              <a:rPr lang="en-US" dirty="0" smtClean="0"/>
+              <a:t> et complexes</a:t>
+            </a:r>
+          </a:p>
+          <a:p>
+            <a:r>
+              <a:rPr lang="en-US" dirty="0" err="1" smtClean="0"/>
+              <a:t>Générer</a:t>
+            </a:r>
+            <a:r>
+              <a:rPr lang="en-US" dirty="0" smtClean="0"/>
+              <a:t> des factories, des singletons</a:t>
+            </a:r>
+          </a:p>
+          <a:p>
+            <a:r>
+              <a:rPr lang="en-US" dirty="0" err="1" smtClean="0"/>
+              <a:t>Générer</a:t>
+            </a:r>
+            <a:r>
+              <a:rPr lang="en-US" dirty="0" smtClean="0"/>
+              <a:t> des </a:t>
+            </a:r>
+            <a:r>
+              <a:rPr lang="en-US" dirty="0" err="1" smtClean="0"/>
+              <a:t>délégations</a:t>
+            </a:r>
+            <a:r>
+              <a:rPr lang="en-US" dirty="0" smtClean="0"/>
+              <a:t> avec du code de management</a:t>
             </a:r>
           </a:p>
           <a:p>
             <a:pPr lvl="1"/>
             <a:r>
-              <a:rPr lang="fr-FR" dirty="0" smtClean="0"/>
+              <a:rPr lang="en-US" dirty="0" smtClean="0"/>
               <a:t>Assertions</a:t>
             </a:r>
           </a:p>
           <a:p>
             <a:pPr lvl="1"/>
             <a:r>
-              <a:rPr lang="fr-FR" dirty="0"/>
-              <a:t>S</a:t>
-            </a:r>
-            <a:r>
-              <a:rPr lang="fr-FR" dirty="0" smtClean="0"/>
-              <a:t>onde JMX</a:t>
+              <a:rPr lang="en-US" dirty="0" err="1" smtClean="0"/>
+              <a:t>Sonde</a:t>
+            </a:r>
+            <a:r>
+              <a:rPr lang="en-US" dirty="0" smtClean="0"/>
+              <a:t> JMX</a:t>
             </a:r>
           </a:p>
           <a:p>
             <a:pPr lvl="1"/>
             <a:r>
-              <a:rPr lang="fr-FR" dirty="0" smtClean="0"/>
+              <a:rPr lang="en-US" dirty="0" smtClean="0"/>
               <a:t>Transaction</a:t>
             </a:r>
           </a:p>
           <a:p>
             <a:pPr lvl="1"/>
             <a:r>
-              <a:rPr lang="fr-FR" dirty="0" smtClean="0"/>
-              <a:t>Gestion des data sources</a:t>
-            </a:r>
-          </a:p>
-          <a:p>
-            <a:r>
-              <a:rPr lang="fr-FR" dirty="0" smtClean="0"/>
-              <a:t>Générer des rapports sur du code</a:t>
+              <a:rPr lang="en-US" dirty="0" err="1" smtClean="0"/>
+              <a:t>Gestion</a:t>
+            </a:r>
+            <a:r>
+              <a:rPr lang="en-US" dirty="0" smtClean="0"/>
+              <a:t> des data sources</a:t>
+            </a:r>
+          </a:p>
+          <a:p>
+            <a:r>
+              <a:rPr lang="en-US" dirty="0" err="1" smtClean="0"/>
+              <a:t>Générer</a:t>
+            </a:r>
+            <a:r>
+              <a:rPr lang="en-US" dirty="0" smtClean="0"/>
+              <a:t> des rapports </a:t>
+            </a:r>
+            <a:r>
+              <a:rPr lang="en-US" dirty="0" err="1" smtClean="0"/>
+              <a:t>sur</a:t>
+            </a:r>
+            <a:r>
+              <a:rPr lang="en-US" dirty="0" smtClean="0"/>
+              <a:t> du code</a:t>
             </a:r>
           </a:p>
           <a:p>
             <a:pPr lvl="1"/>
             <a:r>
-              <a:rPr lang="fr-FR" dirty="0" smtClean="0"/>
-              <a:t>Tables de références</a:t>
-            </a:r>
+              <a:rPr lang="en-US" dirty="0" smtClean="0"/>
+              <a:t>Tables de </a:t>
+            </a:r>
+            <a:r>
+              <a:rPr lang="en-US" dirty="0" err="1" smtClean="0"/>
+              <a:t>références</a:t>
+            </a:r>
+            <a:endParaRPr lang="en-US" dirty="0" smtClean="0"/>
           </a:p>
           <a:p>
             <a:pPr lvl="1"/>
             <a:r>
-              <a:rPr lang="fr-FR" dirty="0" smtClean="0"/>
-              <a:t>Requêtes SQL embarquées dans le code java</a:t>
-            </a:r>
-          </a:p>
-          <a:p>
-            <a:endParaRPr lang="fr-FR" dirty="0"/>
+              <a:rPr lang="en-US" dirty="0" err="1" smtClean="0"/>
+              <a:t>Requêtes</a:t>
+            </a:r>
+            <a:r>
+              <a:rPr lang="en-US" dirty="0" smtClean="0"/>
+              <a:t> SQL </a:t>
+            </a:r>
+            <a:r>
+              <a:rPr lang="en-US" dirty="0" err="1" smtClean="0"/>
+              <a:t>embarquées</a:t>
+            </a:r>
+            <a:r>
+              <a:rPr lang="en-US" dirty="0" smtClean="0"/>
+              <a:t> </a:t>
+            </a:r>
+            <a:r>
+              <a:rPr lang="en-US" dirty="0" err="1" smtClean="0"/>
+              <a:t>dans</a:t>
+            </a:r>
+            <a:r>
+              <a:rPr lang="en-US" dirty="0" smtClean="0"/>
+              <a:t> le code java</a:t>
+            </a:r>
           </a:p>
         </p:txBody>
       </p:sp>
@@ -5985,7 +5669,7 @@
   <p:timing>
     <p:tnLst>
       <p:par>
-        <p:cTn xmlns:p14="http://schemas.microsoft.com/office/powerpoint/2010/main" id="1" dur="indefinite" restart="never" nodeType="tmRoot"/>
+        <p:cTn id="1" dur="indefinite" restart="never" nodeType="tmRoot"/>
       </p:par>
     </p:tnLst>
   </p:timing>
@@ -6081,63 +5765,36 @@
           <a:p>
             <a:pPr marL="216027" indent="-216027"/>
             <a:r>
-              <a:rPr lang="fr-FR" sz="2000" b="1" dirty="0"/>
-              <a:t>Agile Team </a:t>
-            </a:r>
-            <a:r>
-              <a:rPr lang="fr-FR" sz="2000" b="1" dirty="0" smtClean="0"/>
-              <a:t>Lead</a:t>
-            </a:r>
-            <a:endParaRPr lang="fr-FR" sz="2000" b="1" dirty="0"/>
+              <a:rPr lang="en-US" sz="2000" b="1" dirty="0" smtClean="0"/>
+              <a:t>Agile Team Lead</a:t>
+            </a:r>
           </a:p>
           <a:p>
             <a:pPr marL="216027" indent="-216027"/>
-            <a:endParaRPr lang="fr-FR" sz="2000" b="1" dirty="0"/>
+            <a:endParaRPr lang="en-US" sz="2000" b="1" dirty="0" smtClean="0"/>
           </a:p>
           <a:p>
             <a:pPr marL="216027" indent="-216027"/>
-            <a:endParaRPr lang="fr-FR" sz="2000" b="1" dirty="0"/>
+            <a:endParaRPr lang="en-US" sz="2000" b="1" dirty="0" smtClean="0"/>
           </a:p>
           <a:p>
             <a:pPr marL="216027" indent="-216027"/>
             <a:r>
-              <a:rPr lang="fr-FR" sz="2000" b="1" dirty="0" smtClean="0"/>
+              <a:rPr lang="en-US" sz="2000" b="1" dirty="0" smtClean="0"/>
               <a:t>Senior Coder</a:t>
             </a:r>
           </a:p>
           <a:p>
             <a:pPr marL="216027" indent="-216027"/>
             <a:r>
-              <a:rPr lang="fr-FR" sz="2000" b="1" dirty="0" smtClean="0"/>
-              <a:t>Software </a:t>
-            </a:r>
-            <a:r>
-              <a:rPr lang="fr-FR" sz="2000" b="1" dirty="0" err="1" smtClean="0"/>
-              <a:t>Factory</a:t>
-            </a:r>
-            <a:r>
-              <a:rPr lang="fr-FR" sz="2000" b="1" dirty="0" smtClean="0"/>
-              <a:t> &amp; </a:t>
-            </a:r>
-            <a:r>
-              <a:rPr lang="fr-FR" sz="2000" b="1" dirty="0" err="1" smtClean="0"/>
+              <a:rPr lang="en-US" sz="2000" b="1" dirty="0" smtClean="0"/>
+              <a:t>Software Factory &amp; </a:t>
+            </a:r>
+            <a:r>
+              <a:rPr lang="en-US" sz="2000" b="1" dirty="0" err="1" smtClean="0"/>
               <a:t>DevOps</a:t>
             </a:r>
-            <a:endParaRPr lang="fr-FR" sz="2000" b="1" dirty="0" smtClean="0"/>
-          </a:p>
-          <a:p>
-            <a:pPr marL="216027" indent="-216027"/>
-            <a:endParaRPr lang="fr-FR" sz="2000" b="1" dirty="0" smtClean="0"/>
-          </a:p>
-          <a:p>
-            <a:pPr marL="0" indent="0">
-              <a:buNone/>
-            </a:pPr>
-            <a:r>
-              <a:rPr lang="fr-FR" sz="2000" b="1" dirty="0" smtClean="0"/>
-              <a:t> </a:t>
-            </a:r>
-            <a:endParaRPr lang="fr-FR" sz="2000" b="1" dirty="0"/>
+            <a:endParaRPr lang="en-US" sz="2000" b="1" dirty="0" smtClean="0"/>
           </a:p>
         </p:txBody>
       </p:sp>
@@ -6185,37 +5842,33 @@
           <a:p>
             <a:pPr marL="216027" indent="-216027"/>
             <a:r>
-              <a:rPr lang="fr-FR" sz="2000" b="1" dirty="0" smtClean="0"/>
-              <a:t>Développeur </a:t>
-            </a:r>
-            <a:r>
-              <a:rPr lang="fr-FR" sz="2000" b="1" dirty="0"/>
-              <a:t>java depuis 1999</a:t>
+              <a:rPr lang="en-US" sz="2000" b="1" dirty="0" smtClean="0"/>
+              <a:t>Java developer </a:t>
+            </a:r>
+            <a:r>
+              <a:rPr lang="en-US" sz="2000" b="1" dirty="0" smtClean="0"/>
+              <a:t>since 1999</a:t>
             </a:r>
           </a:p>
           <a:p>
             <a:pPr marL="216027" indent="-216027"/>
             <a:r>
-              <a:rPr lang="fr-FR" sz="2000" b="1" dirty="0"/>
-              <a:t>Architecte </a:t>
-            </a:r>
-            <a:r>
-              <a:rPr lang="fr-FR" sz="2000" b="1" dirty="0" smtClean="0"/>
-              <a:t>pour</a:t>
+              <a:rPr lang="en-US" sz="2000" b="1" dirty="0" smtClean="0"/>
+              <a:t>Software architect for</a:t>
             </a:r>
           </a:p>
           <a:p>
             <a:pPr marL="216027" indent="-216027"/>
-            <a:endParaRPr lang="fr-FR" sz="2000" b="1" dirty="0"/>
+            <a:endParaRPr lang="en-US" sz="2000" b="1" dirty="0" smtClean="0"/>
           </a:p>
           <a:p>
             <a:pPr marL="216027" indent="-216027"/>
-            <a:endParaRPr lang="fr-FR" sz="2000" b="1" dirty="0"/>
+            <a:endParaRPr lang="en-US" sz="2000" b="1" dirty="0" smtClean="0"/>
           </a:p>
           <a:p>
             <a:pPr marL="216027" indent="-216027"/>
             <a:r>
-              <a:rPr lang="fr-FR" sz="2000" b="1" dirty="0"/>
+              <a:rPr lang="en-US" sz="2000" b="1" dirty="0" smtClean="0"/>
               <a:t>ILOG - IBM</a:t>
             </a:r>
           </a:p>
@@ -6225,9 +5878,18 @@
               <a:buChar char="ü"/>
             </a:pPr>
             <a:r>
-              <a:rPr lang="fr-FR" sz="1800" b="1" dirty="0"/>
-              <a:t>librairie graphique 2D</a:t>
-            </a:r>
+              <a:rPr lang="en-US" sz="1800" b="1" dirty="0"/>
+              <a:t>2D </a:t>
+            </a:r>
+            <a:r>
+              <a:rPr lang="en-US" sz="1800" b="1" dirty="0" smtClean="0"/>
+              <a:t>graphic </a:t>
+            </a:r>
+            <a:r>
+              <a:rPr lang="en-US" sz="1800" b="1" dirty="0"/>
+              <a:t>toolkit</a:t>
+            </a:r>
+            <a:endParaRPr lang="en-US" sz="1800" b="1" dirty="0" smtClean="0"/>
           </a:p>
           <a:p>
             <a:pPr marL="288036" lvl="1" indent="-288036">
@@ -6235,14 +5897,14 @@
               <a:buChar char="ü"/>
             </a:pPr>
             <a:r>
-              <a:rPr lang="fr-FR" sz="1800" b="1" dirty="0"/>
-              <a:t>moteur de règles</a:t>
+              <a:rPr lang="en-US" sz="1800" b="1" dirty="0" smtClean="0"/>
+              <a:t>Rule engine</a:t>
             </a:r>
           </a:p>
           <a:p>
             <a:pPr marL="216027" indent="-216027"/>
             <a:r>
-              <a:rPr lang="fr-FR" sz="2000" b="1" dirty="0"/>
+              <a:rPr lang="en-US" sz="2000" b="1" dirty="0" smtClean="0"/>
               <a:t>Prima-Solutions</a:t>
             </a:r>
           </a:p>
@@ -6252,8 +5914,8 @@
               <a:buChar char="ü"/>
             </a:pPr>
             <a:r>
-              <a:rPr lang="fr-FR" sz="1800" b="1" dirty="0"/>
-              <a:t>plate-forme de services pour J2EE</a:t>
+              <a:rPr lang="en-US" sz="1800" b="1" dirty="0" smtClean="0"/>
+              <a:t>Services platform for J2EE</a:t>
             </a:r>
           </a:p>
           <a:p>
@@ -6262,10 +5924,10 @@
               <a:buChar char="ü"/>
             </a:pPr>
             <a:r>
-              <a:rPr lang="fr-FR" sz="1800" b="1" dirty="0"/>
-              <a:t>code génération de modèle métier</a:t>
-            </a:r>
-            <a:endParaRPr lang="fr-FR" sz="1800" dirty="0"/>
+              <a:rPr lang="en-US" sz="1800" b="1" dirty="0" smtClean="0"/>
+              <a:t>Domain models code generators</a:t>
+            </a:r>
+            <a:endParaRPr lang="en-US" sz="1800" dirty="0"/>
           </a:p>
         </p:txBody>
       </p:sp>
@@ -6302,7 +5964,7 @@
           <p:nvPr/>
         </p:nvPicPr>
         <p:blipFill>
-          <a:blip r:embed="rId2">
+          <a:blip r:embed="rId2" cstate="print">
             <a:extLst>
               <a:ext uri="{28A0092B-C50C-407E-A947-70E740481C1C}">
                 <a14:useLocalDpi xmlns:a14="http://schemas.microsoft.com/office/drawing/2010/main" val="0"/>
@@ -6332,7 +5994,7 @@
           <p:nvPr/>
         </p:nvPicPr>
         <p:blipFill>
-          <a:blip r:embed="rId2">
+          <a:blip r:embed="rId2" cstate="print">
             <a:extLst>
               <a:ext uri="{28A0092B-C50C-407E-A947-70E740481C1C}">
                 <a14:useLocalDpi xmlns:a14="http://schemas.microsoft.com/office/drawing/2010/main" val="0"/>
@@ -6374,7 +6036,7 @@
   <p:timing>
     <p:tnLst>
       <p:par>
-        <p:cTn xmlns:p14="http://schemas.microsoft.com/office/powerpoint/2010/main" id="1" dur="indefinite" restart="never" nodeType="tmRoot"/>
+        <p:cTn id="1" dur="indefinite" restart="never" nodeType="tmRoot"/>
       </p:par>
     </p:tnLst>
   </p:timing>
@@ -6416,14 +6078,18 @@
           <a:lstStyle/>
           <a:p>
             <a:r>
-              <a:rPr lang="fr-FR" dirty="0" smtClean="0"/>
-              <a:t>Pattern avec injection – je fais un </a:t>
-            </a:r>
-            <a:r>
-              <a:rPr lang="fr-FR" dirty="0" err="1" smtClean="0"/>
-              <a:t>framework</a:t>
-            </a:r>
-            <a:endParaRPr lang="fr-FR" dirty="0"/>
+              <a:rPr lang="en-US" dirty="0" smtClean="0"/>
+              <a:t>Pattern avec injection – je </a:t>
+            </a:r>
+            <a:r>
+              <a:rPr lang="en-US" dirty="0" err="1" smtClean="0"/>
+              <a:t>fais</a:t>
+            </a:r>
+            <a:r>
+              <a:rPr lang="en-US" dirty="0" smtClean="0"/>
+              <a:t> un framework</a:t>
+            </a:r>
+            <a:endParaRPr lang="en-US" dirty="0"/>
           </a:p>
         </p:txBody>
       </p:sp>
@@ -6445,16 +6111,20 @@
           <a:lstStyle/>
           <a:p>
             <a:r>
-              <a:rPr lang="fr-FR" dirty="0" smtClean="0"/>
-              <a:t>Annoter des </a:t>
-            </a:r>
-            <a:r>
-              <a:rPr lang="fr-FR" dirty="0" err="1" smtClean="0"/>
-              <a:t>beans</a:t>
-            </a:r>
-            <a:r>
-              <a:rPr lang="fr-FR" dirty="0"/>
-              <a:t> ou des interfaces</a:t>
+              <a:rPr lang="en-US" dirty="0" err="1" smtClean="0"/>
+              <a:t>Annoter</a:t>
+            </a:r>
+            <a:r>
+              <a:rPr lang="en-US" dirty="0" smtClean="0"/>
+              <a:t> des beans </a:t>
+            </a:r>
+            <a:r>
+              <a:rPr lang="en-US" dirty="0" err="1" smtClean="0"/>
+              <a:t>ou</a:t>
+            </a:r>
+            <a:r>
+              <a:rPr lang="en-US" dirty="0" smtClean="0"/>
+              <a:t> des interfaces</a:t>
             </a:r>
           </a:p>
           <a:p>
@@ -6463,8 +6133,28 @@
               <a:buChar char="§"/>
             </a:pPr>
             <a:r>
-              <a:rPr lang="fr-FR" dirty="0"/>
-              <a:t>Générer les implémentations ou les proxy</a:t>
+              <a:rPr lang="en-US" dirty="0" err="1" smtClean="0"/>
+              <a:t>Générer</a:t>
+            </a:r>
+            <a:r>
+              <a:rPr lang="en-US" dirty="0" smtClean="0"/>
+              <a:t> les </a:t>
+            </a:r>
+            <a:r>
+              <a:rPr lang="en-US" dirty="0" err="1" smtClean="0"/>
+              <a:t>implémentations</a:t>
+            </a:r>
+            <a:r>
+              <a:rPr lang="en-US" dirty="0" smtClean="0"/>
+              <a:t> </a:t>
+            </a:r>
+            <a:r>
+              <a:rPr lang="en-US" dirty="0" err="1" smtClean="0"/>
+              <a:t>ou</a:t>
+            </a:r>
+            <a:r>
+              <a:rPr lang="en-US" dirty="0" smtClean="0"/>
+              <a:t> les proxy</a:t>
             </a:r>
           </a:p>
           <a:p>
@@ -6473,9 +6163,18 @@
               <a:buChar char="§"/>
             </a:pPr>
             <a:r>
-              <a:rPr lang="fr-FR" dirty="0"/>
-              <a:t>Injecter les implémentations</a:t>
-            </a:r>
+              <a:rPr lang="en-US" dirty="0" err="1" smtClean="0"/>
+              <a:t>Injecter</a:t>
+            </a:r>
+            <a:r>
+              <a:rPr lang="en-US" dirty="0" smtClean="0"/>
+              <a:t> les </a:t>
+            </a:r>
+            <a:r>
+              <a:rPr lang="en-US" dirty="0" err="1" smtClean="0"/>
+              <a:t>implémentations</a:t>
+            </a:r>
+            <a:endParaRPr lang="en-US" dirty="0" smtClean="0"/>
           </a:p>
           <a:p>
             <a:pPr lvl="1">
@@ -6483,29 +6182,58 @@
               <a:buChar char="§"/>
             </a:pPr>
             <a:r>
-              <a:rPr lang="fr-FR" dirty="0"/>
-              <a:t>Générer les descripteurs pour le </a:t>
-            </a:r>
-            <a:r>
-              <a:rPr lang="fr-FR" dirty="0" err="1"/>
-              <a:t>framework</a:t>
-            </a:r>
-            <a:r>
-              <a:rPr lang="fr-FR" dirty="0"/>
-              <a:t> d’injection ou utiliser un </a:t>
-            </a:r>
-            <a:r>
-              <a:rPr lang="fr-FR" dirty="0" err="1"/>
+              <a:rPr lang="en-US" dirty="0" err="1" smtClean="0"/>
+              <a:t>Générer</a:t>
+            </a:r>
+            <a:r>
+              <a:rPr lang="en-US" dirty="0" smtClean="0"/>
+              <a:t> les </a:t>
+            </a:r>
+            <a:r>
+              <a:rPr lang="en-US" dirty="0" err="1" smtClean="0"/>
+              <a:t>descripteurs</a:t>
+            </a:r>
+            <a:r>
+              <a:rPr lang="en-US" dirty="0" smtClean="0"/>
+              <a:t> pour le framework </a:t>
+            </a:r>
+            <a:r>
+              <a:rPr lang="en-US" dirty="0" err="1" smtClean="0"/>
+              <a:t>d’injection</a:t>
+            </a:r>
+            <a:r>
+              <a:rPr lang="en-US" dirty="0" smtClean="0"/>
+              <a:t> </a:t>
+            </a:r>
+            <a:r>
+              <a:rPr lang="en-US" dirty="0" err="1" smtClean="0"/>
+              <a:t>ou</a:t>
+            </a:r>
+            <a:r>
+              <a:rPr lang="en-US" dirty="0" smtClean="0"/>
+              <a:t> </a:t>
+            </a:r>
+            <a:r>
+              <a:rPr lang="en-US" dirty="0" err="1" smtClean="0"/>
+              <a:t>utiliser</a:t>
+            </a:r>
+            <a:r>
+              <a:rPr lang="en-US" dirty="0" smtClean="0"/>
+              <a:t> un </a:t>
+            </a:r>
+            <a:r>
+              <a:rPr lang="en-US" dirty="0" err="1" smtClean="0"/>
               <a:t>classpath</a:t>
             </a:r>
             <a:r>
-              <a:rPr lang="fr-FR" dirty="0"/>
+              <a:rPr lang="en-US" dirty="0" smtClean="0"/>
               <a:t> </a:t>
             </a:r>
             <a:r>
-              <a:rPr lang="fr-FR" dirty="0" smtClean="0"/>
+              <a:rPr lang="en-US" dirty="0" err="1" smtClean="0"/>
               <a:t>scanneur</a:t>
             </a:r>
+            <a:endParaRPr lang="en-US" dirty="0" smtClean="0"/>
           </a:p>
           <a:p>
             <a:pPr>
@@ -6513,9 +6241,46 @@
               <a:buChar char="§"/>
             </a:pPr>
             <a:r>
-              <a:rPr lang="fr-FR" dirty="0" smtClean="0"/>
-              <a:t>Le code client ne doit pas avoir de références sur le code généré</a:t>
-            </a:r>
+              <a:rPr lang="en-US" dirty="0" smtClean="0"/>
+              <a:t>Le code client ne </a:t>
+            </a:r>
+            <a:r>
+              <a:rPr lang="en-US" dirty="0" err="1" smtClean="0"/>
+              <a:t>doit</a:t>
+            </a:r>
+            <a:r>
+              <a:rPr lang="en-US" dirty="0" smtClean="0"/>
+              <a:t> pas </a:t>
+            </a:r>
+            <a:r>
+              <a:rPr lang="en-US" dirty="0" err="1" smtClean="0"/>
+              <a:t>avoir</a:t>
+            </a:r>
+            <a:r>
+              <a:rPr lang="en-US" dirty="0" smtClean="0"/>
+              <a:t> de </a:t>
+            </a:r>
+            <a:r>
+              <a:rPr lang="en-US" dirty="0" err="1" smtClean="0"/>
+              <a:t>références</a:t>
+            </a:r>
+            <a:r>
+              <a:rPr lang="en-US" dirty="0" smtClean="0"/>
+              <a:t> </a:t>
+            </a:r>
+            <a:r>
+              <a:rPr lang="en-US" dirty="0" err="1" smtClean="0"/>
+              <a:t>sur</a:t>
+            </a:r>
+            <a:r>
+              <a:rPr lang="en-US" dirty="0" smtClean="0"/>
+              <a:t> le code </a:t>
+            </a:r>
+            <a:r>
+              <a:rPr lang="en-US" dirty="0" err="1" smtClean="0"/>
+              <a:t>généré</a:t>
+            </a:r>
+            <a:endParaRPr lang="en-US" dirty="0" smtClean="0"/>
           </a:p>
           <a:p>
             <a:pPr>
@@ -6523,16 +6288,28 @@
               <a:buChar char="§"/>
             </a:pPr>
             <a:r>
-              <a:rPr lang="fr-FR" dirty="0" smtClean="0"/>
-              <a:t>Possibilité de mixer le code généré avec des annotation interprétées à </a:t>
-            </a:r>
-            <a:r>
-              <a:rPr lang="fr-FR" dirty="0" err="1" smtClean="0"/>
-              <a:t>runtime</a:t>
-            </a:r>
-            <a:r>
-              <a:rPr lang="fr-FR" dirty="0" smtClean="0"/>
-              <a:t> </a:t>
+              <a:rPr lang="en-US" dirty="0" err="1" smtClean="0"/>
+              <a:t>Possibilité</a:t>
+            </a:r>
+            <a:r>
+              <a:rPr lang="en-US" dirty="0" smtClean="0"/>
+              <a:t> de mixer le code </a:t>
+            </a:r>
+            <a:r>
+              <a:rPr lang="en-US" dirty="0" err="1" smtClean="0"/>
+              <a:t>généré</a:t>
+            </a:r>
+            <a:r>
+              <a:rPr lang="en-US" dirty="0" smtClean="0"/>
+              <a:t> avec des annotation </a:t>
+            </a:r>
+            <a:r>
+              <a:rPr lang="en-US" dirty="0" err="1" smtClean="0"/>
+              <a:t>interprétées</a:t>
+            </a:r>
+            <a:r>
+              <a:rPr lang="en-US" dirty="0" smtClean="0"/>
+              <a:t> à runtime </a:t>
             </a:r>
           </a:p>
           <a:p>
@@ -6541,14 +6318,34 @@
               <a:buChar char="Ø"/>
             </a:pPr>
             <a:r>
-              <a:rPr lang="fr-FR" dirty="0" smtClean="0"/>
-              <a:t>Utiliser les conventions de nommage des classes cibles et la </a:t>
-            </a:r>
-            <a:r>
-              <a:rPr lang="fr-FR" dirty="0" err="1" smtClean="0"/>
+              <a:rPr lang="en-US" dirty="0" err="1" smtClean="0"/>
+              <a:t>Utiliser</a:t>
+            </a:r>
+            <a:r>
+              <a:rPr lang="en-US" dirty="0" smtClean="0"/>
+              <a:t> les conventions de </a:t>
+            </a:r>
+            <a:r>
+              <a:rPr lang="en-US" dirty="0" err="1" smtClean="0"/>
+              <a:t>nommage</a:t>
+            </a:r>
+            <a:r>
+              <a:rPr lang="en-US" dirty="0" smtClean="0"/>
+              <a:t> des classes </a:t>
+            </a:r>
+            <a:r>
+              <a:rPr lang="en-US" dirty="0" err="1" smtClean="0"/>
+              <a:t>cibles</a:t>
+            </a:r>
+            <a:r>
+              <a:rPr lang="en-US" dirty="0" smtClean="0"/>
+              <a:t> et la </a:t>
+            </a:r>
+            <a:r>
+              <a:rPr lang="en-US" dirty="0" err="1" smtClean="0"/>
               <a:t>réflection</a:t>
             </a:r>
-            <a:endParaRPr lang="fr-FR" dirty="0"/>
+            <a:endParaRPr lang="en-US" dirty="0"/>
           </a:p>
         </p:txBody>
       </p:sp>
@@ -6565,7 +6362,7 @@
   <p:timing>
     <p:tnLst>
       <p:par>
-        <p:cTn xmlns:p14="http://schemas.microsoft.com/office/powerpoint/2010/main" id="1" dur="indefinite" restart="never" nodeType="tmRoot"/>
+        <p:cTn id="1" dur="indefinite" restart="never" nodeType="tmRoot"/>
       </p:par>
     </p:tnLst>
   </p:timing>
@@ -6607,10 +6404,30 @@
           <a:lstStyle/>
           <a:p>
             <a:r>
-              <a:rPr lang="fr-FR" dirty="0" smtClean="0"/>
-              <a:t>Analyse et transformation de code vers des fichiers plats</a:t>
-            </a:r>
-            <a:endParaRPr lang="fr-FR" dirty="0"/>
+              <a:rPr lang="en-US" dirty="0" err="1" smtClean="0"/>
+              <a:t>Analyse</a:t>
+            </a:r>
+            <a:r>
+              <a:rPr lang="en-US" dirty="0" smtClean="0"/>
+              <a:t> et transformation de code </a:t>
+            </a:r>
+            <a:r>
+              <a:rPr lang="en-US" dirty="0" err="1" smtClean="0"/>
+              <a:t>vers</a:t>
+            </a:r>
+            <a:r>
+              <a:rPr lang="en-US" dirty="0" smtClean="0"/>
+              <a:t> des </a:t>
+            </a:r>
+            <a:r>
+              <a:rPr lang="en-US" dirty="0" err="1" smtClean="0"/>
+              <a:t>fichiers</a:t>
+            </a:r>
+            <a:r>
+              <a:rPr lang="en-US" dirty="0" smtClean="0"/>
+              <a:t> plats</a:t>
+            </a:r>
+            <a:endParaRPr lang="en-US" dirty="0"/>
           </a:p>
         </p:txBody>
       </p:sp>
@@ -6630,9 +6447,26 @@
           <a:lstStyle/>
           <a:p>
             <a:r>
-              <a:rPr lang="fr-FR" dirty="0" smtClean="0"/>
-              <a:t>Générer des fichiers pour le tableurs</a:t>
-            </a:r>
+              <a:rPr lang="en-US" dirty="0" err="1" smtClean="0"/>
+              <a:t>Générer</a:t>
+            </a:r>
+            <a:r>
+              <a:rPr lang="en-US" dirty="0" smtClean="0"/>
+              <a:t> des </a:t>
+            </a:r>
+            <a:r>
+              <a:rPr lang="en-US" dirty="0" err="1" smtClean="0"/>
+              <a:t>fichiers</a:t>
+            </a:r>
+            <a:r>
+              <a:rPr lang="en-US" dirty="0" smtClean="0"/>
+              <a:t> pour le </a:t>
+            </a:r>
+            <a:r>
+              <a:rPr lang="en-US" dirty="0" err="1" smtClean="0"/>
+              <a:t>tableurs</a:t>
+            </a:r>
+            <a:endParaRPr lang="en-US" dirty="0" smtClean="0"/>
           </a:p>
           <a:p>
             <a:pPr lvl="1">
@@ -6640,17 +6474,34 @@
               <a:buChar char="§"/>
             </a:pPr>
             <a:r>
-              <a:rPr lang="fr-FR" dirty="0" smtClean="0"/>
-              <a:t>Cartographie des @</a:t>
-            </a:r>
-            <a:r>
-              <a:rPr lang="fr-FR" dirty="0" err="1" smtClean="0"/>
-              <a:t>Deprecated</a:t>
-            </a:r>
-            <a:r>
-              <a:rPr lang="fr-FR" dirty="0" smtClean="0"/>
-              <a:t> dans une base de code volumineuse</a:t>
-            </a:r>
+              <a:rPr lang="en-US" dirty="0" err="1" smtClean="0"/>
+              <a:t>Cartographie</a:t>
+            </a:r>
+            <a:r>
+              <a:rPr lang="en-US" dirty="0" smtClean="0"/>
+              <a:t> des @Deprecated </a:t>
+            </a:r>
+            <a:r>
+              <a:rPr lang="en-US" dirty="0" err="1" smtClean="0"/>
+              <a:t>dans</a:t>
+            </a:r>
+            <a:r>
+              <a:rPr lang="en-US" dirty="0" smtClean="0"/>
+              <a:t> </a:t>
+            </a:r>
+            <a:r>
+              <a:rPr lang="en-US" dirty="0" err="1" smtClean="0"/>
+              <a:t>une</a:t>
+            </a:r>
+            <a:r>
+              <a:rPr lang="en-US" dirty="0" smtClean="0"/>
+              <a:t> base de code </a:t>
+            </a:r>
+            <a:r>
+              <a:rPr lang="en-US" dirty="0" err="1" smtClean="0"/>
+              <a:t>volumineuse</a:t>
+            </a:r>
+            <a:endParaRPr lang="en-US" dirty="0" smtClean="0"/>
           </a:p>
           <a:p>
             <a:pPr lvl="1">
@@ -6658,20 +6509,63 @@
               <a:buChar char="§"/>
             </a:pPr>
             <a:r>
-              <a:rPr lang="fr-FR" dirty="0" smtClean="0"/>
-              <a:t>Données métiers pour de la documentation : les constantes de toutes les énumérations d’un modèle métier</a:t>
-            </a:r>
-          </a:p>
-          <a:p>
-            <a:r>
-              <a:rPr lang="fr-FR" dirty="0" smtClean="0"/>
-              <a:t>Générer des fichiers </a:t>
-            </a:r>
-            <a:r>
-              <a:rPr lang="fr-FR" dirty="0" err="1" smtClean="0"/>
-              <a:t>properties</a:t>
-            </a:r>
-            <a:endParaRPr lang="fr-FR" dirty="0" smtClean="0"/>
+              <a:rPr lang="en-US" dirty="0" err="1" smtClean="0"/>
+              <a:t>Données</a:t>
+            </a:r>
+            <a:r>
+              <a:rPr lang="en-US" dirty="0" smtClean="0"/>
+              <a:t> métiers pour de la documentation : les </a:t>
+            </a:r>
+            <a:r>
+              <a:rPr lang="en-US" dirty="0" err="1" smtClean="0"/>
+              <a:t>constantes</a:t>
+            </a:r>
+            <a:r>
+              <a:rPr lang="en-US" dirty="0" smtClean="0"/>
+              <a:t> de </a:t>
+            </a:r>
+            <a:r>
+              <a:rPr lang="en-US" dirty="0" err="1" smtClean="0"/>
+              <a:t>toutes</a:t>
+            </a:r>
+            <a:r>
+              <a:rPr lang="en-US" dirty="0" smtClean="0"/>
+              <a:t> les </a:t>
+            </a:r>
+            <a:r>
+              <a:rPr lang="en-US" dirty="0" err="1" smtClean="0"/>
+              <a:t>énumérations</a:t>
+            </a:r>
+            <a:r>
+              <a:rPr lang="en-US" dirty="0" smtClean="0"/>
+              <a:t> d’un </a:t>
+            </a:r>
+            <a:r>
+              <a:rPr lang="en-US" dirty="0" err="1" smtClean="0"/>
+              <a:t>modèle</a:t>
+            </a:r>
+            <a:r>
+              <a:rPr lang="en-US" dirty="0" smtClean="0"/>
+              <a:t> métier</a:t>
+            </a:r>
+          </a:p>
+          <a:p>
+            <a:r>
+              <a:rPr lang="en-US" dirty="0" err="1" smtClean="0"/>
+              <a:t>Générer</a:t>
+            </a:r>
+            <a:r>
+              <a:rPr lang="en-US" dirty="0" smtClean="0"/>
+              <a:t> des </a:t>
+            </a:r>
+            <a:r>
+              <a:rPr lang="en-US" dirty="0" err="1" smtClean="0"/>
+              <a:t>fichiers</a:t>
+            </a:r>
+            <a:r>
+              <a:rPr lang="en-US" dirty="0" smtClean="0"/>
+              <a:t> properties</a:t>
+            </a:r>
           </a:p>
           <a:p>
             <a:pPr lvl="1">
@@ -6679,21 +6573,34 @@
               <a:buChar char="§"/>
             </a:pPr>
             <a:r>
-              <a:rPr lang="fr-FR" dirty="0" smtClean="0"/>
-              <a:t>Configuration de l’application pour le </a:t>
-            </a:r>
-            <a:r>
-              <a:rPr lang="fr-FR" dirty="0" err="1" smtClean="0"/>
-              <a:t>staging</a:t>
-            </a:r>
-            <a:r>
-              <a:rPr lang="fr-FR" dirty="0" smtClean="0"/>
-              <a:t> (développement/recette/production)</a:t>
-            </a:r>
-          </a:p>
-          <a:p>
-            <a:pPr lvl="1"/>
-            <a:endParaRPr lang="fr-FR" dirty="0"/>
+              <a:rPr lang="en-US" dirty="0" smtClean="0"/>
+              <a:t>Configuration de </a:t>
+            </a:r>
+            <a:r>
+              <a:rPr lang="en-US" dirty="0" err="1" smtClean="0"/>
+              <a:t>l’application</a:t>
+            </a:r>
+            <a:r>
+              <a:rPr lang="en-US" dirty="0" smtClean="0"/>
+              <a:t> pour le staging (</a:t>
+            </a:r>
+            <a:r>
+              <a:rPr lang="en-US" dirty="0" err="1" smtClean="0"/>
+              <a:t>développement</a:t>
+            </a:r>
+            <a:r>
+              <a:rPr lang="en-US" dirty="0" smtClean="0"/>
+              <a:t>/</a:t>
+            </a:r>
+            <a:r>
+              <a:rPr lang="en-US" dirty="0" err="1" smtClean="0"/>
+              <a:t>recette</a:t>
+            </a:r>
+            <a:r>
+              <a:rPr lang="en-US" dirty="0" smtClean="0"/>
+              <a:t>/production)</a:t>
+            </a:r>
+            <a:endParaRPr lang="en-US" dirty="0" smtClean="0"/>
           </a:p>
         </p:txBody>
       </p:sp>
@@ -6710,7 +6617,7 @@
   <p:timing>
     <p:tnLst>
       <p:par>
-        <p:cTn xmlns:p14="http://schemas.microsoft.com/office/powerpoint/2010/main" id="1" dur="indefinite" restart="never" nodeType="tmRoot"/>
+        <p:cTn id="1" dur="indefinite" restart="never" nodeType="tmRoot"/>
       </p:par>
     </p:tnLst>
   </p:timing>
@@ -6751,9 +6658,9 @@
           <a:p>
             <a:r>
               <a:rPr lang="en-US" dirty="0" smtClean="0"/>
-              <a:t>DSL avec des annotations</a:t>
-            </a:r>
-            <a:endParaRPr lang="fr-FR" dirty="0"/>
+              <a:t>Build a DSL with annotations</a:t>
+            </a:r>
+            <a:endParaRPr lang="en-US" dirty="0"/>
           </a:p>
         </p:txBody>
       </p:sp>
@@ -6775,9 +6682,26 @@
           <a:lstStyle/>
           <a:p>
             <a:r>
-              <a:rPr lang="fr-FR" dirty="0" smtClean="0"/>
-              <a:t>Ajouter des annotations qui paramètrent un pattern complexe</a:t>
-            </a:r>
+              <a:rPr lang="en-US" dirty="0" err="1" smtClean="0"/>
+              <a:t>Ajouter</a:t>
+            </a:r>
+            <a:r>
+              <a:rPr lang="en-US" dirty="0" smtClean="0"/>
+              <a:t> des annotations qui </a:t>
+            </a:r>
+            <a:r>
+              <a:rPr lang="en-US" dirty="0" err="1" smtClean="0"/>
+              <a:t>paramètrent</a:t>
+            </a:r>
+            <a:r>
+              <a:rPr lang="en-US" dirty="0" smtClean="0"/>
+              <a:t> un pattern </a:t>
+            </a:r>
+            <a:r>
+              <a:rPr lang="en-US" dirty="0" err="1" smtClean="0"/>
+              <a:t>complexe</a:t>
+            </a:r>
+            <a:endParaRPr lang="en-US" dirty="0" smtClean="0"/>
           </a:p>
           <a:p>
             <a:pPr lvl="1">
@@ -6785,23 +6709,116 @@
               <a:buChar char="Ø"/>
             </a:pPr>
             <a:r>
-              <a:rPr lang="fr-FR" dirty="0" smtClean="0"/>
-              <a:t>Par exemple: le pattern pour des </a:t>
-            </a:r>
-            <a:r>
-              <a:rPr lang="fr-FR" dirty="0" err="1" smtClean="0"/>
+              <a:rPr lang="en-US" dirty="0" smtClean="0"/>
+              <a:t>Par </a:t>
+            </a:r>
+            <a:r>
+              <a:rPr lang="en-US" dirty="0" err="1" smtClean="0"/>
+              <a:t>exemple</a:t>
+            </a:r>
+            <a:r>
+              <a:rPr lang="en-US" dirty="0" smtClean="0"/>
+              <a:t>: le pattern pour des </a:t>
+            </a:r>
+            <a:r>
+              <a:rPr lang="en-US" dirty="0" err="1" smtClean="0"/>
               <a:t>MBeans</a:t>
             </a:r>
             <a:r>
-              <a:rPr lang="fr-FR" dirty="0" smtClean="0"/>
-              <a:t> en ajoutant des méthodes de moyenne ou de dérivée en fonction du temps sur les sondes primitives</a:t>
-            </a:r>
-          </a:p>
-          <a:p>
-            <a:r>
-              <a:rPr lang="fr-FR" dirty="0" smtClean="0"/>
-              <a:t>Le code client référence directement le code généré</a:t>
-            </a:r>
+              <a:rPr lang="en-US" dirty="0" smtClean="0"/>
+              <a:t> en </a:t>
+            </a:r>
+            <a:r>
+              <a:rPr lang="en-US" dirty="0" err="1" smtClean="0"/>
+              <a:t>ajoutant</a:t>
+            </a:r>
+            <a:r>
+              <a:rPr lang="en-US" dirty="0" smtClean="0"/>
+              <a:t> des </a:t>
+            </a:r>
+            <a:r>
+              <a:rPr lang="en-US" dirty="0" err="1" smtClean="0"/>
+              <a:t>méthodes</a:t>
+            </a:r>
+            <a:r>
+              <a:rPr lang="en-US" dirty="0" smtClean="0"/>
+              <a:t> de </a:t>
+            </a:r>
+            <a:r>
+              <a:rPr lang="en-US" dirty="0" err="1" smtClean="0"/>
+              <a:t>moyenne</a:t>
+            </a:r>
+            <a:r>
+              <a:rPr lang="en-US" dirty="0" smtClean="0"/>
+              <a:t> </a:t>
+            </a:r>
+            <a:r>
+              <a:rPr lang="en-US" dirty="0" err="1" smtClean="0"/>
+              <a:t>ou</a:t>
+            </a:r>
+            <a:r>
+              <a:rPr lang="en-US" dirty="0" smtClean="0"/>
+              <a:t> de </a:t>
+            </a:r>
+            <a:r>
+              <a:rPr lang="en-US" dirty="0" err="1" smtClean="0"/>
+              <a:t>dérivée</a:t>
+            </a:r>
+            <a:r>
+              <a:rPr lang="en-US" dirty="0" smtClean="0"/>
+              <a:t> en </a:t>
+            </a:r>
+            <a:r>
+              <a:rPr lang="en-US" dirty="0" err="1" smtClean="0"/>
+              <a:t>fonction</a:t>
+            </a:r>
+            <a:r>
+              <a:rPr lang="en-US" dirty="0" smtClean="0"/>
+              <a:t> du temps </a:t>
+            </a:r>
+            <a:r>
+              <a:rPr lang="en-US" dirty="0" err="1" smtClean="0"/>
+              <a:t>sur</a:t>
+            </a:r>
+            <a:r>
+              <a:rPr lang="en-US" dirty="0" smtClean="0"/>
+              <a:t> les </a:t>
+            </a:r>
+            <a:r>
+              <a:rPr lang="en-US" dirty="0" err="1" smtClean="0"/>
+              <a:t>sondes</a:t>
+            </a:r>
+            <a:r>
+              <a:rPr lang="en-US" dirty="0" smtClean="0"/>
+              <a:t> primitives</a:t>
+            </a:r>
+          </a:p>
+          <a:p>
+            <a:r>
+              <a:rPr lang="en-US" dirty="0" smtClean="0"/>
+              <a:t>Le code client </a:t>
+            </a:r>
+            <a:r>
+              <a:rPr lang="en-US" dirty="0" err="1" smtClean="0"/>
+              <a:t>référence</a:t>
+            </a:r>
+            <a:r>
+              <a:rPr lang="en-US" dirty="0" smtClean="0"/>
+              <a:t> </a:t>
+            </a:r>
+            <a:r>
+              <a:rPr lang="en-US" dirty="0" err="1" smtClean="0"/>
+              <a:t>directement</a:t>
+            </a:r>
+            <a:r>
+              <a:rPr lang="en-US" dirty="0" smtClean="0"/>
+              <a:t> le code </a:t>
+            </a:r>
+            <a:r>
+              <a:rPr lang="en-US" dirty="0" err="1" smtClean="0"/>
+              <a:t>généré</a:t>
+            </a:r>
+            <a:endParaRPr lang="en-US" dirty="0" smtClean="0"/>
           </a:p>
           <a:p>
             <a:pPr lvl="1">
@@ -6809,8 +6826,56 @@
               <a:buChar char="Ø"/>
             </a:pPr>
             <a:r>
-              <a:rPr lang="fr-FR" dirty="0" smtClean="0"/>
-              <a:t>Le code généré ne peut pas être utilisé dans le même module</a:t>
+              <a:rPr lang="en-US" dirty="0" smtClean="0"/>
+              <a:t>Le code </a:t>
+            </a:r>
+            <a:r>
+              <a:rPr lang="en-US" dirty="0" err="1" smtClean="0"/>
+              <a:t>généré</a:t>
+            </a:r>
+            <a:r>
+              <a:rPr lang="en-US" dirty="0" smtClean="0"/>
+              <a:t> ne </a:t>
+            </a:r>
+            <a:r>
+              <a:rPr lang="en-US" dirty="0" err="1" smtClean="0"/>
+              <a:t>peut</a:t>
+            </a:r>
+            <a:r>
+              <a:rPr lang="en-US" dirty="0" smtClean="0"/>
+              <a:t> pas </a:t>
+            </a:r>
+            <a:r>
+              <a:rPr lang="en-US" dirty="0" err="1" smtClean="0"/>
+              <a:t>être</a:t>
+            </a:r>
+            <a:r>
+              <a:rPr lang="en-US" dirty="0" smtClean="0"/>
+              <a:t> </a:t>
+            </a:r>
+            <a:r>
+              <a:rPr lang="en-US" dirty="0" err="1" smtClean="0"/>
+              <a:t>utilisé</a:t>
+            </a:r>
+            <a:r>
+              <a:rPr lang="en-US" dirty="0" smtClean="0"/>
+              <a:t> </a:t>
+            </a:r>
+            <a:r>
+              <a:rPr lang="en-US" dirty="0" err="1" smtClean="0"/>
+              <a:t>dans</a:t>
+            </a:r>
+            <a:r>
+              <a:rPr lang="en-US" dirty="0" smtClean="0"/>
+              <a:t> le </a:t>
+            </a:r>
+            <a:r>
+              <a:rPr lang="en-US" dirty="0" err="1" smtClean="0"/>
+              <a:t>même</a:t>
+            </a:r>
+            <a:r>
+              <a:rPr lang="en-US" dirty="0" smtClean="0"/>
+              <a:t> module</a:t>
             </a:r>
           </a:p>
           <a:p>
@@ -6819,10 +6884,34 @@
               <a:buChar char="Ø"/>
             </a:pPr>
             <a:r>
-              <a:rPr lang="fr-FR" dirty="0" smtClean="0"/>
-              <a:t>requière une modularisation soigneuse</a:t>
-            </a:r>
-            <a:endParaRPr lang="fr-FR" dirty="0"/>
+              <a:rPr lang="en-US" dirty="0" err="1" smtClean="0"/>
+              <a:t>requière</a:t>
+            </a:r>
+            <a:r>
+              <a:rPr lang="en-US" dirty="0" smtClean="0"/>
+              <a:t> </a:t>
+            </a:r>
+            <a:r>
+              <a:rPr lang="en-US" dirty="0" err="1" smtClean="0"/>
+              <a:t>une</a:t>
+            </a:r>
+            <a:r>
+              <a:rPr lang="en-US" dirty="0" smtClean="0"/>
+              <a:t> </a:t>
+            </a:r>
+            <a:r>
+              <a:rPr lang="en-US" dirty="0" err="1" smtClean="0"/>
+              <a:t>modularisation</a:t>
+            </a:r>
+            <a:r>
+              <a:rPr lang="en-US" dirty="0" smtClean="0"/>
+              <a:t> </a:t>
+            </a:r>
+            <a:r>
+              <a:rPr lang="en-US" dirty="0" err="1" smtClean="0"/>
+              <a:t>soigneuse</a:t>
+            </a:r>
+            <a:endParaRPr lang="en-US" dirty="0"/>
           </a:p>
         </p:txBody>
       </p:sp>
@@ -6839,7 +6928,7 @@
   <p:timing>
     <p:tnLst>
       <p:par>
-        <p:cTn xmlns:p14="http://schemas.microsoft.com/office/powerpoint/2010/main" id="1" dur="indefinite" restart="never" nodeType="tmRoot"/>
+        <p:cTn id="1" dur="indefinite" restart="never" nodeType="tmRoot"/>
       </p:par>
     </p:tnLst>
   </p:timing>
@@ -6881,18 +6970,10 @@
           <a:lstStyle/>
           <a:p>
             <a:r>
-              <a:rPr lang="fr-FR" dirty="0" smtClean="0"/>
-              <a:t>No </a:t>
-            </a:r>
-            <a:r>
-              <a:rPr lang="fr-FR" dirty="0" err="1" smtClean="0"/>
-              <a:t>limit</a:t>
-            </a:r>
-            <a:r>
-              <a:rPr lang="fr-FR" dirty="0" smtClean="0"/>
-              <a:t> …</a:t>
-            </a:r>
-            <a:endParaRPr lang="fr-FR" dirty="0"/>
+              <a:rPr lang="en-US" dirty="0" smtClean="0"/>
+              <a:t>No limit …</a:t>
+            </a:r>
+            <a:endParaRPr lang="en-US" dirty="0"/>
           </a:p>
         </p:txBody>
       </p:sp>
@@ -6914,54 +6995,192 @@
           <a:lstStyle/>
           <a:p>
             <a:r>
-              <a:rPr lang="fr-FR" dirty="0" smtClean="0"/>
-              <a:t>Tentation de générer trop de patterns</a:t>
-            </a:r>
-          </a:p>
-          <a:p>
-            <a:r>
-              <a:rPr lang="fr-FR" dirty="0" smtClean="0"/>
-              <a:t>Un plugin APT est difficile à maintenir</a:t>
-            </a:r>
-          </a:p>
-          <a:p>
-            <a:r>
-              <a:rPr lang="fr-FR" dirty="0" smtClean="0"/>
-              <a:t>Les tests unitaires sont complexes à écrire</a:t>
-            </a:r>
-          </a:p>
-          <a:p>
-            <a:r>
-              <a:rPr lang="fr-FR" dirty="0" smtClean="0"/>
-              <a:t>Chronophage à debugger</a:t>
-            </a:r>
-            <a:endParaRPr lang="fr-FR" dirty="0"/>
-          </a:p>
-          <a:p>
-            <a:r>
-              <a:rPr lang="fr-FR" dirty="0" smtClean="0"/>
-              <a:t>Parfois plus de complexité dans un processeur APT que de maintenir un pattern à la main</a:t>
-            </a:r>
-          </a:p>
-          <a:p>
-            <a:r>
-              <a:rPr lang="fr-FR" dirty="0" smtClean="0"/>
-              <a:t>Peu de références ou de support</a:t>
-            </a:r>
-          </a:p>
-          <a:p>
-            <a:r>
-              <a:rPr lang="fr-FR" dirty="0" smtClean="0"/>
-              <a:t>Outillage inexistant pour le </a:t>
-            </a:r>
-            <a:r>
-              <a:rPr lang="fr-FR" dirty="0" err="1" smtClean="0"/>
+              <a:rPr lang="en-US" dirty="0" err="1" smtClean="0"/>
+              <a:t>Tentation</a:t>
+            </a:r>
+            <a:r>
+              <a:rPr lang="en-US" dirty="0" smtClean="0"/>
+              <a:t> de </a:t>
+            </a:r>
+            <a:r>
+              <a:rPr lang="en-US" dirty="0" err="1" smtClean="0"/>
+              <a:t>générer</a:t>
+            </a:r>
+            <a:r>
+              <a:rPr lang="en-US" dirty="0" smtClean="0"/>
+              <a:t> trop de patterns</a:t>
+            </a:r>
+          </a:p>
+          <a:p>
+            <a:r>
+              <a:rPr lang="en-US" dirty="0" smtClean="0"/>
+              <a:t>Un plugin APT </a:t>
+            </a:r>
+            <a:r>
+              <a:rPr lang="en-US" dirty="0" err="1" smtClean="0"/>
+              <a:t>est</a:t>
+            </a:r>
+            <a:r>
+              <a:rPr lang="en-US" dirty="0" smtClean="0"/>
+              <a:t> </a:t>
+            </a:r>
+            <a:r>
+              <a:rPr lang="en-US" dirty="0" err="1" smtClean="0"/>
+              <a:t>difficile</a:t>
+            </a:r>
+            <a:r>
+              <a:rPr lang="en-US" dirty="0" smtClean="0"/>
+              <a:t> à </a:t>
+            </a:r>
+            <a:r>
+              <a:rPr lang="en-US" dirty="0" err="1" smtClean="0"/>
+              <a:t>maintenir</a:t>
+            </a:r>
+            <a:endParaRPr lang="en-US" dirty="0" smtClean="0"/>
+          </a:p>
+          <a:p>
+            <a:r>
+              <a:rPr lang="en-US" dirty="0" smtClean="0"/>
+              <a:t>Les tests </a:t>
+            </a:r>
+            <a:r>
+              <a:rPr lang="en-US" dirty="0" err="1" smtClean="0"/>
+              <a:t>unitaires</a:t>
+            </a:r>
+            <a:r>
+              <a:rPr lang="en-US" dirty="0" smtClean="0"/>
+              <a:t> </a:t>
+            </a:r>
+            <a:r>
+              <a:rPr lang="en-US" dirty="0" err="1" smtClean="0"/>
+              <a:t>sont</a:t>
+            </a:r>
+            <a:r>
+              <a:rPr lang="en-US" dirty="0" smtClean="0"/>
+              <a:t> complexes à </a:t>
+            </a:r>
+            <a:r>
+              <a:rPr lang="en-US" dirty="0" err="1" smtClean="0"/>
+              <a:t>écrire</a:t>
+            </a:r>
+            <a:endParaRPr lang="en-US" dirty="0" smtClean="0"/>
+          </a:p>
+          <a:p>
+            <a:r>
+              <a:rPr lang="en-US" dirty="0" err="1" smtClean="0"/>
+              <a:t>Chronophage</a:t>
+            </a:r>
+            <a:r>
+              <a:rPr lang="en-US" dirty="0" smtClean="0"/>
+              <a:t> à debugger</a:t>
+            </a:r>
+          </a:p>
+          <a:p>
+            <a:r>
+              <a:rPr lang="en-US" dirty="0" err="1" smtClean="0"/>
+              <a:t>Parfois</a:t>
+            </a:r>
+            <a:r>
+              <a:rPr lang="en-US" dirty="0" smtClean="0"/>
+              <a:t> plus de </a:t>
+            </a:r>
+            <a:r>
+              <a:rPr lang="en-US" dirty="0" err="1" smtClean="0"/>
+              <a:t>complexité</a:t>
+            </a:r>
+            <a:r>
+              <a:rPr lang="en-US" dirty="0" smtClean="0"/>
+              <a:t> </a:t>
+            </a:r>
+            <a:r>
+              <a:rPr lang="en-US" dirty="0" err="1" smtClean="0"/>
+              <a:t>dans</a:t>
+            </a:r>
+            <a:r>
+              <a:rPr lang="en-US" dirty="0" smtClean="0"/>
+              <a:t> un </a:t>
+            </a:r>
+            <a:r>
+              <a:rPr lang="en-US" dirty="0" err="1" smtClean="0"/>
+              <a:t>processeur</a:t>
+            </a:r>
+            <a:r>
+              <a:rPr lang="en-US" dirty="0" smtClean="0"/>
+              <a:t> APT </a:t>
+            </a:r>
+            <a:r>
+              <a:rPr lang="en-US" dirty="0" err="1" smtClean="0"/>
+              <a:t>que</a:t>
+            </a:r>
+            <a:r>
+              <a:rPr lang="en-US" dirty="0" smtClean="0"/>
+              <a:t> de </a:t>
+            </a:r>
+            <a:r>
+              <a:rPr lang="en-US" dirty="0" err="1" smtClean="0"/>
+              <a:t>maintenir</a:t>
+            </a:r>
+            <a:r>
+              <a:rPr lang="en-US" dirty="0" smtClean="0"/>
+              <a:t> un pattern à la main</a:t>
+            </a:r>
+          </a:p>
+          <a:p>
+            <a:r>
+              <a:rPr lang="en-US" dirty="0" err="1" smtClean="0"/>
+              <a:t>Peu</a:t>
+            </a:r>
+            <a:r>
+              <a:rPr lang="en-US" dirty="0" smtClean="0"/>
+              <a:t> de </a:t>
+            </a:r>
+            <a:r>
+              <a:rPr lang="en-US" dirty="0" err="1" smtClean="0"/>
+              <a:t>références</a:t>
+            </a:r>
+            <a:r>
+              <a:rPr lang="en-US" dirty="0" smtClean="0"/>
+              <a:t> </a:t>
+            </a:r>
+            <a:r>
+              <a:rPr lang="en-US" dirty="0" err="1" smtClean="0"/>
+              <a:t>ou</a:t>
+            </a:r>
+            <a:r>
+              <a:rPr lang="en-US" dirty="0" smtClean="0"/>
+              <a:t> de support</a:t>
+            </a:r>
+          </a:p>
+          <a:p>
+            <a:r>
+              <a:rPr lang="en-US" dirty="0" err="1" smtClean="0"/>
+              <a:t>Outillage</a:t>
+            </a:r>
+            <a:r>
+              <a:rPr lang="en-US" dirty="0" smtClean="0"/>
+              <a:t> </a:t>
+            </a:r>
+            <a:r>
+              <a:rPr lang="en-US" dirty="0" err="1" smtClean="0"/>
+              <a:t>inexistant</a:t>
+            </a:r>
+            <a:r>
+              <a:rPr lang="en-US" dirty="0" smtClean="0"/>
+              <a:t> pour le </a:t>
+            </a:r>
+            <a:r>
+              <a:rPr lang="en-US" dirty="0" err="1" smtClean="0"/>
               <a:t>templating</a:t>
             </a:r>
             <a:r>
-              <a:rPr lang="fr-FR" dirty="0" smtClean="0"/>
-              <a:t> du code à générer</a:t>
-            </a:r>
+              <a:rPr lang="en-US" dirty="0" smtClean="0"/>
+              <a:t> du code à </a:t>
+            </a:r>
+            <a:r>
+              <a:rPr lang="en-US" dirty="0" err="1" smtClean="0"/>
+              <a:t>générer</a:t>
+            </a:r>
+            <a:endParaRPr lang="en-US" dirty="0" smtClean="0"/>
           </a:p>
           <a:p>
             <a:pPr lvl="1">
@@ -6969,22 +7188,38 @@
               <a:buChar char="Ø"/>
             </a:pPr>
             <a:r>
-              <a:rPr lang="fr-FR" dirty="0" smtClean="0"/>
-              <a:t>Penser à utiliser </a:t>
-            </a:r>
-            <a:r>
-              <a:rPr lang="fr-FR" dirty="0" err="1" smtClean="0"/>
+              <a:rPr lang="en-US" dirty="0" err="1" smtClean="0"/>
+              <a:t>Penser</a:t>
+            </a:r>
+            <a:r>
+              <a:rPr lang="en-US" dirty="0" smtClean="0"/>
+              <a:t> à </a:t>
+            </a:r>
+            <a:r>
+              <a:rPr lang="en-US" dirty="0" err="1" smtClean="0"/>
+              <a:t>utiliser</a:t>
+            </a:r>
+            <a:r>
+              <a:rPr lang="en-US" dirty="0" smtClean="0"/>
+              <a:t> </a:t>
+            </a:r>
+            <a:r>
+              <a:rPr lang="en-US" dirty="0" err="1" smtClean="0"/>
               <a:t>freemarker</a:t>
             </a:r>
             <a:r>
-              <a:rPr lang="fr-FR" dirty="0" smtClean="0"/>
-              <a:t> ou </a:t>
-            </a:r>
-            <a:r>
-              <a:rPr lang="fr-FR" dirty="0" err="1" smtClean="0"/>
-              <a:t>velocity</a:t>
-            </a:r>
-            <a:endParaRPr lang="fr-FR" dirty="0" smtClean="0"/>
+              <a:rPr lang="en-US" dirty="0" smtClean="0"/>
+              <a:t> </a:t>
+            </a:r>
+            <a:r>
+              <a:rPr lang="en-US" dirty="0" err="1" smtClean="0"/>
+              <a:t>ou</a:t>
+            </a:r>
+            <a:r>
+              <a:rPr lang="en-US" dirty="0" smtClean="0"/>
+              <a:t> velocity</a:t>
+            </a:r>
+            <a:endParaRPr lang="en-US" dirty="0" smtClean="0"/>
           </a:p>
         </p:txBody>
       </p:sp>
@@ -7001,7 +7236,7 @@
   <p:timing>
     <p:tnLst>
       <p:par>
-        <p:cTn xmlns:p14="http://schemas.microsoft.com/office/powerpoint/2010/main" id="1" dur="indefinite" restart="never" nodeType="tmRoot"/>
+        <p:cTn id="1" dur="indefinite" restart="never" nodeType="tmRoot"/>
       </p:par>
     </p:tnLst>
   </p:timing>
@@ -7041,10 +7276,34 @@
           <a:lstStyle/>
           <a:p>
             <a:r>
-              <a:rPr lang="fr-FR" dirty="0" smtClean="0"/>
-              <a:t>Compilation : une ou deux passes ?</a:t>
-            </a:r>
-            <a:endParaRPr lang="fr-FR" dirty="0"/>
+              <a:rPr lang="en-US" dirty="0" smtClean="0"/>
+              <a:t>Compilation : </a:t>
+            </a:r>
+            <a:r>
+              <a:rPr lang="en-US" dirty="0" err="1" smtClean="0"/>
+              <a:t>une</a:t>
+            </a:r>
+            <a:r>
+              <a:rPr lang="en-US" dirty="0" smtClean="0"/>
+              <a:t> </a:t>
+            </a:r>
+            <a:r>
+              <a:rPr lang="en-US" dirty="0" err="1" smtClean="0"/>
+              <a:t>ou</a:t>
+            </a:r>
+            <a:r>
+              <a:rPr lang="en-US" dirty="0" smtClean="0"/>
+              <a:t> </a:t>
+            </a:r>
+            <a:r>
+              <a:rPr lang="en-US" dirty="0" err="1" smtClean="0"/>
+              <a:t>deux</a:t>
+            </a:r>
+            <a:r>
+              <a:rPr lang="en-US" dirty="0" smtClean="0"/>
+              <a:t> passes ?</a:t>
+            </a:r>
+            <a:endParaRPr lang="en-US" dirty="0"/>
           </a:p>
         </p:txBody>
       </p:sp>
@@ -7066,9 +7325,18 @@
           <a:lstStyle/>
           <a:p>
             <a:r>
-              <a:rPr lang="fr-FR" dirty="0" smtClean="0"/>
-              <a:t>Une passe</a:t>
-            </a:r>
+              <a:rPr lang="en-US" dirty="0" err="1" smtClean="0"/>
+              <a:t>Une</a:t>
+            </a:r>
+            <a:r>
+              <a:rPr lang="en-US" dirty="0" smtClean="0"/>
+              <a:t> </a:t>
+            </a:r>
+            <a:r>
+              <a:rPr lang="en-US" dirty="0" err="1" smtClean="0"/>
+              <a:t>passe</a:t>
+            </a:r>
+            <a:endParaRPr lang="en-US" dirty="0" smtClean="0"/>
           </a:p>
           <a:p>
             <a:pPr lvl="1">
@@ -7076,8 +7344,56 @@
               <a:buChar char="§"/>
             </a:pPr>
             <a:r>
-              <a:rPr lang="fr-FR" dirty="0" smtClean="0"/>
-              <a:t>Le plugin APT s’exécute dans la même exécution que la compilation des sources java ‘statiques’</a:t>
+              <a:rPr lang="en-US" dirty="0" smtClean="0"/>
+              <a:t>Le plugin APT </a:t>
+            </a:r>
+            <a:r>
+              <a:rPr lang="en-US" dirty="0" err="1" smtClean="0"/>
+              <a:t>s’exécute</a:t>
+            </a:r>
+            <a:r>
+              <a:rPr lang="en-US" dirty="0" smtClean="0"/>
+              <a:t> </a:t>
+            </a:r>
+            <a:r>
+              <a:rPr lang="en-US" dirty="0" err="1" smtClean="0"/>
+              <a:t>dans</a:t>
+            </a:r>
+            <a:r>
+              <a:rPr lang="en-US" dirty="0" smtClean="0"/>
+              <a:t> la </a:t>
+            </a:r>
+            <a:r>
+              <a:rPr lang="en-US" dirty="0" err="1" smtClean="0"/>
+              <a:t>même</a:t>
+            </a:r>
+            <a:r>
+              <a:rPr lang="en-US" dirty="0" smtClean="0"/>
+              <a:t> </a:t>
+            </a:r>
+            <a:r>
+              <a:rPr lang="en-US" dirty="0" err="1" smtClean="0"/>
+              <a:t>exécution</a:t>
+            </a:r>
+            <a:r>
+              <a:rPr lang="en-US" dirty="0" smtClean="0"/>
+              <a:t> </a:t>
+            </a:r>
+            <a:r>
+              <a:rPr lang="en-US" dirty="0" err="1" smtClean="0"/>
+              <a:t>que</a:t>
+            </a:r>
+            <a:r>
+              <a:rPr lang="en-US" dirty="0" smtClean="0"/>
+              <a:t> la compilation des sources java ‘</a:t>
+            </a:r>
+            <a:r>
+              <a:rPr lang="en-US" dirty="0" err="1" smtClean="0"/>
+              <a:t>statiques</a:t>
+            </a:r>
+            <a:r>
+              <a:rPr lang="en-US" dirty="0" smtClean="0"/>
+              <a:t>’</a:t>
             </a:r>
           </a:p>
           <a:p>
@@ -7086,15 +7402,39 @@
               <a:buChar char="§"/>
             </a:pPr>
             <a:r>
-              <a:rPr lang="fr-FR" dirty="0" smtClean="0"/>
-              <a:t>Le code source apparait directement sous forme de </a:t>
-            </a:r>
-            <a:r>
-              <a:rPr lang="fr-FR" dirty="0" err="1" smtClean="0"/>
+              <a:rPr lang="en-US" dirty="0" smtClean="0"/>
+              <a:t>Le code source </a:t>
+            </a:r>
+            <a:r>
+              <a:rPr lang="en-US" dirty="0" err="1" smtClean="0"/>
+              <a:t>apparait</a:t>
+            </a:r>
+            <a:r>
+              <a:rPr lang="en-US" dirty="0" smtClean="0"/>
+              <a:t> </a:t>
+            </a:r>
+            <a:r>
+              <a:rPr lang="en-US" dirty="0" err="1" smtClean="0"/>
+              <a:t>directement</a:t>
+            </a:r>
+            <a:r>
+              <a:rPr lang="en-US" dirty="0" smtClean="0"/>
+              <a:t> sous </a:t>
+            </a:r>
+            <a:r>
+              <a:rPr lang="en-US" dirty="0" err="1" smtClean="0"/>
+              <a:t>forme</a:t>
+            </a:r>
+            <a:r>
+              <a:rPr lang="en-US" dirty="0" smtClean="0"/>
+              <a:t> de </a:t>
+            </a:r>
+            <a:r>
+              <a:rPr lang="en-US" dirty="0" err="1" smtClean="0"/>
               <a:t>bytecode</a:t>
             </a:r>
             <a:r>
-              <a:rPr lang="fr-FR" dirty="0" smtClean="0"/>
+              <a:rPr lang="en-US" dirty="0" smtClean="0"/>
               <a:t> (.class)</a:t>
             </a:r>
           </a:p>
@@ -7104,9 +7444,26 @@
               <a:buChar char="§"/>
             </a:pPr>
             <a:r>
-              <a:rPr lang="fr-FR" dirty="0" smtClean="0"/>
-              <a:t>Difficile à debugger en cas de soucis</a:t>
-            </a:r>
+              <a:rPr lang="en-US" dirty="0" err="1" smtClean="0"/>
+              <a:t>Difficile</a:t>
+            </a:r>
+            <a:r>
+              <a:rPr lang="en-US" dirty="0" smtClean="0"/>
+              <a:t> à debugger en </a:t>
+            </a:r>
+            <a:r>
+              <a:rPr lang="en-US" dirty="0" err="1" smtClean="0"/>
+              <a:t>cas</a:t>
+            </a:r>
+            <a:r>
+              <a:rPr lang="en-US" dirty="0" smtClean="0"/>
+              <a:t> de </a:t>
+            </a:r>
+            <a:r>
+              <a:rPr lang="en-US" dirty="0" err="1" smtClean="0"/>
+              <a:t>soucis</a:t>
+            </a:r>
+            <a:endParaRPr lang="en-US" dirty="0" smtClean="0"/>
           </a:p>
           <a:p>
             <a:pPr>
@@ -7114,8 +7471,12 @@
               <a:buChar char="§"/>
             </a:pPr>
             <a:r>
-              <a:rPr lang="fr-FR" dirty="0" smtClean="0"/>
-              <a:t>Deux passes</a:t>
+              <a:rPr lang="en-US" dirty="0" err="1" smtClean="0"/>
+              <a:t>Deux</a:t>
+            </a:r>
+            <a:r>
+              <a:rPr lang="en-US" dirty="0" smtClean="0"/>
+              <a:t> passes</a:t>
             </a:r>
           </a:p>
           <a:p>
@@ -7124,22 +7485,30 @@
               <a:buChar char="§"/>
             </a:pPr>
             <a:r>
-              <a:rPr lang="fr-FR" dirty="0" smtClean="0"/>
-              <a:t>On exécute </a:t>
-            </a:r>
-            <a:r>
-              <a:rPr lang="fr-FR" dirty="0" err="1" smtClean="0"/>
+              <a:rPr lang="en-US" dirty="0" smtClean="0"/>
+              <a:t>On </a:t>
+            </a:r>
+            <a:r>
+              <a:rPr lang="en-US" dirty="0" err="1" smtClean="0"/>
+              <a:t>exécute</a:t>
+            </a:r>
+            <a:r>
+              <a:rPr lang="en-US" dirty="0" smtClean="0"/>
+              <a:t> </a:t>
+            </a:r>
+            <a:r>
+              <a:rPr lang="en-US" dirty="0" err="1" smtClean="0"/>
               <a:t>javac</a:t>
             </a:r>
             <a:r>
-              <a:rPr lang="fr-FR" dirty="0" smtClean="0"/>
+              <a:rPr lang="en-US" dirty="0" smtClean="0"/>
               <a:t> en mode </a:t>
             </a:r>
             <a:r>
-              <a:rPr lang="fr-FR" dirty="0" err="1" smtClean="0"/>
+              <a:rPr lang="en-US" dirty="0" err="1" smtClean="0"/>
               <a:t>proc:only</a:t>
             </a:r>
-            <a:endParaRPr lang="fr-FR" dirty="0" smtClean="0"/>
+            <a:endParaRPr lang="en-US" dirty="0" smtClean="0"/>
           </a:p>
           <a:p>
             <a:pPr lvl="1">
@@ -7147,22 +7516,66 @@
               <a:buChar char="§"/>
             </a:pPr>
             <a:r>
-              <a:rPr lang="fr-FR" dirty="0" smtClean="0"/>
-              <a:t>Puis une deuxième fois en mode </a:t>
-            </a:r>
-            <a:r>
-              <a:rPr lang="fr-FR" dirty="0" err="1" smtClean="0"/>
+              <a:rPr lang="en-US" dirty="0" err="1" smtClean="0"/>
+              <a:t>Puis</a:t>
+            </a:r>
+            <a:r>
+              <a:rPr lang="en-US" dirty="0" smtClean="0"/>
+              <a:t> </a:t>
+            </a:r>
+            <a:r>
+              <a:rPr lang="en-US" dirty="0" err="1" smtClean="0"/>
+              <a:t>une</a:t>
+            </a:r>
+            <a:r>
+              <a:rPr lang="en-US" dirty="0" smtClean="0"/>
+              <a:t> </a:t>
+            </a:r>
+            <a:r>
+              <a:rPr lang="en-US" dirty="0" err="1" smtClean="0"/>
+              <a:t>deuxième</a:t>
+            </a:r>
+            <a:r>
+              <a:rPr lang="en-US" dirty="0" smtClean="0"/>
+              <a:t> </a:t>
+            </a:r>
+            <a:r>
+              <a:rPr lang="en-US" dirty="0" err="1" smtClean="0"/>
+              <a:t>fois</a:t>
+            </a:r>
+            <a:r>
+              <a:rPr lang="en-US" dirty="0" smtClean="0"/>
+              <a:t> en mode </a:t>
+            </a:r>
+            <a:r>
+              <a:rPr lang="en-US" dirty="0" err="1" smtClean="0"/>
               <a:t>proc:none</a:t>
             </a:r>
             <a:r>
-              <a:rPr lang="fr-FR" dirty="0" smtClean="0"/>
-              <a:t> avec les sources générées dans le </a:t>
-            </a:r>
-            <a:r>
-              <a:rPr lang="fr-FR" dirty="0" err="1" smtClean="0"/>
+              <a:rPr lang="en-US" dirty="0" smtClean="0"/>
+              <a:t> avec les sources </a:t>
+            </a:r>
+            <a:r>
+              <a:rPr lang="en-US" dirty="0" err="1" smtClean="0"/>
+              <a:t>générées</a:t>
+            </a:r>
+            <a:r>
+              <a:rPr lang="en-US" dirty="0" smtClean="0"/>
+              <a:t> </a:t>
+            </a:r>
+            <a:r>
+              <a:rPr lang="en-US" dirty="0" err="1" smtClean="0"/>
+              <a:t>dans</a:t>
+            </a:r>
+            <a:r>
+              <a:rPr lang="en-US" dirty="0" smtClean="0"/>
+              <a:t> le </a:t>
+            </a:r>
+            <a:r>
+              <a:rPr lang="en-US" dirty="0" err="1" smtClean="0"/>
               <a:t>sourcepath</a:t>
             </a:r>
-            <a:endParaRPr lang="fr-FR" dirty="0" smtClean="0"/>
+            <a:endParaRPr lang="en-US" dirty="0" smtClean="0"/>
           </a:p>
           <a:p>
             <a:pPr lvl="1">
@@ -7170,18 +7583,30 @@
               <a:buChar char="§"/>
             </a:pPr>
             <a:r>
-              <a:rPr lang="fr-FR" dirty="0" smtClean="0"/>
-              <a:t>Le </a:t>
-            </a:r>
-            <a:r>
-              <a:rPr lang="fr-FR" dirty="0" err="1" smtClean="0"/>
-              <a:t>debug</a:t>
-            </a:r>
-            <a:r>
-              <a:rPr lang="fr-FR" dirty="0" smtClean="0"/>
-              <a:t> devient possible sur le code généré</a:t>
-            </a:r>
-            <a:endParaRPr lang="fr-FR" dirty="0"/>
+              <a:rPr lang="en-US" dirty="0" smtClean="0"/>
+              <a:t>Le debug </a:t>
+            </a:r>
+            <a:r>
+              <a:rPr lang="en-US" dirty="0" err="1" smtClean="0"/>
+              <a:t>devient</a:t>
+            </a:r>
+            <a:r>
+              <a:rPr lang="en-US" dirty="0" smtClean="0"/>
+              <a:t> possible </a:t>
+            </a:r>
+            <a:r>
+              <a:rPr lang="en-US" dirty="0" err="1" smtClean="0"/>
+              <a:t>sur</a:t>
+            </a:r>
+            <a:r>
+              <a:rPr lang="en-US" dirty="0" smtClean="0"/>
+              <a:t> le code </a:t>
+            </a:r>
+            <a:r>
+              <a:rPr lang="en-US" dirty="0" err="1" smtClean="0"/>
+              <a:t>généré</a:t>
+            </a:r>
+            <a:endParaRPr lang="en-US" dirty="0"/>
           </a:p>
         </p:txBody>
       </p:sp>
@@ -7198,7 +7623,7 @@
   <p:timing>
     <p:tnLst>
       <p:par>
-        <p:cTn xmlns:p14="http://schemas.microsoft.com/office/powerpoint/2010/main" id="1" dur="indefinite" restart="never" nodeType="tmRoot"/>
+        <p:cTn id="1" dur="indefinite" restart="never" nodeType="tmRoot"/>
       </p:par>
     </p:tnLst>
   </p:timing>
@@ -7268,29 +7693,114 @@
           <a:lstStyle/>
           <a:p>
             <a:r>
-              <a:rPr lang="fr-FR" dirty="0" smtClean="0"/>
-              <a:t>A votre guise !</a:t>
-            </a:r>
-          </a:p>
-          <a:p>
-            <a:r>
-              <a:rPr lang="fr-FR" dirty="0" smtClean="0"/>
-              <a:t>Respecter l’indentation classique java si vous travaillez en ‘deux passes’</a:t>
-            </a:r>
-          </a:p>
-          <a:p>
-            <a:r>
-              <a:rPr lang="fr-FR" dirty="0" smtClean="0"/>
-              <a:t>Un petit moteur de </a:t>
-            </a:r>
-            <a:r>
-              <a:rPr lang="fr-FR" dirty="0" err="1" smtClean="0"/>
-              <a:t>template</a:t>
-            </a:r>
-            <a:r>
-              <a:rPr lang="fr-FR" dirty="0" smtClean="0"/>
-              <a:t> tient dans une classe</a:t>
-            </a:r>
+              <a:rPr lang="en-US" dirty="0" smtClean="0"/>
+              <a:t>A </a:t>
+            </a:r>
+            <a:r>
+              <a:rPr lang="en-US" dirty="0" err="1" smtClean="0"/>
+              <a:t>votre</a:t>
+            </a:r>
+            <a:r>
+              <a:rPr lang="en-US" dirty="0" smtClean="0"/>
+              <a:t> guise !</a:t>
+            </a:r>
+          </a:p>
+          <a:p>
+            <a:r>
+              <a:rPr lang="en-US" dirty="0" smtClean="0"/>
+              <a:t>Respecter </a:t>
+            </a:r>
+            <a:r>
+              <a:rPr lang="en-US" dirty="0" err="1" smtClean="0"/>
+              <a:t>l’indentation</a:t>
+            </a:r>
+            <a:r>
+              <a:rPr lang="en-US" dirty="0" smtClean="0"/>
+              <a:t> </a:t>
+            </a:r>
+            <a:r>
+              <a:rPr lang="en-US" dirty="0" err="1" smtClean="0"/>
+              <a:t>classique</a:t>
+            </a:r>
+            <a:r>
+              <a:rPr lang="en-US" dirty="0" smtClean="0"/>
+              <a:t> java </a:t>
+            </a:r>
+            <a:r>
+              <a:rPr lang="en-US" dirty="0" err="1" smtClean="0"/>
+              <a:t>si</a:t>
+            </a:r>
+            <a:r>
+              <a:rPr lang="en-US" dirty="0" smtClean="0"/>
+              <a:t> </a:t>
+            </a:r>
+            <a:r>
+              <a:rPr lang="en-US" dirty="0" err="1" smtClean="0"/>
+              <a:t>vous</a:t>
+            </a:r>
+            <a:r>
+              <a:rPr lang="en-US" dirty="0" smtClean="0"/>
+              <a:t> </a:t>
+            </a:r>
+            <a:r>
+              <a:rPr lang="en-US" dirty="0" err="1" smtClean="0"/>
+              <a:t>travaillez</a:t>
+            </a:r>
+            <a:r>
+              <a:rPr lang="en-US" dirty="0" smtClean="0"/>
+              <a:t> en ‘</a:t>
+            </a:r>
+            <a:r>
+              <a:rPr lang="en-US" dirty="0" err="1" smtClean="0"/>
+              <a:t>deux</a:t>
+            </a:r>
+            <a:r>
+              <a:rPr lang="en-US" dirty="0" smtClean="0"/>
+              <a:t> passes’</a:t>
+            </a:r>
+          </a:p>
+          <a:p>
+            <a:r>
+              <a:rPr lang="en-US" dirty="0" smtClean="0"/>
+              <a:t>Un petit </a:t>
+            </a:r>
+            <a:r>
+              <a:rPr lang="en-US" dirty="0" err="1" smtClean="0"/>
+              <a:t>moteur</a:t>
+            </a:r>
+            <a:r>
+              <a:rPr lang="en-US" dirty="0" smtClean="0"/>
+              <a:t> de template </a:t>
+            </a:r>
+            <a:r>
+              <a:rPr lang="en-US" dirty="0" err="1" smtClean="0"/>
+              <a:t>tient</a:t>
+            </a:r>
+            <a:r>
+              <a:rPr lang="en-US" dirty="0" smtClean="0"/>
+              <a:t> </a:t>
+            </a:r>
+            <a:r>
+              <a:rPr lang="en-US" dirty="0" err="1" smtClean="0"/>
+              <a:t>dans</a:t>
+            </a:r>
+            <a:r>
+              <a:rPr lang="en-US" dirty="0" smtClean="0"/>
+              <a:t> </a:t>
+            </a:r>
+            <a:r>
+              <a:rPr lang="en-US" dirty="0" err="1" smtClean="0"/>
+              <a:t>une</a:t>
+            </a:r>
+            <a:r>
+              <a:rPr lang="en-US" dirty="0" smtClean="0"/>
+              <a:t> </a:t>
+            </a:r>
+            <a:r>
+              <a:rPr lang="en-US" dirty="0" err="1" smtClean="0"/>
+              <a:t>classe</a:t>
+            </a:r>
+            <a:endParaRPr lang="en-US" dirty="0" smtClean="0"/>
           </a:p>
           <a:p>
             <a:pPr lvl="1">
@@ -7298,21 +7808,20 @@
               <a:buChar char="Ø"/>
             </a:pPr>
             <a:r>
-              <a:rPr lang="fr-FR" dirty="0" smtClean="0"/>
-              <a:t>Moteur de macro de apache </a:t>
-            </a:r>
-            <a:r>
-              <a:rPr lang="fr-FR" dirty="0" err="1" smtClean="0"/>
-              <a:t>ant</a:t>
-            </a:r>
-            <a:endParaRPr lang="fr-FR" dirty="0" smtClean="0"/>
+              <a:rPr lang="en-US" dirty="0" err="1" smtClean="0"/>
+              <a:t>Moteur</a:t>
+            </a:r>
+            <a:r>
+              <a:rPr lang="en-US" dirty="0" smtClean="0"/>
+              <a:t> de macro de apache ant</a:t>
+            </a:r>
           </a:p>
           <a:p>
             <a:pPr lvl="1">
               <a:buFont typeface="Wingdings" pitchFamily="2" charset="2"/>
               <a:buChar char="Ø"/>
             </a:pPr>
-            <a:endParaRPr lang="fr-FR" dirty="0"/>
+            <a:endParaRPr lang="en-US" dirty="0"/>
           </a:p>
         </p:txBody>
       </p:sp>
@@ -7356,14 +7865,14 @@
           </a:ln>
           <a:effectLst/>
           <a:extLst>
-            <a:ext uri="{909E8E84-426E-40dd-AFC4-6F175D3DCCD1}">
+            <a:ext uri="{909E8E84-426E-40DD-AFC4-6F175D3DCCD1}">
               <a14:hiddenFill xmlns:a14="http://schemas.microsoft.com/office/drawing/2010/main">
                 <a:solidFill>
                   <a:schemeClr val="accent1"/>
                 </a:solidFill>
               </a14:hiddenFill>
             </a:ext>
-            <a:ext uri="{AF507438-7753-43e0-B8FC-AC1667EBCBE1}">
+            <a:ext uri="{AF507438-7753-43E0-B8FC-AC1667EBCBE1}">
               <a14:hiddenEffects xmlns:a14="http://schemas.microsoft.com/office/drawing/2010/main">
                 <a:effectLst>
                   <a:outerShdw dist="35921" dir="2700000" algn="ctr" rotWithShape="0">
@@ -7415,14 +7924,14 @@
           </a:ln>
           <a:effectLst/>
           <a:extLst>
-            <a:ext uri="{909E8E84-426E-40dd-AFC4-6F175D3DCCD1}">
+            <a:ext uri="{909E8E84-426E-40DD-AFC4-6F175D3DCCD1}">
               <a14:hiddenFill xmlns:a14="http://schemas.microsoft.com/office/drawing/2010/main">
                 <a:solidFill>
                   <a:schemeClr val="accent1"/>
                 </a:solidFill>
               </a14:hiddenFill>
             </a:ext>
-            <a:ext uri="{AF507438-7753-43e0-B8FC-AC1667EBCBE1}">
+            <a:ext uri="{AF507438-7753-43E0-B8FC-AC1667EBCBE1}">
               <a14:hiddenEffects xmlns:a14="http://schemas.microsoft.com/office/drawing/2010/main">
                 <a:effectLst>
                   <a:outerShdw dist="35921" dir="2700000" algn="ctr" rotWithShape="0">
@@ -7488,7 +7997,7 @@
   <p:timing>
     <p:tnLst>
       <p:par>
-        <p:cTn xmlns:p14="http://schemas.microsoft.com/office/powerpoint/2010/main" id="1" dur="indefinite" restart="never" nodeType="tmRoot"/>
+        <p:cTn id="1" dur="indefinite" restart="never" nodeType="tmRoot"/>
       </p:par>
     </p:tnLst>
   </p:timing>
@@ -7552,14 +8061,14 @@
           </a:ln>
           <a:effectLst/>
           <a:extLst>
-            <a:ext uri="{909E8E84-426E-40dd-AFC4-6F175D3DCCD1}">
+            <a:ext uri="{909E8E84-426E-40DD-AFC4-6F175D3DCCD1}">
               <a14:hiddenFill xmlns:a14="http://schemas.microsoft.com/office/drawing/2010/main">
                 <a:solidFill>
                   <a:schemeClr val="accent1"/>
                 </a:solidFill>
               </a14:hiddenFill>
             </a:ext>
-            <a:ext uri="{AF507438-7753-43e0-B8FC-AC1667EBCBE1}">
+            <a:ext uri="{AF507438-7753-43E0-B8FC-AC1667EBCBE1}">
               <a14:hiddenEffects xmlns:a14="http://schemas.microsoft.com/office/drawing/2010/main">
                 <a:effectLst>
                   <a:outerShdw dist="35921" dir="2700000" algn="ctr" rotWithShape="0">
@@ -7587,26 +8096,10 @@
           <a:lstStyle/>
           <a:p>
             <a:r>
-              <a:rPr lang="fr-FR" dirty="0" smtClean="0"/>
-              <a:t>APT </a:t>
-            </a:r>
-            <a:r>
-              <a:rPr lang="fr-FR" dirty="0" smtClean="0"/>
-              <a:t>in </a:t>
-            </a:r>
-            <a:r>
-              <a:rPr lang="fr-FR" dirty="0" err="1" smtClean="0"/>
-              <a:t>your</a:t>
-            </a:r>
-            <a:r>
-              <a:rPr lang="fr-FR" dirty="0" smtClean="0"/>
-              <a:t> </a:t>
-            </a:r>
-            <a:r>
-              <a:rPr lang="fr-FR" dirty="0" smtClean="0"/>
-              <a:t>IDE</a:t>
-            </a:r>
-            <a:endParaRPr lang="fr-FR" dirty="0"/>
+              <a:rPr lang="en-US" dirty="0" smtClean="0"/>
+              <a:t>APT in your IDE</a:t>
+            </a:r>
+            <a:endParaRPr lang="en-US" dirty="0"/>
           </a:p>
         </p:txBody>
       </p:sp>
@@ -7633,10 +8126,70 @@
           <a:lstStyle/>
           <a:p>
             <a:r>
-              <a:rPr lang="fr-FR" dirty="0" smtClean="0"/>
-              <a:t>En mode ‘deux passes’ : penser à configurer le répertoire de sources générées dans les projets de l’IDE</a:t>
-            </a:r>
-            <a:endParaRPr lang="fr-FR" dirty="0"/>
+              <a:rPr lang="en-US" dirty="0" smtClean="0"/>
+              <a:t>En mode ‘</a:t>
+            </a:r>
+            <a:r>
+              <a:rPr lang="en-US" dirty="0" err="1" smtClean="0"/>
+              <a:t>deux</a:t>
+            </a:r>
+            <a:r>
+              <a:rPr lang="en-US" dirty="0" smtClean="0"/>
+              <a:t> passes’ : </a:t>
+            </a:r>
+            <a:r>
+              <a:rPr lang="en-US" dirty="0" err="1" smtClean="0"/>
+              <a:t>penser</a:t>
+            </a:r>
+            <a:r>
+              <a:rPr lang="en-US" dirty="0" smtClean="0"/>
+              <a:t> à </a:t>
+            </a:r>
+            <a:r>
+              <a:rPr lang="en-US" dirty="0" err="1" smtClean="0"/>
+              <a:t>configurer</a:t>
+            </a:r>
+            <a:r>
+              <a:rPr lang="en-US" dirty="0" smtClean="0"/>
+              <a:t> le </a:t>
+            </a:r>
+            <a:r>
+              <a:rPr lang="en-US" dirty="0" err="1" smtClean="0"/>
+              <a:t>répertoire</a:t>
+            </a:r>
+            <a:r>
+              <a:rPr lang="en-US" dirty="0" smtClean="0"/>
+              <a:t> de sources </a:t>
+            </a:r>
+            <a:r>
+              <a:rPr lang="en-US" dirty="0" err="1" smtClean="0"/>
+              <a:t>générées</a:t>
+            </a:r>
+            <a:r>
+              <a:rPr lang="en-US" dirty="0" smtClean="0"/>
+              <a:t> </a:t>
+            </a:r>
+            <a:r>
+              <a:rPr lang="en-US" dirty="0" err="1" smtClean="0"/>
+              <a:t>dans</a:t>
+            </a:r>
+            <a:r>
+              <a:rPr lang="en-US" dirty="0" smtClean="0"/>
+              <a:t> les </a:t>
+            </a:r>
+            <a:r>
+              <a:rPr lang="en-US" dirty="0" err="1" smtClean="0"/>
+              <a:t>projets</a:t>
+            </a:r>
+            <a:r>
+              <a:rPr lang="en-US" dirty="0" smtClean="0"/>
+              <a:t> de </a:t>
+            </a:r>
+            <a:r>
+              <a:rPr lang="en-US" dirty="0" err="1" smtClean="0"/>
+              <a:t>l’IDE</a:t>
+            </a:r>
+            <a:endParaRPr lang="en-US" dirty="0"/>
           </a:p>
         </p:txBody>
       </p:sp>
@@ -7800,22 +8353,46 @@
           </a:lstStyle>
           <a:p>
             <a:r>
-              <a:rPr lang="fr-FR" dirty="0" smtClean="0"/>
-              <a:t>La plupart des IDE sont configurés avec </a:t>
-            </a:r>
-            <a:r>
-              <a:rPr lang="fr-FR" dirty="0" err="1" smtClean="0"/>
+              <a:rPr lang="en-US" dirty="0" smtClean="0"/>
+              <a:t>La </a:t>
+            </a:r>
+            <a:r>
+              <a:rPr lang="en-US" dirty="0" err="1" smtClean="0"/>
+              <a:t>plupart</a:t>
+            </a:r>
+            <a:r>
+              <a:rPr lang="en-US" dirty="0" smtClean="0"/>
+              <a:t> des IDE </a:t>
+            </a:r>
+            <a:r>
+              <a:rPr lang="en-US" dirty="0" err="1" smtClean="0"/>
+              <a:t>sont</a:t>
+            </a:r>
+            <a:r>
+              <a:rPr lang="en-US" dirty="0" smtClean="0"/>
+              <a:t> </a:t>
+            </a:r>
+            <a:r>
+              <a:rPr lang="en-US" dirty="0" err="1" smtClean="0"/>
+              <a:t>configurés</a:t>
+            </a:r>
+            <a:r>
+              <a:rPr lang="en-US" dirty="0" smtClean="0"/>
+              <a:t> avec </a:t>
+            </a:r>
+            <a:r>
+              <a:rPr lang="en-US" dirty="0" err="1" smtClean="0"/>
               <a:t>javac</a:t>
             </a:r>
             <a:r>
-              <a:rPr lang="fr-FR" dirty="0" smtClean="0"/>
+              <a:rPr lang="en-US" dirty="0" smtClean="0"/>
               <a:t> en mode </a:t>
             </a:r>
             <a:r>
-              <a:rPr lang="fr-FR" dirty="0" err="1" smtClean="0"/>
+              <a:rPr lang="en-US" dirty="0" err="1" smtClean="0"/>
               <a:t>proc:none</a:t>
             </a:r>
-            <a:endParaRPr lang="fr-FR" dirty="0" smtClean="0"/>
+            <a:endParaRPr lang="en-US" dirty="0" smtClean="0"/>
           </a:p>
           <a:p>
             <a:pPr lvl="1">
@@ -7823,8 +8400,48 @@
               <a:buChar char="Ø"/>
             </a:pPr>
             <a:r>
-              <a:rPr lang="fr-FR" dirty="0" smtClean="0"/>
-              <a:t>Les IDE sont souvent configurable pour activer le mode de compilation ‘une passe’</a:t>
+              <a:rPr lang="en-US" dirty="0" smtClean="0"/>
+              <a:t>Les IDE </a:t>
+            </a:r>
+            <a:r>
+              <a:rPr lang="en-US" dirty="0" err="1" smtClean="0"/>
+              <a:t>sont</a:t>
+            </a:r>
+            <a:r>
+              <a:rPr lang="en-US" dirty="0" smtClean="0"/>
+              <a:t> </a:t>
+            </a:r>
+            <a:r>
+              <a:rPr lang="en-US" dirty="0" err="1" smtClean="0"/>
+              <a:t>souvent</a:t>
+            </a:r>
+            <a:r>
+              <a:rPr lang="en-US" dirty="0" smtClean="0"/>
+              <a:t> configurable pour </a:t>
+            </a:r>
+            <a:r>
+              <a:rPr lang="en-US" dirty="0" err="1" smtClean="0"/>
+              <a:t>activer</a:t>
+            </a:r>
+            <a:r>
+              <a:rPr lang="en-US" dirty="0" smtClean="0"/>
+              <a:t> le mode de compilation ‘</a:t>
+            </a:r>
+            <a:r>
+              <a:rPr lang="en-US" dirty="0" err="1" smtClean="0"/>
+              <a:t>une</a:t>
+            </a:r>
+            <a:r>
+              <a:rPr lang="en-US" dirty="0" smtClean="0"/>
+              <a:t> </a:t>
+            </a:r>
+            <a:r>
+              <a:rPr lang="en-US" dirty="0" err="1" smtClean="0"/>
+              <a:t>passe</a:t>
+            </a:r>
+            <a:r>
+              <a:rPr lang="en-US" dirty="0" smtClean="0"/>
+              <a:t>’</a:t>
             </a:r>
           </a:p>
           <a:p>
@@ -7833,10 +8450,22 @@
               <a:buChar char="Ø"/>
             </a:pPr>
             <a:r>
-              <a:rPr lang="fr-FR" dirty="0" smtClean="0"/>
-              <a:t>Aucun support pour le mode ‘deux passes’</a:t>
-            </a:r>
-            <a:endParaRPr lang="fr-FR" dirty="0" smtClean="0"/>
+              <a:rPr lang="en-US" dirty="0" err="1" smtClean="0"/>
+              <a:t>Aucun</a:t>
+            </a:r>
+            <a:r>
+              <a:rPr lang="en-US" dirty="0" smtClean="0"/>
+              <a:t> support pour le mode ‘</a:t>
+            </a:r>
+            <a:r>
+              <a:rPr lang="en-US" dirty="0" err="1" smtClean="0"/>
+              <a:t>deux</a:t>
+            </a:r>
+            <a:r>
+              <a:rPr lang="en-US" dirty="0" smtClean="0"/>
+              <a:t> passes’</a:t>
+            </a:r>
+            <a:endParaRPr lang="en-US" dirty="0" smtClean="0"/>
           </a:p>
         </p:txBody>
       </p:sp>
@@ -7853,7 +8482,7 @@
   <p:timing>
     <p:tnLst>
       <p:par>
-        <p:cTn xmlns:p14="http://schemas.microsoft.com/office/powerpoint/2010/main" id="1" dur="indefinite" restart="never" nodeType="tmRoot"/>
+        <p:cTn id="1" dur="indefinite" restart="never" nodeType="tmRoot"/>
       </p:par>
     </p:tnLst>
   </p:timing>
@@ -7896,45 +8525,7 @@
               <a:rPr lang="en-US" dirty="0" smtClean="0"/>
               <a:t>Ez18n hands on</a:t>
             </a:r>
-            <a:endParaRPr lang="fr-FR" dirty="0"/>
-          </a:p>
-        </p:txBody>
-      </p:sp>
-      <p:sp>
-        <p:nvSpPr>
-          <p:cNvPr id="3" name="Sous-titre 2"/>
-          <p:cNvSpPr>
-            <a:spLocks noGrp="1"/>
-          </p:cNvSpPr>
-          <p:nvPr>
-            <p:ph type="subTitle" idx="1"/>
-          </p:nvPr>
-        </p:nvSpPr>
-        <p:spPr/>
-        <p:txBody>
-          <a:bodyPr/>
-          <a:lstStyle/>
-          <a:p>
-            <a:r>
-              <a:rPr lang="en-US" dirty="0" smtClean="0"/>
-              <a:t>@</a:t>
-            </a:r>
-            <a:r>
-              <a:rPr lang="en-US" dirty="0" err="1" smtClean="0"/>
-              <a:t>gdigugli</a:t>
-            </a:r>
-            <a:endParaRPr lang="en-US" dirty="0" smtClean="0"/>
-          </a:p>
-          <a:p>
-            <a:r>
-              <a:rPr lang="en-US" dirty="0" smtClean="0"/>
-              <a:t>@</a:t>
-            </a:r>
-            <a:r>
-              <a:rPr lang="en-US" dirty="0" err="1" smtClean="0"/>
-              <a:t>dbaeli</a:t>
-            </a:r>
-            <a:endParaRPr lang="fr-FR" dirty="0"/>
+            <a:endParaRPr lang="en-US" dirty="0"/>
           </a:p>
         </p:txBody>
       </p:sp>
@@ -7951,7 +8542,7 @@
   <p:timing>
     <p:tnLst>
       <p:par>
-        <p:cTn xmlns:p14="http://schemas.microsoft.com/office/powerpoint/2010/main" id="1" dur="indefinite" restart="never" nodeType="tmRoot"/>
+        <p:cTn id="1" dur="indefinite" restart="never" nodeType="tmRoot"/>
       </p:par>
     </p:tnLst>
   </p:timing>
@@ -8015,14 +8606,14 @@
           </a:ln>
           <a:effectLst/>
           <a:extLst>
-            <a:ext uri="{909E8E84-426E-40dd-AFC4-6F175D3DCCD1}">
+            <a:ext uri="{909E8E84-426E-40DD-AFC4-6F175D3DCCD1}">
               <a14:hiddenFill xmlns:a14="http://schemas.microsoft.com/office/drawing/2010/main">
                 <a:solidFill>
                   <a:schemeClr val="accent1"/>
                 </a:solidFill>
               </a14:hiddenFill>
             </a:ext>
-            <a:ext uri="{AF507438-7753-43e0-B8FC-AC1667EBCBE1}">
+            <a:ext uri="{AF507438-7753-43E0-B8FC-AC1667EBCBE1}">
               <a14:hiddenEffects xmlns:a14="http://schemas.microsoft.com/office/drawing/2010/main">
                 <a:effectLst>
                   <a:outerShdw dist="35921" dir="2700000" algn="ctr" rotWithShape="0">
@@ -8061,7 +8652,7 @@
               <a:rPr lang="en-US" dirty="0" smtClean="0"/>
               <a:t> du JDK</a:t>
             </a:r>
-            <a:endParaRPr lang="fr-FR" dirty="0"/>
+            <a:endParaRPr lang="en-US" dirty="0"/>
           </a:p>
         </p:txBody>
       </p:sp>
@@ -8088,10 +8679,10 @@
           <a:lstStyle/>
           <a:p>
             <a:r>
-              <a:rPr lang="fr-FR" b="1" dirty="0" err="1" smtClean="0"/>
+              <a:rPr lang="en-US" b="1" dirty="0" err="1" smtClean="0"/>
               <a:t>java.util.ResourceBundle</a:t>
             </a:r>
-            <a:endParaRPr lang="fr-FR" dirty="0" smtClean="0"/>
+            <a:endParaRPr lang="en-US" dirty="0" smtClean="0"/>
           </a:p>
           <a:p>
             <a:pPr lvl="1">
@@ -8099,24 +8690,64 @@
               <a:buChar char="§"/>
             </a:pPr>
             <a:r>
-              <a:rPr lang="fr-FR" dirty="0" smtClean="0"/>
-              <a:t>La classe qui charge les fichiers </a:t>
-            </a:r>
-            <a:r>
-              <a:rPr lang="fr-FR" dirty="0" err="1" smtClean="0"/>
-              <a:t>properties</a:t>
-            </a:r>
-            <a:r>
-              <a:rPr lang="fr-FR" dirty="0" smtClean="0"/>
-              <a:t> en fonction de la locale (par défaut ou en paramètre)</a:t>
-            </a:r>
-          </a:p>
-          <a:p>
-            <a:r>
-              <a:rPr lang="fr-FR" b="1" dirty="0" err="1" smtClean="0"/>
+              <a:rPr lang="en-US" dirty="0" smtClean="0"/>
+              <a:t>La </a:t>
+            </a:r>
+            <a:r>
+              <a:rPr lang="en-US" dirty="0" err="1" smtClean="0"/>
+              <a:t>classe</a:t>
+            </a:r>
+            <a:r>
+              <a:rPr lang="en-US" dirty="0" smtClean="0"/>
+              <a:t> qui charge les </a:t>
+            </a:r>
+            <a:r>
+              <a:rPr lang="en-US" dirty="0" err="1" smtClean="0"/>
+              <a:t>fichiers</a:t>
+            </a:r>
+            <a:r>
+              <a:rPr lang="en-US" dirty="0" smtClean="0"/>
+              <a:t> properties en </a:t>
+            </a:r>
+            <a:r>
+              <a:rPr lang="en-US" dirty="0" err="1" smtClean="0"/>
+              <a:t>fonction</a:t>
+            </a:r>
+            <a:r>
+              <a:rPr lang="en-US" dirty="0" smtClean="0"/>
+              <a:t> de la locale (par </a:t>
+            </a:r>
+            <a:r>
+              <a:rPr lang="en-US" dirty="0" err="1" smtClean="0"/>
+              <a:t>défaut</a:t>
+            </a:r>
+            <a:r>
+              <a:rPr lang="en-US" dirty="0" smtClean="0"/>
+              <a:t> </a:t>
+            </a:r>
+            <a:r>
+              <a:rPr lang="en-US" dirty="0" err="1" smtClean="0"/>
+              <a:t>ou</a:t>
+            </a:r>
+            <a:r>
+              <a:rPr lang="en-US" dirty="0" smtClean="0"/>
+              <a:t> en </a:t>
+            </a:r>
+            <a:r>
+              <a:rPr lang="en-US" dirty="0" err="1" smtClean="0"/>
+              <a:t>paramètre</a:t>
+            </a:r>
+            <a:r>
+              <a:rPr lang="en-US" dirty="0" smtClean="0"/>
+              <a:t>)</a:t>
+            </a:r>
+          </a:p>
+          <a:p>
+            <a:r>
+              <a:rPr lang="en-US" b="1" dirty="0" err="1" smtClean="0"/>
               <a:t>java.util.Locale</a:t>
             </a:r>
-            <a:endParaRPr lang="fr-FR" dirty="0" smtClean="0"/>
+            <a:endParaRPr lang="en-US" dirty="0" smtClean="0"/>
           </a:p>
           <a:p>
             <a:pPr lvl="1">
@@ -8124,28 +8755,61 @@
               <a:buChar char="§"/>
             </a:pPr>
             <a:r>
-              <a:rPr lang="fr-FR" dirty="0" smtClean="0"/>
-              <a:t>L’objet qui désigne la langue courante avec laquelle on charge les </a:t>
-            </a:r>
-            <a:r>
-              <a:rPr lang="fr-FR" dirty="0" err="1" smtClean="0"/>
-              <a:t>resources</a:t>
-            </a:r>
-            <a:r>
-              <a:rPr lang="fr-FR" dirty="0" smtClean="0"/>
-              <a:t> </a:t>
-            </a:r>
-            <a:r>
-              <a:rPr lang="fr-FR" dirty="0" err="1" smtClean="0"/>
+              <a:rPr lang="en-US" dirty="0" err="1" smtClean="0"/>
+              <a:t>L’objet</a:t>
+            </a:r>
+            <a:r>
+              <a:rPr lang="en-US" dirty="0" smtClean="0"/>
+              <a:t> qui </a:t>
+            </a:r>
+            <a:r>
+              <a:rPr lang="en-US" dirty="0" err="1" smtClean="0"/>
+              <a:t>désigne</a:t>
+            </a:r>
+            <a:r>
+              <a:rPr lang="en-US" dirty="0" smtClean="0"/>
+              <a:t> la langue courante avec </a:t>
+            </a:r>
+            <a:r>
+              <a:rPr lang="en-US" dirty="0" err="1" smtClean="0"/>
+              <a:t>laquelle</a:t>
+            </a:r>
+            <a:r>
+              <a:rPr lang="en-US" dirty="0" smtClean="0"/>
+              <a:t> on charge les resources </a:t>
+            </a:r>
+            <a:r>
+              <a:rPr lang="en-US" dirty="0" err="1" smtClean="0"/>
               <a:t>internationnaliéses</a:t>
             </a:r>
-            <a:endParaRPr lang="fr-FR" dirty="0" smtClean="0"/>
-          </a:p>
-          <a:p>
-            <a:r>
-              <a:rPr lang="fr-FR" dirty="0" smtClean="0"/>
-              <a:t>Convention de nommage pour les fichiers de traduction</a:t>
-            </a:r>
+            <a:endParaRPr lang="en-US" dirty="0" smtClean="0"/>
+          </a:p>
+          <a:p>
+            <a:r>
+              <a:rPr lang="en-US" dirty="0" smtClean="0"/>
+              <a:t>Convention de </a:t>
+            </a:r>
+            <a:r>
+              <a:rPr lang="en-US" dirty="0" err="1" smtClean="0"/>
+              <a:t>nommage</a:t>
+            </a:r>
+            <a:r>
+              <a:rPr lang="en-US" dirty="0" smtClean="0"/>
+              <a:t> pour les </a:t>
+            </a:r>
+            <a:r>
+              <a:rPr lang="en-US" dirty="0" err="1" smtClean="0"/>
+              <a:t>fichiers</a:t>
+            </a:r>
+            <a:r>
+              <a:rPr lang="en-US" dirty="0" smtClean="0"/>
+              <a:t> de </a:t>
+            </a:r>
+            <a:r>
+              <a:rPr lang="en-US" dirty="0" err="1" smtClean="0"/>
+              <a:t>traduction</a:t>
+            </a:r>
+            <a:endParaRPr lang="en-US" dirty="0" smtClean="0"/>
           </a:p>
           <a:p>
             <a:pPr lvl="1">
@@ -8153,18 +8817,14 @@
               <a:buChar char="•"/>
             </a:pPr>
             <a:r>
-              <a:rPr lang="fr-FR" dirty="0" err="1" smtClean="0">
+              <a:rPr lang="en-US" dirty="0" err="1" smtClean="0">
                 <a:latin typeface="Lucida Console" pitchFamily="49" charset="0"/>
               </a:rPr>
               <a:t>StockWatcherConstants_en_EN.properties</a:t>
             </a:r>
-            <a:endParaRPr lang="fr-FR" dirty="0">
+            <a:endParaRPr lang="en-US" dirty="0">
               <a:latin typeface="Lucida Console" pitchFamily="49" charset="0"/>
             </a:endParaRPr>
-          </a:p>
-          <a:p>
-            <a:pPr lvl="1"/>
-            <a:endParaRPr lang="fr-FR" dirty="0"/>
           </a:p>
         </p:txBody>
       </p:sp>
@@ -8401,7 +9061,7 @@
   <p:timing>
     <p:tnLst>
       <p:par>
-        <p:cTn xmlns:p14="http://schemas.microsoft.com/office/powerpoint/2010/main" id="1" dur="indefinite" restart="never" nodeType="tmRoot"/>
+        <p:cTn id="1" dur="indefinite" restart="never" nodeType="tmRoot"/>
       </p:par>
     </p:tnLst>
   </p:timing>
@@ -8452,7 +9112,7 @@
               <a:rPr lang="en-US" dirty="0" smtClean="0"/>
               <a:t> du JDK</a:t>
             </a:r>
-            <a:endParaRPr lang="fr-FR" dirty="0"/>
+            <a:endParaRPr lang="en-US" dirty="0"/>
           </a:p>
         </p:txBody>
       </p:sp>
@@ -8479,43 +9139,157 @@
           <a:lstStyle/>
           <a:p>
             <a:r>
-              <a:rPr lang="fr-FR" dirty="0" smtClean="0"/>
-              <a:t>Inclure les « formats » dans le </a:t>
-            </a:r>
-            <a:r>
-              <a:rPr lang="fr-FR" dirty="0" err="1" smtClean="0"/>
+              <a:rPr lang="en-US" dirty="0" err="1" smtClean="0"/>
+              <a:t>Inclure</a:t>
+            </a:r>
+            <a:r>
+              <a:rPr lang="en-US" dirty="0" smtClean="0"/>
+              <a:t> les « formats » </a:t>
+            </a:r>
+            <a:r>
+              <a:rPr lang="en-US" dirty="0" err="1" smtClean="0"/>
+              <a:t>dans</a:t>
+            </a:r>
+            <a:r>
+              <a:rPr lang="en-US" dirty="0" smtClean="0"/>
+              <a:t> le </a:t>
+            </a:r>
+            <a:r>
+              <a:rPr lang="en-US" dirty="0" err="1" smtClean="0"/>
               <a:t>ResourceBundle</a:t>
             </a:r>
-            <a:endParaRPr lang="fr-FR" dirty="0" smtClean="0"/>
-          </a:p>
-          <a:p>
-            <a:r>
-              <a:rPr lang="fr-FR" dirty="0" smtClean="0"/>
-              <a:t>Oblige à manipuler un </a:t>
-            </a:r>
-            <a:r>
-              <a:rPr lang="fr-FR" dirty="0" err="1" smtClean="0"/>
+            <a:endParaRPr lang="en-US" dirty="0" smtClean="0"/>
+          </a:p>
+          <a:p>
+            <a:r>
+              <a:rPr lang="en-US" dirty="0" smtClean="0"/>
+              <a:t>Oblige à </a:t>
+            </a:r>
+            <a:r>
+              <a:rPr lang="en-US" dirty="0" err="1" smtClean="0"/>
+              <a:t>manipuler</a:t>
+            </a:r>
+            <a:r>
+              <a:rPr lang="en-US" dirty="0" smtClean="0"/>
+              <a:t> un </a:t>
+            </a:r>
+            <a:r>
+              <a:rPr lang="en-US" dirty="0" err="1" smtClean="0"/>
               <a:t>MessageFormat</a:t>
             </a:r>
             <a:r>
-              <a:rPr lang="fr-FR" dirty="0" smtClean="0"/>
-              <a:t> pour évaluer l’expression en passant ses paramètres via un tableau</a:t>
-            </a:r>
-          </a:p>
-          <a:p>
-            <a:r>
-              <a:rPr lang="fr-FR" dirty="0" smtClean="0"/>
-              <a:t>Gère automatiquement le formatage des paramètres en fonction de la locale (nombre, date)</a:t>
-            </a:r>
-          </a:p>
-          <a:p>
-            <a:r>
-              <a:rPr lang="fr-FR" dirty="0" smtClean="0"/>
-              <a:t>Pluralisation, paramètre optionnels …</a:t>
-            </a:r>
-          </a:p>
-          <a:p>
-            <a:endParaRPr lang="fr-FR" dirty="0"/>
+              <a:rPr lang="en-US" dirty="0" smtClean="0"/>
+              <a:t> pour </a:t>
+            </a:r>
+            <a:r>
+              <a:rPr lang="en-US" dirty="0" err="1" smtClean="0"/>
+              <a:t>évaluer</a:t>
+            </a:r>
+            <a:r>
+              <a:rPr lang="en-US" dirty="0" smtClean="0"/>
+              <a:t> </a:t>
+            </a:r>
+            <a:r>
+              <a:rPr lang="en-US" dirty="0" err="1" smtClean="0"/>
+              <a:t>l’expression</a:t>
+            </a:r>
+            <a:r>
+              <a:rPr lang="en-US" dirty="0" smtClean="0"/>
+              <a:t> en passant </a:t>
+            </a:r>
+            <a:r>
+              <a:rPr lang="en-US" dirty="0" err="1" smtClean="0"/>
+              <a:t>ses</a:t>
+            </a:r>
+            <a:r>
+              <a:rPr lang="en-US" dirty="0" smtClean="0"/>
+              <a:t> </a:t>
+            </a:r>
+            <a:r>
+              <a:rPr lang="en-US" dirty="0" err="1" smtClean="0"/>
+              <a:t>paramètres</a:t>
+            </a:r>
+            <a:r>
+              <a:rPr lang="en-US" dirty="0" smtClean="0"/>
+              <a:t> via un tableau</a:t>
+            </a:r>
+          </a:p>
+          <a:p>
+            <a:r>
+              <a:rPr lang="en-US" dirty="0" err="1" smtClean="0"/>
+              <a:t>Gère</a:t>
+            </a:r>
+            <a:r>
+              <a:rPr lang="en-US" dirty="0" smtClean="0"/>
+              <a:t> </a:t>
+            </a:r>
+            <a:r>
+              <a:rPr lang="en-US" dirty="0" err="1" smtClean="0"/>
+              <a:t>automatiquement</a:t>
+            </a:r>
+            <a:r>
+              <a:rPr lang="en-US" dirty="0" smtClean="0"/>
+              <a:t> le </a:t>
+            </a:r>
+            <a:r>
+              <a:rPr lang="en-US" dirty="0" err="1" smtClean="0"/>
+              <a:t>formatage</a:t>
+            </a:r>
+            <a:r>
+              <a:rPr lang="en-US" dirty="0" smtClean="0"/>
+              <a:t> des </a:t>
+            </a:r>
+            <a:r>
+              <a:rPr lang="en-US" dirty="0" err="1" smtClean="0"/>
+              <a:t>paramètres</a:t>
+            </a:r>
+            <a:r>
+              <a:rPr lang="en-US" dirty="0" smtClean="0"/>
+              <a:t> en </a:t>
+            </a:r>
+            <a:r>
+              <a:rPr lang="en-US" dirty="0" err="1" smtClean="0"/>
+              <a:t>fonction</a:t>
+            </a:r>
+            <a:r>
+              <a:rPr lang="en-US" dirty="0" smtClean="0"/>
+              <a:t> de la locale (</a:t>
+            </a:r>
+            <a:r>
+              <a:rPr lang="en-US" dirty="0" err="1" smtClean="0"/>
+              <a:t>nombre</a:t>
+            </a:r>
+            <a:r>
+              <a:rPr lang="en-US" dirty="0" smtClean="0"/>
+              <a:t>, date)</a:t>
+            </a:r>
+          </a:p>
+          <a:p>
+            <a:r>
+              <a:rPr lang="en-US" dirty="0" err="1" smtClean="0"/>
+              <a:t>Pluralisation</a:t>
+            </a:r>
+            <a:r>
+              <a:rPr lang="en-US" dirty="0" smtClean="0"/>
+              <a:t>, </a:t>
+            </a:r>
+            <a:r>
+              <a:rPr lang="en-US" dirty="0" err="1" smtClean="0"/>
+              <a:t>paramètre</a:t>
+            </a:r>
+            <a:r>
+              <a:rPr lang="en-US" dirty="0" smtClean="0"/>
+              <a:t> </a:t>
+            </a:r>
+            <a:r>
+              <a:rPr lang="en-US" dirty="0" err="1" smtClean="0"/>
+              <a:t>optionnels</a:t>
+            </a:r>
+            <a:r>
+              <a:rPr lang="en-US" dirty="0" smtClean="0"/>
+              <a:t> …</a:t>
+            </a:r>
+            <a:endParaRPr lang="en-US" dirty="0" smtClean="0"/>
           </a:p>
         </p:txBody>
       </p:sp>
@@ -8586,14 +9360,14 @@
           </a:ln>
           <a:effectLst/>
           <a:extLst>
-            <a:ext uri="{909E8E84-426E-40dd-AFC4-6F175D3DCCD1}">
+            <a:ext uri="{909E8E84-426E-40DD-AFC4-6F175D3DCCD1}">
               <a14:hiddenFill xmlns:a14="http://schemas.microsoft.com/office/drawing/2010/main">
                 <a:solidFill>
                   <a:schemeClr val="accent1"/>
                 </a:solidFill>
               </a14:hiddenFill>
             </a:ext>
-            <a:ext uri="{91240B29-F687-4f45-9708-019B960494DF}">
+            <a:ext uri="{91240B29-F687-4F45-9708-019B960494DF}">
               <a14:hiddenLine xmlns:a14="http://schemas.microsoft.com/office/drawing/2010/main" w="9525">
                 <a:solidFill>
                   <a:schemeClr val="tx1"/>
@@ -8603,7 +9377,7 @@
                 <a:tailEnd/>
               </a14:hiddenLine>
             </a:ext>
-            <a:ext uri="{AF507438-7753-43e0-B8FC-AC1667EBCBE1}">
+            <a:ext uri="{AF507438-7753-43E0-B8FC-AC1667EBCBE1}">
               <a14:hiddenEffects xmlns:a14="http://schemas.microsoft.com/office/drawing/2010/main">
                 <a:effectLst>
                   <a:outerShdw dist="35921" dir="2700000" algn="ctr" rotWithShape="0">
@@ -8655,14 +9429,14 @@
           </a:ln>
           <a:effectLst/>
           <a:extLst>
-            <a:ext uri="{909E8E84-426E-40dd-AFC4-6F175D3DCCD1}">
+            <a:ext uri="{909E8E84-426E-40DD-AFC4-6F175D3DCCD1}">
               <a14:hiddenFill xmlns:a14="http://schemas.microsoft.com/office/drawing/2010/main">
                 <a:solidFill>
                   <a:schemeClr val="accent1"/>
                 </a:solidFill>
               </a14:hiddenFill>
             </a:ext>
-            <a:ext uri="{AF507438-7753-43e0-B8FC-AC1667EBCBE1}">
+            <a:ext uri="{AF507438-7753-43E0-B8FC-AC1667EBCBE1}">
               <a14:hiddenEffects xmlns:a14="http://schemas.microsoft.com/office/drawing/2010/main">
                 <a:effectLst>
                   <a:outerShdw dist="35921" dir="2700000" algn="ctr" rotWithShape="0">
@@ -8714,14 +9488,14 @@
           </a:ln>
           <a:effectLst/>
           <a:extLst>
-            <a:ext uri="{909E8E84-426E-40dd-AFC4-6F175D3DCCD1}">
+            <a:ext uri="{909E8E84-426E-40DD-AFC4-6F175D3DCCD1}">
               <a14:hiddenFill xmlns:a14="http://schemas.microsoft.com/office/drawing/2010/main">
                 <a:solidFill>
                   <a:schemeClr val="accent1"/>
                 </a:solidFill>
               </a14:hiddenFill>
             </a:ext>
-            <a:ext uri="{AF507438-7753-43e0-B8FC-AC1667EBCBE1}">
+            <a:ext uri="{AF507438-7753-43E0-B8FC-AC1667EBCBE1}">
               <a14:hiddenEffects xmlns:a14="http://schemas.microsoft.com/office/drawing/2010/main">
                 <a:effectLst>
                   <a:outerShdw dist="35921" dir="2700000" algn="ctr" rotWithShape="0">
@@ -8785,7 +9559,7 @@
   <p:timing>
     <p:tnLst>
       <p:par>
-        <p:cTn xmlns:p14="http://schemas.microsoft.com/office/powerpoint/2010/main" id="1" dur="indefinite" restart="never" nodeType="tmRoot"/>
+        <p:cTn id="1" dur="indefinite" restart="never" nodeType="tmRoot"/>
       </p:par>
     </p:tnLst>
   </p:timing>
@@ -8819,52 +9593,23 @@
             <p:ph type="ctrTitle"/>
           </p:nvPr>
         </p:nvSpPr>
-        <p:spPr/>
+        <p:spPr>
+          <a:xfrm>
+            <a:off x="685800" y="2209800"/>
+            <a:ext cx="7772400" cy="1470025"/>
+          </a:xfrm>
+        </p:spPr>
         <p:txBody>
           <a:bodyPr/>
           <a:lstStyle/>
           <a:p>
             <a:r>
               <a:rPr lang="en-US" dirty="0" smtClean="0"/>
-              <a:t>What we’ll build today</a:t>
-            </a:r>
-            <a:endParaRPr lang="fr-FR" dirty="0"/>
-          </a:p>
-        </p:txBody>
-      </p:sp>
-      <p:sp>
-        <p:nvSpPr>
-          <p:cNvPr id="3" name="Sous-titre 2"/>
-          <p:cNvSpPr>
-            <a:spLocks noGrp="1"/>
-          </p:cNvSpPr>
-          <p:nvPr>
-            <p:ph type="subTitle" idx="1"/>
-          </p:nvPr>
-        </p:nvSpPr>
-        <p:spPr/>
-        <p:txBody>
-          <a:bodyPr/>
-          <a:lstStyle/>
-          <a:p>
-            <a:r>
-              <a:rPr lang="en-US" dirty="0" smtClean="0"/>
-              <a:t>@</a:t>
-            </a:r>
-            <a:r>
-              <a:rPr lang="en-US" dirty="0" err="1" smtClean="0"/>
-              <a:t>gdigugli</a:t>
-            </a:r>
-            <a:endParaRPr lang="en-US" dirty="0" smtClean="0"/>
-          </a:p>
-          <a:p>
-            <a:r>
-              <a:rPr lang="en-US" dirty="0" smtClean="0"/>
-              <a:t>@</a:t>
-            </a:r>
-            <a:r>
-              <a:rPr lang="en-US" smtClean="0"/>
-              <a:t>dbaeli</a:t>
+              <a:t>What we’ll build </a:t>
+            </a:r>
+            <a:r>
+              <a:rPr lang="en-US" dirty="0" smtClean="0"/>
+              <a:t>today ?</a:t>
             </a:r>
             <a:endParaRPr lang="fr-FR" dirty="0"/>
           </a:p>
@@ -8883,7 +9628,7 @@
   <p:timing>
     <p:tnLst>
       <p:par>
-        <p:cTn xmlns:p14="http://schemas.microsoft.com/office/powerpoint/2010/main" id="1" dur="indefinite" restart="never" nodeType="tmRoot"/>
+        <p:cTn id="1" dur="indefinite" restart="never" nodeType="tmRoot"/>
       </p:par>
     </p:tnLst>
   </p:timing>
@@ -8923,10 +9668,18 @@
           <a:lstStyle/>
           <a:p>
             <a:r>
-              <a:rPr lang="fr-FR" dirty="0" smtClean="0"/>
-              <a:t>Rapport CSV des clés i18n</a:t>
-            </a:r>
-            <a:endParaRPr lang="fr-FR" dirty="0"/>
+              <a:rPr lang="en-US" dirty="0" smtClean="0"/>
+              <a:t>Rapport CSV des </a:t>
+            </a:r>
+            <a:r>
+              <a:rPr lang="en-US" dirty="0" err="1" smtClean="0"/>
+              <a:t>clés</a:t>
+            </a:r>
+            <a:r>
+              <a:rPr lang="en-US" dirty="0" smtClean="0"/>
+              <a:t> i18n</a:t>
+            </a:r>
+            <a:endParaRPr lang="en-US" dirty="0"/>
           </a:p>
         </p:txBody>
       </p:sp>
@@ -8999,14 +9752,14 @@
           </a:ln>
           <a:effectLst/>
           <a:extLst>
-            <a:ext uri="{909E8E84-426E-40dd-AFC4-6F175D3DCCD1}">
+            <a:ext uri="{909E8E84-426E-40DD-AFC4-6F175D3DCCD1}">
               <a14:hiddenFill xmlns:a14="http://schemas.microsoft.com/office/drawing/2010/main">
                 <a:solidFill>
                   <a:schemeClr val="accent1"/>
                 </a:solidFill>
               </a14:hiddenFill>
             </a:ext>
-            <a:ext uri="{AF507438-7753-43e0-B8FC-AC1667EBCBE1}">
+            <a:ext uri="{AF507438-7753-43E0-B8FC-AC1667EBCBE1}">
               <a14:hiddenEffects xmlns:a14="http://schemas.microsoft.com/office/drawing/2010/main">
                 <a:effectLst>
                   <a:outerShdw dist="35921" dir="2700000" algn="ctr" rotWithShape="0">
@@ -9117,7 +9870,7 @@
   <p:timing>
     <p:tnLst>
       <p:par>
-        <p:cTn xmlns:p14="http://schemas.microsoft.com/office/powerpoint/2010/main" id="1" dur="indefinite" restart="never" nodeType="tmRoot"/>
+        <p:cTn id="1" dur="indefinite" restart="never" nodeType="tmRoot"/>
       </p:par>
     </p:tnLst>
   </p:timing>
@@ -9193,10 +9946,26 @@
           <a:lstStyle/>
           <a:p>
             <a:r>
-              <a:rPr lang="fr-FR" dirty="0" smtClean="0"/>
-              <a:t>On enrichit encore un peu le pattern !</a:t>
-            </a:r>
-            <a:endParaRPr lang="fr-FR" dirty="0"/>
+              <a:rPr lang="en-US" dirty="0" smtClean="0"/>
+              <a:t>On </a:t>
+            </a:r>
+            <a:r>
+              <a:rPr lang="en-US" dirty="0" err="1" smtClean="0"/>
+              <a:t>enrichit</a:t>
+            </a:r>
+            <a:r>
+              <a:rPr lang="en-US" dirty="0" smtClean="0"/>
+              <a:t> encore un </a:t>
+            </a:r>
+            <a:r>
+              <a:rPr lang="en-US" dirty="0" err="1" smtClean="0"/>
+              <a:t>peu</a:t>
+            </a:r>
+            <a:r>
+              <a:rPr lang="en-US" dirty="0" smtClean="0"/>
+              <a:t> le pattern !</a:t>
+            </a:r>
+            <a:endParaRPr lang="en-US" dirty="0"/>
           </a:p>
         </p:txBody>
       </p:sp>
@@ -9240,14 +10009,14 @@
           </a:ln>
           <a:effectLst/>
           <a:extLst>
-            <a:ext uri="{909E8E84-426E-40dd-AFC4-6F175D3DCCD1}">
+            <a:ext uri="{909E8E84-426E-40DD-AFC4-6F175D3DCCD1}">
               <a14:hiddenFill xmlns:a14="http://schemas.microsoft.com/office/drawing/2010/main">
                 <a:solidFill>
                   <a:schemeClr val="accent1"/>
                 </a:solidFill>
               </a14:hiddenFill>
             </a:ext>
-            <a:ext uri="{AF507438-7753-43e0-B8FC-AC1667EBCBE1}">
+            <a:ext uri="{AF507438-7753-43E0-B8FC-AC1667EBCBE1}">
               <a14:hiddenEffects xmlns:a14="http://schemas.microsoft.com/office/drawing/2010/main">
                 <a:effectLst>
                   <a:outerShdw dist="35921" dir="2700000" algn="ctr" rotWithShape="0">
@@ -9272,7 +10041,7 @@
   <p:timing>
     <p:tnLst>
       <p:par>
-        <p:cTn xmlns:p14="http://schemas.microsoft.com/office/powerpoint/2010/main" id="1" dur="indefinite" restart="never" nodeType="tmRoot"/>
+        <p:cTn id="1" dur="indefinite" restart="never" nodeType="tmRoot"/>
       </p:par>
     </p:tnLst>
   </p:timing>
@@ -9314,25 +10083,29 @@
           <a:lstStyle/>
           <a:p>
             <a:r>
-              <a:rPr lang="fr-FR" dirty="0" smtClean="0"/>
+              <a:rPr lang="en-US" dirty="0" smtClean="0"/>
               <a:t>Idée 1</a:t>
             </a:r>
             <a:br>
-              <a:rPr lang="fr-FR" dirty="0" smtClean="0"/>
+              <a:rPr lang="en-US" dirty="0" smtClean="0"/>
             </a:br>
             <a:r>
-              <a:rPr lang="fr-FR" dirty="0" smtClean="0"/>
+              <a:rPr lang="en-US" dirty="0" smtClean="0"/>
               <a:t>Tests </a:t>
             </a:r>
             <a:r>
-              <a:rPr lang="fr-FR" dirty="0" err="1" smtClean="0"/>
+              <a:rPr lang="en-US" dirty="0" err="1" smtClean="0"/>
               <a:t>JUnit</a:t>
             </a:r>
             <a:r>
-              <a:rPr lang="fr-FR" dirty="0" smtClean="0"/>
-              <a:t> de l’orthographe</a:t>
-            </a:r>
-            <a:endParaRPr lang="fr-FR" dirty="0"/>
+              <a:rPr lang="en-US" dirty="0" smtClean="0"/>
+              <a:t> de </a:t>
+            </a:r>
+            <a:r>
+              <a:rPr lang="en-US" dirty="0" err="1" smtClean="0"/>
+              <a:t>l’orthographe</a:t>
+            </a:r>
+            <a:endParaRPr lang="en-US" dirty="0"/>
           </a:p>
         </p:txBody>
       </p:sp>
@@ -9357,9 +10130,18 @@
           <a:lstStyle/>
           <a:p>
             <a:r>
-              <a:rPr lang="fr-FR" dirty="0" smtClean="0"/>
-              <a:t>Améliorer le pattern de test unitaire</a:t>
-            </a:r>
+              <a:rPr lang="en-US" dirty="0" err="1" smtClean="0"/>
+              <a:t>Améliorer</a:t>
+            </a:r>
+            <a:r>
+              <a:rPr lang="en-US" dirty="0" smtClean="0"/>
+              <a:t> le pattern de test </a:t>
+            </a:r>
+            <a:r>
+              <a:rPr lang="en-US" dirty="0" err="1" smtClean="0"/>
+              <a:t>unitaire</a:t>
+            </a:r>
+            <a:endParaRPr lang="en-US" dirty="0" smtClean="0"/>
           </a:p>
           <a:p>
             <a:pPr lvl="1">
@@ -9367,14 +10149,50 @@
               <a:buChar char="Ø"/>
             </a:pPr>
             <a:r>
-              <a:rPr lang="fr-FR" dirty="0" smtClean="0"/>
-              <a:t>implémenter une vérification orthographique sous forme de tests </a:t>
-            </a:r>
-            <a:r>
-              <a:rPr lang="fr-FR" dirty="0" err="1" smtClean="0"/>
+              <a:rPr lang="en-US" dirty="0" err="1" smtClean="0"/>
+              <a:t>implémenter</a:t>
+            </a:r>
+            <a:r>
+              <a:rPr lang="en-US" dirty="0" smtClean="0"/>
+              <a:t> </a:t>
+            </a:r>
+            <a:r>
+              <a:rPr lang="en-US" dirty="0" err="1" smtClean="0"/>
+              <a:t>une</a:t>
+            </a:r>
+            <a:r>
+              <a:rPr lang="en-US" dirty="0" smtClean="0"/>
+              <a:t> </a:t>
+            </a:r>
+            <a:r>
+              <a:rPr lang="en-US" dirty="0" err="1" smtClean="0"/>
+              <a:t>vérification</a:t>
+            </a:r>
+            <a:r>
+              <a:rPr lang="en-US" dirty="0" smtClean="0"/>
+              <a:t> </a:t>
+            </a:r>
+            <a:r>
+              <a:rPr lang="en-US" dirty="0" err="1" smtClean="0"/>
+              <a:t>orthographique</a:t>
+            </a:r>
+            <a:r>
+              <a:rPr lang="en-US" dirty="0" smtClean="0"/>
+              <a:t> sous </a:t>
+            </a:r>
+            <a:r>
+              <a:rPr lang="en-US" dirty="0" err="1" smtClean="0"/>
+              <a:t>forme</a:t>
+            </a:r>
+            <a:r>
+              <a:rPr lang="en-US" dirty="0" smtClean="0"/>
+              <a:t> de tests </a:t>
+            </a:r>
+            <a:r>
+              <a:rPr lang="en-US" dirty="0" err="1" smtClean="0"/>
               <a:t>JUnit</a:t>
             </a:r>
-            <a:endParaRPr lang="fr-FR" dirty="0" smtClean="0"/>
+            <a:endParaRPr lang="en-US" dirty="0" smtClean="0"/>
           </a:p>
           <a:p>
             <a:pPr lvl="1">
@@ -9382,10 +10200,26 @@
               <a:buChar char="Ø"/>
             </a:pPr>
             <a:r>
-              <a:rPr lang="fr-FR" dirty="0" smtClean="0"/>
-              <a:t>Utiliser Jazzy et les dictionnaires d’OpenOffice</a:t>
-            </a:r>
-            <a:endParaRPr lang="fr-FR" dirty="0"/>
+              <a:rPr lang="en-US" dirty="0" err="1" smtClean="0"/>
+              <a:t>Utiliser</a:t>
+            </a:r>
+            <a:r>
+              <a:rPr lang="en-US" dirty="0" smtClean="0"/>
+              <a:t> Jazzy et les </a:t>
+            </a:r>
+            <a:r>
+              <a:rPr lang="en-US" dirty="0" err="1" smtClean="0"/>
+              <a:t>dictionnaires</a:t>
+            </a:r>
+            <a:r>
+              <a:rPr lang="en-US" dirty="0" smtClean="0"/>
+              <a:t> </a:t>
+            </a:r>
+            <a:r>
+              <a:rPr lang="en-US" dirty="0" err="1" smtClean="0"/>
+              <a:t>d’OpenOffice</a:t>
+            </a:r>
+            <a:endParaRPr lang="en-US" dirty="0"/>
           </a:p>
         </p:txBody>
       </p:sp>
@@ -9434,7 +10268,7 @@
   <p:timing>
     <p:tnLst>
       <p:par>
-        <p:cTn xmlns:p14="http://schemas.microsoft.com/office/powerpoint/2010/main" id="1" dur="indefinite" restart="never" nodeType="tmRoot"/>
+        <p:cTn id="1" dur="indefinite" restart="never" nodeType="tmRoot"/>
       </p:par>
     </p:tnLst>
   </p:timing>
@@ -9474,12 +10308,8 @@
           <a:lstStyle/>
           <a:p>
             <a:r>
-              <a:rPr lang="en-US" dirty="0"/>
-              <a:t>i</a:t>
-            </a:r>
-            <a:r>
-              <a:rPr lang="en-US" dirty="0" smtClean="0"/>
-              <a:t>18n </a:t>
+              <a:rPr lang="en-US" dirty="0" smtClean="0"/>
+              <a:t>i18n </a:t>
             </a:r>
             <a:r>
               <a:rPr lang="en-US" dirty="0" err="1" smtClean="0"/>
@@ -9489,45 +10319,7 @@
               <a:rPr lang="en-US" dirty="0" smtClean="0"/>
               <a:t> amour</a:t>
             </a:r>
-            <a:endParaRPr lang="fr-FR" dirty="0"/>
-          </a:p>
-        </p:txBody>
-      </p:sp>
-      <p:sp>
-        <p:nvSpPr>
-          <p:cNvPr id="3" name="Sous-titre 2"/>
-          <p:cNvSpPr>
-            <a:spLocks noGrp="1"/>
-          </p:cNvSpPr>
-          <p:nvPr>
-            <p:ph type="subTitle" idx="1"/>
-          </p:nvPr>
-        </p:nvSpPr>
-        <p:spPr/>
-        <p:txBody>
-          <a:bodyPr/>
-          <a:lstStyle/>
-          <a:p>
-            <a:r>
-              <a:rPr lang="en-US" dirty="0"/>
-              <a:t>@</a:t>
-            </a:r>
-            <a:r>
-              <a:rPr lang="en-US" dirty="0" err="1"/>
-              <a:t>dbaeli</a:t>
-            </a:r>
             <a:endParaRPr lang="en-US" dirty="0"/>
-          </a:p>
-          <a:p>
-            <a:r>
-              <a:rPr lang="en-US" dirty="0"/>
-              <a:t>@</a:t>
-            </a:r>
-            <a:r>
-              <a:rPr lang="en-US"/>
-              <a:t>gdigugli</a:t>
-            </a:r>
-            <a:endParaRPr lang="fr-FR" dirty="0"/>
           </a:p>
         </p:txBody>
       </p:sp>
@@ -9544,7 +10336,7 @@
   <p:timing>
     <p:tnLst>
       <p:par>
-        <p:cTn xmlns:p14="http://schemas.microsoft.com/office/powerpoint/2010/main" id="1" dur="indefinite" restart="never" nodeType="tmRoot"/>
+        <p:cTn id="1" dur="indefinite" restart="never" nodeType="tmRoot"/>
       </p:par>
     </p:tnLst>
   </p:timing>
@@ -9584,10 +10376,10 @@
           <a:lstStyle/>
           <a:p>
             <a:r>
-              <a:rPr lang="fr-FR" dirty="0" smtClean="0"/>
+              <a:rPr lang="en-US" dirty="0" smtClean="0"/>
               <a:t>I18n, l10n</a:t>
             </a:r>
-            <a:endParaRPr lang="fr-FR" dirty="0"/>
+            <a:endParaRPr lang="en-US" dirty="0"/>
           </a:p>
         </p:txBody>
       </p:sp>
@@ -9607,52 +10399,134 @@
           <a:lstStyle/>
           <a:p>
             <a:r>
-              <a:rPr lang="fr-FR" dirty="0" smtClean="0"/>
-              <a:t>Internationalisation (i18n) </a:t>
+              <a:rPr lang="en-US" dirty="0" err="1" smtClean="0"/>
+              <a:t>Internationalisation</a:t>
+            </a:r>
+            <a:r>
+              <a:rPr lang="en-US" dirty="0" smtClean="0"/>
+              <a:t> (i18n) </a:t>
             </a:r>
           </a:p>
           <a:p>
             <a:pPr lvl="1"/>
             <a:r>
-              <a:rPr lang="fr-FR" dirty="0" smtClean="0"/>
-              <a:t>Adapter son logiciel à de l’externalisation de textes</a:t>
-            </a:r>
+              <a:rPr lang="en-US" dirty="0" smtClean="0"/>
+              <a:t>Adapter son </a:t>
+            </a:r>
+            <a:r>
+              <a:rPr lang="en-US" dirty="0" err="1" smtClean="0"/>
+              <a:t>logiciel</a:t>
+            </a:r>
+            <a:r>
+              <a:rPr lang="en-US" dirty="0" smtClean="0"/>
+              <a:t> à de </a:t>
+            </a:r>
+            <a:r>
+              <a:rPr lang="en-US" dirty="0" err="1" smtClean="0"/>
+              <a:t>l’externalisation</a:t>
+            </a:r>
+            <a:r>
+              <a:rPr lang="en-US" dirty="0" smtClean="0"/>
+              <a:t> de </a:t>
+            </a:r>
+            <a:r>
+              <a:rPr lang="en-US" dirty="0" err="1" smtClean="0"/>
+              <a:t>textes</a:t>
+            </a:r>
+            <a:endParaRPr lang="en-US" dirty="0" smtClean="0"/>
           </a:p>
           <a:p>
             <a:pPr lvl="1"/>
             <a:r>
-              <a:rPr lang="fr-FR" dirty="0" smtClean="0"/>
-              <a:t>Passe généralement par un moteur</a:t>
-            </a:r>
-          </a:p>
-          <a:p>
-            <a:endParaRPr lang="fr-FR" dirty="0" smtClean="0"/>
-          </a:p>
-          <a:p>
-            <a:r>
-              <a:rPr lang="fr-FR" dirty="0" smtClean="0"/>
-              <a:t>Localisation (l10n)</a:t>
+              <a:rPr lang="en-US" dirty="0" err="1" smtClean="0"/>
+              <a:t>Passe</a:t>
+            </a:r>
+            <a:r>
+              <a:rPr lang="en-US" dirty="0" smtClean="0"/>
+              <a:t> </a:t>
+            </a:r>
+            <a:r>
+              <a:rPr lang="en-US" dirty="0" err="1" smtClean="0"/>
+              <a:t>généralement</a:t>
+            </a:r>
+            <a:r>
+              <a:rPr lang="en-US" dirty="0" smtClean="0"/>
+              <a:t> par un </a:t>
+            </a:r>
+            <a:r>
+              <a:rPr lang="en-US" dirty="0" err="1" smtClean="0"/>
+              <a:t>moteur</a:t>
+            </a:r>
+            <a:endParaRPr lang="en-US" dirty="0" smtClean="0"/>
+          </a:p>
+          <a:p>
+            <a:endParaRPr lang="en-US" dirty="0" smtClean="0"/>
+          </a:p>
+          <a:p>
+            <a:r>
+              <a:rPr lang="en-US" dirty="0" err="1" smtClean="0"/>
+              <a:t>Localisation</a:t>
+            </a:r>
+            <a:r>
+              <a:rPr lang="en-US" dirty="0" smtClean="0"/>
+              <a:t> (l10n)</a:t>
             </a:r>
           </a:p>
           <a:p>
             <a:pPr lvl="1"/>
             <a:r>
-              <a:rPr lang="fr-FR" dirty="0" smtClean="0"/>
-              <a:t>Ajout de certaines langues dans le logiciel</a:t>
-            </a:r>
+              <a:rPr lang="en-US" dirty="0" err="1" smtClean="0"/>
+              <a:t>Ajout</a:t>
+            </a:r>
+            <a:r>
+              <a:rPr lang="en-US" dirty="0" smtClean="0"/>
+              <a:t> de </a:t>
+            </a:r>
+            <a:r>
+              <a:rPr lang="en-US" dirty="0" err="1" smtClean="0"/>
+              <a:t>certaines</a:t>
+            </a:r>
+            <a:r>
+              <a:rPr lang="en-US" dirty="0" smtClean="0"/>
+              <a:t> </a:t>
+            </a:r>
+            <a:r>
+              <a:rPr lang="en-US" dirty="0" err="1" smtClean="0"/>
+              <a:t>langues</a:t>
+            </a:r>
+            <a:r>
+              <a:rPr lang="en-US" dirty="0" smtClean="0"/>
+              <a:t> </a:t>
+            </a:r>
+            <a:r>
+              <a:rPr lang="en-US" dirty="0" err="1" smtClean="0"/>
+              <a:t>dans</a:t>
+            </a:r>
+            <a:r>
+              <a:rPr lang="en-US" dirty="0" smtClean="0"/>
+              <a:t> le </a:t>
+            </a:r>
+            <a:r>
+              <a:rPr lang="en-US" dirty="0" err="1" smtClean="0"/>
+              <a:t>logiciel</a:t>
+            </a:r>
+            <a:endParaRPr lang="en-US" dirty="0" smtClean="0"/>
           </a:p>
           <a:p>
             <a:pPr lvl="1"/>
             <a:r>
-              <a:rPr lang="fr-FR" dirty="0" smtClean="0"/>
-              <a:t>Activité de traduction</a:t>
-            </a:r>
-          </a:p>
-          <a:p>
-            <a:pPr marL="457200" lvl="1" indent="0">
-              <a:buNone/>
-            </a:pPr>
-            <a:endParaRPr lang="fr-FR" dirty="0"/>
+              <a:rPr lang="en-US" dirty="0" err="1" smtClean="0"/>
+              <a:t>Activité</a:t>
+            </a:r>
+            <a:r>
+              <a:rPr lang="en-US" dirty="0" smtClean="0"/>
+              <a:t> de </a:t>
+            </a:r>
+            <a:r>
+              <a:rPr lang="en-US" dirty="0" err="1" smtClean="0"/>
+              <a:t>traduction</a:t>
+            </a:r>
+            <a:endParaRPr lang="en-US" dirty="0" smtClean="0"/>
           </a:p>
         </p:txBody>
       </p:sp>
@@ -9666,6 +10540,13 @@
   <p:clrMapOvr>
     <a:masterClrMapping/>
   </p:clrMapOvr>
+  <p:timing>
+    <p:tnLst>
+      <p:par>
+        <p:cTn id="1" dur="indefinite" restart="never" nodeType="tmRoot"/>
+      </p:par>
+    </p:tnLst>
+  </p:timing>
 </p:sld>
 </file>
 
@@ -9702,10 +10583,14 @@
           <a:lstStyle/>
           <a:p>
             <a:r>
-              <a:rPr lang="fr-FR" dirty="0" smtClean="0"/>
-              <a:t>Le champ d’action</a:t>
-            </a:r>
-            <a:endParaRPr lang="fr-FR" dirty="0"/>
+              <a:rPr lang="en-US" dirty="0" smtClean="0"/>
+              <a:t>Le champ </a:t>
+            </a:r>
+            <a:r>
+              <a:rPr lang="en-US" dirty="0" err="1" smtClean="0"/>
+              <a:t>d’action</a:t>
+            </a:r>
+            <a:endParaRPr lang="en-US" dirty="0"/>
           </a:p>
         </p:txBody>
       </p:sp>
@@ -9732,86 +10617,91 @@
           <a:lstStyle/>
           <a:p>
             <a:r>
-              <a:rPr lang="fr-FR" dirty="0" smtClean="0"/>
-              <a:t>Textes </a:t>
+              <a:rPr lang="en-US" dirty="0" err="1" smtClean="0"/>
+              <a:t>Textes</a:t>
+            </a:r>
+            <a:r>
+              <a:rPr lang="en-US" dirty="0" smtClean="0"/>
+              <a:t> </a:t>
             </a:r>
           </a:p>
           <a:p>
             <a:pPr lvl="1"/>
             <a:r>
-              <a:rPr lang="fr-FR" dirty="0"/>
-              <a:t>Sens de </a:t>
-            </a:r>
-            <a:r>
-              <a:rPr lang="fr-FR" dirty="0" smtClean="0"/>
-              <a:t>lecture (RTL</a:t>
-            </a:r>
-            <a:r>
-              <a:rPr lang="fr-FR" dirty="0"/>
+              <a:rPr lang="en-US" dirty="0" err="1" smtClean="0"/>
+              <a:t>Sens</a:t>
+            </a:r>
+            <a:r>
+              <a:rPr lang="en-US" dirty="0" smtClean="0"/>
+              <a:t> de lecture (RTL, LTR)</a:t>
+            </a:r>
+          </a:p>
+          <a:p>
+            <a:pPr lvl="1"/>
+            <a:r>
+              <a:rPr lang="en-US" dirty="0" err="1" smtClean="0"/>
+              <a:t>Ponctuation</a:t>
+            </a:r>
+            <a:r>
+              <a:rPr lang="en-US" dirty="0" smtClean="0"/>
+              <a:t> (</a:t>
+            </a:r>
+            <a:r>
+              <a:rPr lang="en-US" dirty="0" err="1" smtClean="0"/>
+              <a:t>espaces</a:t>
+            </a:r>
+            <a:r>
+              <a:rPr lang="en-US" dirty="0" smtClean="0"/>
               <a:t>, </a:t>
             </a:r>
             <a:r>
-              <a:rPr lang="fr-FR" dirty="0" smtClean="0"/>
-              <a:t>LTR)</a:t>
-            </a:r>
+              <a:rPr lang="en-US" dirty="0" err="1" smtClean="0"/>
+              <a:t>guillemets</a:t>
+            </a:r>
+            <a:r>
+              <a:rPr lang="en-US" dirty="0" smtClean="0"/>
+              <a:t>)</a:t>
+            </a:r>
+          </a:p>
+          <a:p>
+            <a:r>
+              <a:rPr lang="en-US" dirty="0" smtClean="0"/>
+              <a:t>Formats </a:t>
+            </a:r>
+            <a:r>
+              <a:rPr lang="en-US" dirty="0" err="1" smtClean="0"/>
+              <a:t>d’affichage</a:t>
+            </a:r>
+            <a:endParaRPr lang="en-US" dirty="0" smtClean="0"/>
           </a:p>
           <a:p>
             <a:pPr lvl="1"/>
             <a:r>
-              <a:rPr lang="fr-FR" dirty="0" smtClean="0"/>
-              <a:t>Ponctuation (espaces, guillemets)</a:t>
-            </a:r>
-          </a:p>
-          <a:p>
-            <a:r>
-              <a:rPr lang="fr-FR" dirty="0" smtClean="0"/>
-              <a:t>Formats d’affichage</a:t>
+              <a:rPr lang="en-US" dirty="0" smtClean="0"/>
+              <a:t>Dates</a:t>
             </a:r>
           </a:p>
           <a:p>
             <a:pPr lvl="1"/>
             <a:r>
-              <a:rPr lang="fr-FR" dirty="0" smtClean="0"/>
-              <a:t>Dates</a:t>
-            </a:r>
-          </a:p>
-          <a:p>
-            <a:pPr lvl="1"/>
-            <a:r>
-              <a:rPr lang="fr-FR" dirty="0" smtClean="0"/>
+              <a:rPr lang="en-US" dirty="0" err="1" smtClean="0"/>
               <a:t>Nombres</a:t>
             </a:r>
-          </a:p>
-          <a:p>
-            <a:r>
-              <a:rPr lang="fr-FR" dirty="0" smtClean="0"/>
+            <a:endParaRPr lang="en-US" dirty="0" smtClean="0"/>
+          </a:p>
+          <a:p>
+            <a:r>
+              <a:rPr lang="en-US" dirty="0" err="1" smtClean="0"/>
               <a:t>Monnaies</a:t>
             </a:r>
-          </a:p>
-          <a:p>
-            <a:r>
-              <a:rPr lang="fr-FR" dirty="0" err="1" smtClean="0"/>
-              <a:t>Css</a:t>
-            </a:r>
-            <a:r>
-              <a:rPr lang="fr-FR" dirty="0" smtClean="0"/>
-              <a:t> </a:t>
-            </a:r>
-            <a:r>
-              <a:rPr lang="fr-FR" dirty="0" err="1" smtClean="0"/>
-              <a:t>bindings</a:t>
-            </a:r>
-            <a:endParaRPr lang="fr-FR" dirty="0" smtClean="0"/>
-          </a:p>
-          <a:p>
-            <a:pPr lvl="1"/>
-            <a:endParaRPr lang="fr-FR" dirty="0" smtClean="0"/>
-          </a:p>
-          <a:p>
-            <a:endParaRPr lang="fr-FR" dirty="0" smtClean="0"/>
-          </a:p>
-          <a:p>
-            <a:endParaRPr lang="fr-FR" dirty="0"/>
+            <a:endParaRPr lang="en-US" dirty="0" smtClean="0"/>
+          </a:p>
+          <a:p>
+            <a:r>
+              <a:rPr lang="en-US" dirty="0" smtClean="0"/>
+              <a:t>CSS bindings</a:t>
+            </a:r>
+            <a:endParaRPr lang="en-US" dirty="0" smtClean="0"/>
           </a:p>
         </p:txBody>
       </p:sp>
@@ -9828,7 +10718,7 @@
   <p:timing>
     <p:tnLst>
       <p:par>
-        <p:cTn xmlns:p14="http://schemas.microsoft.com/office/powerpoint/2010/main" id="1" dur="indefinite" restart="never" nodeType="tmRoot"/>
+        <p:cTn id="1" dur="indefinite" restart="never" nodeType="tmRoot"/>
       </p:par>
     </p:tnLst>
   </p:timing>
@@ -9868,10 +10758,14 @@
           <a:lstStyle/>
           <a:p>
             <a:r>
-              <a:rPr lang="fr-FR" dirty="0" smtClean="0"/>
-              <a:t>Pour le fun : Les Guillemets</a:t>
-            </a:r>
-            <a:endParaRPr lang="fr-FR" dirty="0"/>
+              <a:rPr lang="en-US" dirty="0" smtClean="0"/>
+              <a:t>Pour le fun : Les </a:t>
+            </a:r>
+            <a:r>
+              <a:rPr lang="en-US" dirty="0" err="1" smtClean="0"/>
+              <a:t>Guillemets</a:t>
+            </a:r>
+            <a:endParaRPr lang="en-US" dirty="0"/>
           </a:p>
         </p:txBody>
       </p:sp>
@@ -9920,12 +10814,8 @@
               <a:t>Français</a:t>
             </a:r>
             <a:r>
-              <a:rPr lang="en-US" dirty="0"/>
-              <a:t> </a:t>
-            </a:r>
-            <a:r>
-              <a:rPr lang="en-US" dirty="0" smtClean="0"/>
-              <a:t>(avec </a:t>
+              <a:rPr lang="en-US" dirty="0" smtClean="0"/>
+              <a:t> (avec </a:t>
             </a:r>
             <a:r>
               <a:rPr lang="en-US" dirty="0" err="1" smtClean="0"/>
@@ -9939,44 +10829,25 @@
           <a:p>
             <a:r>
               <a:rPr lang="en-US" dirty="0" smtClean="0"/>
-              <a:t>”</a:t>
-            </a:r>
-            <a:r>
-              <a:rPr lang="en-US" dirty="0"/>
-              <a:t>Quotes” in Finnish. </a:t>
-            </a:r>
-            <a:endParaRPr lang="en-US" dirty="0" smtClean="0"/>
-          </a:p>
-          <a:p>
-            <a:r>
-              <a:rPr lang="en-US" dirty="0" smtClean="0"/>
-              <a:t>„</a:t>
-            </a:r>
-            <a:r>
-              <a:rPr lang="en-US" dirty="0"/>
-              <a:t>Quotes” in Polish. </a:t>
-            </a:r>
-            <a:endParaRPr lang="en-US" dirty="0" smtClean="0"/>
-          </a:p>
-          <a:p>
-            <a:r>
-              <a:rPr lang="en-US" dirty="0" smtClean="0"/>
-              <a:t>「</a:t>
-            </a:r>
-            <a:r>
-              <a:rPr lang="en-US" dirty="0"/>
-              <a:t>Quotes」 in Japanese. </a:t>
-            </a:r>
-            <a:endParaRPr lang="en-US" dirty="0" smtClean="0"/>
-          </a:p>
-          <a:p>
-            <a:r>
-              <a:rPr lang="en-US" dirty="0" smtClean="0"/>
-              <a:t>„</a:t>
-            </a:r>
-            <a:r>
-              <a:rPr lang="en-US" dirty="0"/>
-              <a:t>Quotes“ in </a:t>
+              <a:t>”Quotes” in Finnish. </a:t>
+            </a:r>
+          </a:p>
+          <a:p>
+            <a:r>
+              <a:rPr lang="en-US" dirty="0" smtClean="0"/>
+              <a:t>„Quotes” in Polish. </a:t>
+            </a:r>
+          </a:p>
+          <a:p>
+            <a:r>
+              <a:rPr lang="en-US" dirty="0" smtClean="0"/>
+              <a:t>「Quotes」 in Japanese. </a:t>
+            </a:r>
+          </a:p>
+          <a:p>
+            <a:r>
+              <a:rPr lang="en-US" dirty="0" smtClean="0"/>
+              <a:t>„Quotes“ in </a:t>
             </a:r>
             <a:r>
               <a:rPr lang="en-US" dirty="0" err="1" smtClean="0"/>
@@ -9990,11 +10861,7 @@
           <a:p>
             <a:r>
               <a:rPr lang="en-US" dirty="0" smtClean="0"/>
-              <a:t>„</a:t>
-            </a:r>
-            <a:r>
-              <a:rPr lang="en-US" dirty="0"/>
-              <a:t>Quotes‟ in </a:t>
+              <a:t>„Quotes‟ in </a:t>
             </a:r>
             <a:r>
               <a:rPr lang="en-US" dirty="0" err="1" smtClean="0"/>
@@ -10004,7 +10871,7 @@
               <a:rPr lang="en-US" dirty="0" smtClean="0"/>
               <a:t>.</a:t>
             </a:r>
-            <a:endParaRPr lang="fr-FR" dirty="0"/>
+            <a:endParaRPr lang="en-US" dirty="0"/>
           </a:p>
         </p:txBody>
       </p:sp>
@@ -10021,7 +10888,7 @@
   <p:timing>
     <p:tnLst>
       <p:par>
-        <p:cTn xmlns:p14="http://schemas.microsoft.com/office/powerpoint/2010/main" id="1" dur="indefinite" restart="never" nodeType="tmRoot"/>
+        <p:cTn id="1" dur="indefinite" restart="never" nodeType="tmRoot"/>
       </p:par>
     </p:tnLst>
   </p:timing>
@@ -10063,26 +10930,10 @@
           <a:lstStyle/>
           <a:p>
             <a:r>
-              <a:rPr lang="fr-FR" dirty="0"/>
-              <a:t>Et arrive </a:t>
-            </a:r>
-            <a:r>
-              <a:rPr lang="fr-FR" dirty="0" smtClean="0"/>
-              <a:t>le </a:t>
-            </a:r>
-            <a:r>
-              <a:rPr lang="fr-FR" dirty="0" err="1"/>
-              <a:t>crowd</a:t>
-            </a:r>
-            <a:r>
-              <a:rPr lang="fr-FR" dirty="0"/>
-              <a:t> </a:t>
-            </a:r>
-            <a:r>
-              <a:rPr lang="fr-FR" dirty="0" err="1" smtClean="0"/>
-              <a:t>sourcing</a:t>
-            </a:r>
-            <a:endParaRPr lang="fr-FR" dirty="0"/>
+              <a:rPr lang="en-US" dirty="0" smtClean="0"/>
+              <a:t>Et arrive le crowd sourcing</a:t>
+            </a:r>
+            <a:endParaRPr lang="en-US" dirty="0"/>
           </a:p>
         </p:txBody>
       </p:sp>
@@ -10107,63 +10958,93 @@
           <a:lstStyle/>
           <a:p>
             <a:r>
-              <a:rPr lang="fr-FR" dirty="0" smtClean="0"/>
-              <a:t>Site web ouvert</a:t>
-            </a:r>
-          </a:p>
-          <a:p>
-            <a:r>
-              <a:rPr lang="fr-FR" dirty="0" smtClean="0"/>
+              <a:rPr lang="en-US" dirty="0" smtClean="0"/>
+              <a:t>Site web </a:t>
+            </a:r>
+            <a:r>
+              <a:rPr lang="en-US" dirty="0" err="1" smtClean="0"/>
+              <a:t>ouvert</a:t>
+            </a:r>
+            <a:endParaRPr lang="en-US" dirty="0" smtClean="0"/>
+          </a:p>
+          <a:p>
+            <a:r>
+              <a:rPr lang="en-US" dirty="0" smtClean="0"/>
               <a:t>Contribution simple</a:t>
             </a:r>
           </a:p>
           <a:p>
             <a:r>
-              <a:rPr lang="fr-FR" dirty="0" err="1" smtClean="0"/>
-              <a:t>Workflow</a:t>
-            </a:r>
-            <a:r>
-              <a:rPr lang="fr-FR" dirty="0" smtClean="0"/>
-              <a:t> de validation (</a:t>
-            </a:r>
-            <a:r>
-              <a:rPr lang="fr-FR" dirty="0" err="1" smtClean="0"/>
+              <a:rPr lang="en-US" dirty="0" smtClean="0"/>
+              <a:t>Workflow de validation (</a:t>
+            </a:r>
+            <a:r>
+              <a:rPr lang="en-US" dirty="0" err="1" smtClean="0"/>
               <a:t>editeurs</a:t>
             </a:r>
             <a:r>
-              <a:rPr lang="fr-FR" dirty="0" smtClean="0"/>
-              <a:t>, contributeurs)</a:t>
-            </a:r>
-          </a:p>
-          <a:p>
-            <a:r>
-              <a:rPr lang="fr-FR" dirty="0" smtClean="0"/>
+              <a:rPr lang="en-US" dirty="0" smtClean="0"/>
+              <a:t>, </a:t>
+            </a:r>
+            <a:r>
+              <a:rPr lang="en-US" dirty="0" err="1" smtClean="0"/>
+              <a:t>contributeurs</a:t>
+            </a:r>
+            <a:r>
+              <a:rPr lang="en-US" dirty="0" smtClean="0"/>
+              <a:t>)</a:t>
+            </a:r>
+          </a:p>
+          <a:p>
+            <a:r>
+              <a:rPr lang="en-US" dirty="0" err="1" smtClean="0"/>
               <a:t>Statistiques</a:t>
             </a:r>
+            <a:endParaRPr lang="en-US" dirty="0" smtClean="0"/>
           </a:p>
           <a:p>
             <a:pPr lvl="1"/>
             <a:r>
-              <a:rPr lang="fr-FR" dirty="0" smtClean="0"/>
-              <a:t>% de couverture</a:t>
-            </a:r>
+              <a:rPr lang="en-US" dirty="0" smtClean="0"/>
+              <a:t>% de </a:t>
+            </a:r>
+            <a:r>
+              <a:rPr lang="en-US" dirty="0" err="1" smtClean="0"/>
+              <a:t>couverture</a:t>
+            </a:r>
+            <a:endParaRPr lang="en-US" dirty="0" smtClean="0"/>
           </a:p>
           <a:p>
             <a:pPr lvl="1"/>
             <a:r>
-              <a:rPr lang="fr-FR" dirty="0" smtClean="0"/>
-              <a:t>Traductions validées</a:t>
-            </a:r>
+              <a:rPr lang="en-US" dirty="0" err="1" smtClean="0"/>
+              <a:t>Traductions</a:t>
+            </a:r>
+            <a:r>
+              <a:rPr lang="en-US" dirty="0" smtClean="0"/>
+              <a:t> </a:t>
+            </a:r>
+            <a:r>
+              <a:rPr lang="en-US" dirty="0" err="1" smtClean="0"/>
+              <a:t>validées</a:t>
+            </a:r>
+            <a:endParaRPr lang="en-US" dirty="0" smtClean="0"/>
           </a:p>
           <a:p>
             <a:pPr lvl="1"/>
             <a:r>
-              <a:rPr lang="fr-FR" dirty="0" smtClean="0"/>
-              <a:t>Qualité de la traduction</a:t>
-            </a:r>
-          </a:p>
-          <a:p>
-            <a:endParaRPr lang="fr-FR" dirty="0"/>
+              <a:rPr lang="en-US" dirty="0" err="1" smtClean="0"/>
+              <a:t>Qualité</a:t>
+            </a:r>
+            <a:r>
+              <a:rPr lang="en-US" dirty="0" smtClean="0"/>
+              <a:t> de la </a:t>
+            </a:r>
+            <a:r>
+              <a:rPr lang="en-US" dirty="0" err="1" smtClean="0"/>
+              <a:t>traduction</a:t>
+            </a:r>
+            <a:endParaRPr lang="en-US" dirty="0" smtClean="0"/>
           </a:p>
         </p:txBody>
       </p:sp>
@@ -10177,6 +11058,13 @@
   <p:clrMapOvr>
     <a:masterClrMapping/>
   </p:clrMapOvr>
+  <p:timing>
+    <p:tnLst>
+      <p:par>
+        <p:cTn id="1" dur="indefinite" restart="never" nodeType="tmRoot"/>
+      </p:par>
+    </p:tnLst>
+  </p:timing>
 </p:sld>
 </file>
 
@@ -10213,10 +11101,14 @@
           <a:lstStyle/>
           <a:p>
             <a:r>
-              <a:rPr lang="fr-FR" dirty="0" smtClean="0"/>
-              <a:t>Des exemples</a:t>
-            </a:r>
-            <a:endParaRPr lang="fr-FR" dirty="0"/>
+              <a:rPr lang="en-US" dirty="0" smtClean="0"/>
+              <a:t>Des </a:t>
+            </a:r>
+            <a:r>
+              <a:rPr lang="en-US" dirty="0" err="1" smtClean="0"/>
+              <a:t>exemples</a:t>
+            </a:r>
+            <a:endParaRPr lang="en-US" dirty="0"/>
           </a:p>
         </p:txBody>
       </p:sp>
@@ -10236,64 +11128,33 @@
           <a:lstStyle/>
           <a:p>
             <a:r>
-              <a:rPr lang="fr-FR" dirty="0" err="1" smtClean="0"/>
+              <a:rPr lang="en-US" dirty="0" err="1" smtClean="0"/>
               <a:t>Babili</a:t>
             </a:r>
-            <a:endParaRPr lang="fr-FR" dirty="0" smtClean="0"/>
+            <a:endParaRPr lang="en-US" dirty="0" smtClean="0"/>
           </a:p>
           <a:p>
             <a:pPr lvl="1"/>
             <a:r>
-              <a:rPr lang="en-US" dirty="0"/>
-              <a:t>http://</a:t>
-            </a:r>
-            <a:r>
-              <a:rPr lang="en-US" dirty="0" err="1"/>
-              <a:t>www.bonitasoft.org</a:t>
-            </a:r>
-            <a:r>
-              <a:rPr lang="en-US" dirty="0"/>
-              <a:t>/</a:t>
-            </a:r>
-            <a:r>
-              <a:rPr lang="en-US" dirty="0" smtClean="0"/>
-              <a:t>translations</a:t>
-            </a:r>
-            <a:endParaRPr lang="fr-FR" dirty="0" smtClean="0"/>
-          </a:p>
-          <a:p>
-            <a:r>
-              <a:rPr lang="fr-FR" dirty="0" err="1" smtClean="0"/>
+              <a:rPr lang="en-US" dirty="0" smtClean="0"/>
+              <a:t>http://www.bonitasoft.org/translations</a:t>
+            </a:r>
+          </a:p>
+          <a:p>
+            <a:r>
+              <a:rPr lang="en-US" dirty="0" smtClean="0"/>
               <a:t>Crowdin.net</a:t>
             </a:r>
-            <a:endParaRPr lang="fr-FR" dirty="0" smtClean="0"/>
           </a:p>
           <a:p>
             <a:pPr lvl="1"/>
             <a:r>
-              <a:rPr lang="pl-PL" dirty="0"/>
-              <a:t>http://</a:t>
-            </a:r>
-            <a:r>
-              <a:rPr lang="pl-PL" dirty="0" err="1"/>
-              <a:t>crowdin.net</a:t>
-            </a:r>
-            <a:r>
-              <a:rPr lang="pl-PL" dirty="0"/>
-              <a:t>/</a:t>
-            </a:r>
-            <a:r>
-              <a:rPr lang="pl-PL" dirty="0" err="1"/>
-              <a:t>project</a:t>
-            </a:r>
-            <a:r>
-              <a:rPr lang="pl-PL" dirty="0"/>
-              <a:t>/ez18n-demo</a:t>
-            </a:r>
-            <a:endParaRPr lang="fr-FR" dirty="0" smtClean="0"/>
-          </a:p>
-          <a:p>
-            <a:endParaRPr lang="fr-FR" dirty="0"/>
+              <a:rPr lang="en-US" dirty="0" smtClean="0"/>
+              <a:t>http://crowdin.net/project/ez18n-demo</a:t>
+            </a:r>
+          </a:p>
+          <a:p>
+            <a:endParaRPr lang="en-US" dirty="0"/>
           </a:p>
         </p:txBody>
       </p:sp>
@@ -10307,6 +11168,13 @@
   <p:clrMapOvr>
     <a:masterClrMapping/>
   </p:clrMapOvr>
+  <p:timing>
+    <p:tnLst>
+      <p:par>
+        <p:cTn id="1" dur="indefinite" restart="never" nodeType="tmRoot"/>
+      </p:par>
+    </p:tnLst>
+  </p:timing>
 </p:sld>
 </file>
 
@@ -10343,10 +11211,14 @@
           <a:lstStyle/>
           <a:p>
             <a:r>
-              <a:rPr lang="fr-FR" dirty="0" smtClean="0"/>
-              <a:t>Aides à la traduction</a:t>
-            </a:r>
-            <a:endParaRPr lang="fr-FR" dirty="0"/>
+              <a:rPr lang="en-US" dirty="0" smtClean="0"/>
+              <a:t>Aides à la </a:t>
+            </a:r>
+            <a:r>
+              <a:rPr lang="en-US" dirty="0" err="1" smtClean="0"/>
+              <a:t>traduction</a:t>
+            </a:r>
+            <a:endParaRPr lang="en-US" dirty="0"/>
           </a:p>
         </p:txBody>
       </p:sp>
@@ -10427,15 +11299,7 @@
             </a:r>
             <a:r>
               <a:rPr lang="en-US" dirty="0" smtClean="0"/>
-              <a:t> </a:t>
-            </a:r>
-            <a:r>
-              <a:rPr lang="en-US" dirty="0" err="1" smtClean="0"/>
-              <a:t>à</a:t>
-            </a:r>
-            <a:r>
-              <a:rPr lang="en-US" dirty="0" smtClean="0"/>
-              <a:t> </a:t>
+              <a:t> à </a:t>
             </a:r>
             <a:r>
               <a:rPr lang="en-US" dirty="0" err="1" smtClean="0"/>
@@ -10495,6 +11359,13 @@
   <p:clrMapOvr>
     <a:masterClrMapping/>
   </p:clrMapOvr>
+  <p:timing>
+    <p:tnLst>
+      <p:par>
+        <p:cTn id="1" dur="indefinite" restart="never" nodeType="tmRoot"/>
+      </p:par>
+    </p:tnLst>
+  </p:timing>
 </p:sld>
 </file>
 
@@ -10556,10 +11427,9 @@
           <a:lstStyle/>
           <a:p>
             <a:r>
-              <a:rPr lang="fr-FR" dirty="0" smtClean="0"/>
+              <a:rPr lang="en-US" dirty="0" smtClean="0"/>
               <a:t>Small code base :</a:t>
             </a:r>
-            <a:endParaRPr lang="fr-FR" dirty="0" smtClean="0"/>
           </a:p>
           <a:p>
             <a:pPr lvl="1">
@@ -10567,10 +11437,9 @@
               <a:buChar char="§"/>
             </a:pPr>
             <a:r>
-              <a:rPr lang="fr-FR" dirty="0" smtClean="0"/>
+              <a:rPr lang="en-US" dirty="0" smtClean="0"/>
               <a:t>Mobile browser version</a:t>
             </a:r>
-            <a:endParaRPr lang="fr-FR" dirty="0" smtClean="0"/>
           </a:p>
           <a:p>
             <a:pPr lvl="1">
@@ -10578,50 +11447,27 @@
               <a:buChar char="§"/>
             </a:pPr>
             <a:r>
-              <a:rPr lang="fr-FR" dirty="0" smtClean="0"/>
+              <a:rPr lang="en-US" dirty="0" smtClean="0"/>
               <a:t>Desktop browser version</a:t>
             </a:r>
-            <a:endParaRPr lang="fr-FR" dirty="0" smtClean="0"/>
-          </a:p>
-          <a:p>
-            <a:r>
-              <a:rPr lang="fr-FR" dirty="0" smtClean="0"/>
-              <a:t>A Custom </a:t>
-            </a:r>
-            <a:r>
-              <a:rPr lang="fr-FR" dirty="0" smtClean="0"/>
-              <a:t>CSS for the </a:t>
-            </a:r>
-            <a:r>
-              <a:rPr lang="fr-FR" dirty="0" smtClean="0"/>
-              <a:t>mobile</a:t>
-            </a:r>
-          </a:p>
-          <a:p>
-            <a:r>
-              <a:rPr lang="fr-FR" dirty="0" err="1" smtClean="0"/>
-              <a:t>Shorter</a:t>
-            </a:r>
-            <a:r>
-              <a:rPr lang="fr-FR" dirty="0" smtClean="0"/>
-              <a:t> labels</a:t>
-            </a:r>
-            <a:endParaRPr lang="fr-FR" dirty="0" smtClean="0"/>
-          </a:p>
-          <a:p>
-            <a:r>
-              <a:rPr lang="fr-FR" dirty="0" err="1" smtClean="0"/>
-              <a:t>Changed</a:t>
-            </a:r>
-            <a:r>
-              <a:rPr lang="fr-FR" dirty="0" smtClean="0"/>
-              <a:t> </a:t>
-            </a:r>
-            <a:r>
-              <a:rPr lang="fr-FR" dirty="0" err="1" smtClean="0"/>
-              <a:t>widgets</a:t>
-            </a:r>
-            <a:endParaRPr lang="fr-FR" dirty="0" smtClean="0"/>
+          </a:p>
+          <a:p>
+            <a:r>
+              <a:rPr lang="en-US" dirty="0" smtClean="0"/>
+              <a:t>A Custom CSS for the mobile</a:t>
+            </a:r>
+          </a:p>
+          <a:p>
+            <a:r>
+              <a:rPr lang="en-US" dirty="0" smtClean="0"/>
+              <a:t>Shorter labels</a:t>
+            </a:r>
+          </a:p>
+          <a:p>
+            <a:r>
+              <a:rPr lang="en-US" dirty="0" smtClean="0"/>
+              <a:t>Changed widgets</a:t>
+            </a:r>
           </a:p>
           <a:p>
             <a:pPr lvl="1">
@@ -10629,9 +11475,10 @@
               <a:buChar char="§"/>
             </a:pPr>
             <a:r>
-              <a:rPr lang="fr-FR" dirty="0" smtClean="0"/>
-              <a:t>Boite de dialogue</a:t>
-            </a:r>
+              <a:rPr lang="en-US" dirty="0" err="1" smtClean="0"/>
+              <a:t>Dialogboxes</a:t>
+            </a:r>
+            <a:endParaRPr lang="en-US" dirty="0" smtClean="0"/>
           </a:p>
           <a:p>
             <a:pPr lvl="1">
@@ -10639,10 +11486,10 @@
               <a:buChar char="§"/>
             </a:pPr>
             <a:r>
-              <a:rPr lang="fr-FR" dirty="0" smtClean="0"/>
-              <a:t>Sélection des dates</a:t>
-            </a:r>
-            <a:endParaRPr lang="fr-FR" dirty="0"/>
+              <a:rPr lang="en-US" dirty="0" smtClean="0"/>
+              <a:t>Date pickers</a:t>
+            </a:r>
+            <a:endParaRPr lang="en-US" dirty="0"/>
           </a:p>
         </p:txBody>
       </p:sp>
@@ -10659,7 +11506,7 @@
   <p:timing>
     <p:tnLst>
       <p:par>
-        <p:cTn xmlns:p14="http://schemas.microsoft.com/office/powerpoint/2010/main" id="1" dur="indefinite" restart="never" nodeType="tmRoot"/>
+        <p:cTn id="1" dur="indefinite" restart="never" nodeType="tmRoot"/>
       </p:par>
     </p:tnLst>
   </p:timing>
@@ -10699,10 +11546,22 @@
           <a:lstStyle/>
           <a:p>
             <a:r>
-              <a:rPr lang="fr-FR" dirty="0" smtClean="0"/>
-              <a:t>Le sommet de l’iceberg</a:t>
-            </a:r>
-            <a:endParaRPr lang="fr-FR" dirty="0"/>
+              <a:rPr lang="en-US" dirty="0" smtClean="0"/>
+              <a:t>Le </a:t>
+            </a:r>
+            <a:r>
+              <a:rPr lang="en-US" dirty="0" err="1" smtClean="0"/>
+              <a:t>sommet</a:t>
+            </a:r>
+            <a:r>
+              <a:rPr lang="en-US" dirty="0" smtClean="0"/>
+              <a:t> de </a:t>
+            </a:r>
+            <a:r>
+              <a:rPr lang="en-US" dirty="0" err="1" smtClean="0"/>
+              <a:t>l’iceberg</a:t>
+            </a:r>
+            <a:endParaRPr lang="en-US" dirty="0"/>
           </a:p>
         </p:txBody>
       </p:sp>
@@ -10722,28 +11581,18 @@
           <a:lstStyle/>
           <a:p>
             <a:r>
-              <a:rPr lang="fr-FR" dirty="0" smtClean="0"/>
+              <a:rPr lang="en-US" dirty="0" smtClean="0"/>
               <a:t>Google Translate</a:t>
             </a:r>
-            <a:endParaRPr lang="fr-FR" dirty="0"/>
           </a:p>
           <a:p>
             <a:pPr lvl="1"/>
-            <a:r>
-              <a:rPr lang="en-US" dirty="0">
-                <a:hlinkClick r:id="rId2"/>
-              </a:rPr>
-              <a:t>http://</a:t>
-            </a:r>
             <a:r>
               <a:rPr lang="en-US" dirty="0" smtClean="0">
                 <a:hlinkClick r:id="rId2"/>
               </a:rPr>
-              <a:t>translate.google.com</a:t>
-            </a:r>
-            <a:endParaRPr lang="en-US" dirty="0" smtClean="0"/>
-          </a:p>
-          <a:p>
+              <a:t>http://translate.google.com</a:t>
+            </a:r>
             <a:endParaRPr lang="en-US" dirty="0" smtClean="0"/>
           </a:p>
           <a:p>
@@ -10762,28 +11611,12 @@
               <a:rPr lang="en-US" dirty="0" smtClean="0">
                 <a:hlinkClick r:id="rId3"/>
               </a:rPr>
-              <a:t>http</a:t>
-            </a:r>
-            <a:r>
-              <a:rPr lang="en-US" dirty="0">
-                <a:hlinkClick r:id="rId3"/>
-              </a:rPr>
-              <a:t>://translate.google.com/</a:t>
-            </a:r>
-            <a:r>
-              <a:rPr lang="en-US" dirty="0" smtClean="0">
-                <a:hlinkClick r:id="rId3"/>
-              </a:rPr>
-              <a:t>toolkit</a:t>
+              <a:t>http://translate.google.com/toolkit</a:t>
             </a:r>
             <a:endParaRPr lang="en-US" dirty="0" smtClean="0"/>
           </a:p>
           <a:p>
-            <a:pPr lvl="1"/>
-            <a:endParaRPr lang="fr-FR" dirty="0"/>
-          </a:p>
-          <a:p>
-            <a:endParaRPr lang="fr-FR" dirty="0"/>
+            <a:endParaRPr lang="en-US" dirty="0"/>
           </a:p>
         </p:txBody>
       </p:sp>
@@ -10797,6 +11630,13 @@
   <p:clrMapOvr>
     <a:masterClrMapping/>
   </p:clrMapOvr>
+  <p:timing>
+    <p:tnLst>
+      <p:par>
+        <p:cTn id="1" dur="indefinite" restart="never" nodeType="tmRoot"/>
+      </p:par>
+    </p:tnLst>
+  </p:timing>
 </p:sld>
 </file>
 
@@ -10863,26 +11703,10 @@
           <a:lstStyle/>
           <a:p>
             <a:r>
-              <a:rPr lang="en-US" sz="2400" dirty="0"/>
-              <a:t>https://</a:t>
-            </a:r>
-            <a:r>
-              <a:rPr lang="en-US" sz="2400" dirty="0" err="1"/>
-              <a:t>github.com</a:t>
-            </a:r>
-            <a:r>
-              <a:rPr lang="en-US" sz="2400" dirty="0"/>
-              <a:t>/</a:t>
-            </a:r>
-            <a:r>
-              <a:rPr lang="en-US" sz="2400" dirty="0" err="1"/>
-              <a:t>dbaeli</a:t>
-            </a:r>
-            <a:r>
               <a:rPr lang="en-US" sz="2400" dirty="0" smtClean="0"/>
-              <a:t>/ez18n</a:t>
-            </a:r>
-            <a:endParaRPr lang="fr-FR" sz="2400" dirty="0"/>
+              <a:t>https://github.com/dbaeli/ez18n</a:t>
+            </a:r>
+            <a:endParaRPr lang="en-US" sz="2400" dirty="0"/>
           </a:p>
         </p:txBody>
       </p:sp>
@@ -10909,48 +11733,32 @@
           <a:lstStyle/>
           <a:p>
             <a:r>
-              <a:rPr lang="fr-FR" dirty="0" smtClean="0"/>
+              <a:rPr lang="en-US" dirty="0" smtClean="0"/>
               <a:t>Merci !</a:t>
             </a:r>
             <a:br>
-              <a:rPr lang="fr-FR" dirty="0" smtClean="0"/>
+              <a:rPr lang="en-US" dirty="0" smtClean="0"/>
             </a:br>
             <a:r>
-              <a:rPr lang="fr-FR" dirty="0" smtClean="0"/>
+              <a:rPr lang="en-US" dirty="0" smtClean="0"/>
               <a:t/>
             </a:r>
             <a:br>
-              <a:rPr lang="fr-FR" dirty="0" smtClean="0"/>
+              <a:rPr lang="en-US" dirty="0" smtClean="0"/>
             </a:br>
             <a:r>
-              <a:rPr lang="fr-FR" dirty="0" smtClean="0"/>
-              <a:t>Just </a:t>
-            </a:r>
-            <a:r>
-              <a:rPr lang="fr-FR" dirty="0" err="1" smtClean="0"/>
-              <a:t>Fork</a:t>
-            </a:r>
-            <a:r>
-              <a:rPr lang="fr-FR" dirty="0" smtClean="0"/>
-              <a:t> </a:t>
-            </a:r>
-            <a:r>
-              <a:rPr lang="fr-FR" dirty="0" err="1" smtClean="0"/>
-              <a:t>it</a:t>
-            </a:r>
-            <a:r>
-              <a:rPr lang="fr-FR" dirty="0" smtClean="0"/>
-              <a:t> @</a:t>
-            </a:r>
-            <a:r>
-              <a:rPr lang="fr-FR" dirty="0" err="1" smtClean="0"/>
+              <a:rPr lang="en-US" dirty="0" smtClean="0"/>
+              <a:t>Just Fork it @</a:t>
+            </a:r>
+            <a:r>
+              <a:rPr lang="en-US" dirty="0" err="1" smtClean="0"/>
               <a:t>github</a:t>
             </a:r>
             <a:r>
-              <a:rPr lang="fr-FR" dirty="0" smtClean="0"/>
+              <a:rPr lang="en-US" dirty="0" smtClean="0"/>
               <a:t> !</a:t>
             </a:r>
-            <a:endParaRPr lang="fr-FR" dirty="0"/>
+            <a:endParaRPr lang="en-US" dirty="0"/>
           </a:p>
         </p:txBody>
       </p:sp>
@@ -10985,7 +11793,7 @@
           </a:prstGeom>
           <a:noFill/>
           <a:extLst>
-            <a:ext uri="{909E8E84-426E-40dd-AFC4-6F175D3DCCD1}">
+            <a:ext uri="{909E8E84-426E-40DD-AFC4-6F175D3DCCD1}">
               <a14:hiddenFill xmlns:a14="http://schemas.microsoft.com/office/drawing/2010/main">
                 <a:solidFill>
                   <a:srgbClr val="FFFFFF"/>
@@ -11026,7 +11834,7 @@
           </a:prstGeom>
           <a:noFill/>
           <a:extLst>
-            <a:ext uri="{909E8E84-426E-40dd-AFC4-6F175D3DCCD1}">
+            <a:ext uri="{909E8E84-426E-40DD-AFC4-6F175D3DCCD1}">
               <a14:hiddenFill xmlns:a14="http://schemas.microsoft.com/office/drawing/2010/main">
                 <a:solidFill>
                   <a:srgbClr val="FFFFFF"/>
@@ -11057,7 +11865,7 @@
   <p:timing>
     <p:tnLst>
       <p:par>
-        <p:cTn xmlns:p14="http://schemas.microsoft.com/office/powerpoint/2010/main" id="1" dur="indefinite" restart="never" nodeType="tmRoot"/>
+        <p:cTn id="1" dur="indefinite" restart="never" nodeType="tmRoot"/>
       </p:par>
     </p:tnLst>
   </p:timing>
@@ -11180,14 +11988,14 @@
           </a:ln>
           <a:effectLst/>
           <a:extLst>
-            <a:ext uri="{909E8E84-426E-40dd-AFC4-6F175D3DCCD1}">
+            <a:ext uri="{909E8E84-426E-40DD-AFC4-6F175D3DCCD1}">
               <a14:hiddenFill xmlns:a14="http://schemas.microsoft.com/office/drawing/2010/main">
                 <a:solidFill>
                   <a:schemeClr val="accent1"/>
                 </a:solidFill>
               </a14:hiddenFill>
             </a:ext>
-            <a:ext uri="{91240B29-F687-4f45-9708-019B960494DF}">
+            <a:ext uri="{91240B29-F687-4F45-9708-019B960494DF}">
               <a14:hiddenLine xmlns:a14="http://schemas.microsoft.com/office/drawing/2010/main" w="9525">
                 <a:solidFill>
                   <a:schemeClr val="tx1"/>
@@ -11197,7 +12005,7 @@
                 <a:tailEnd/>
               </a14:hiddenLine>
             </a:ext>
-            <a:ext uri="{AF507438-7753-43e0-B8FC-AC1667EBCBE1}">
+            <a:ext uri="{AF507438-7753-43E0-B8FC-AC1667EBCBE1}">
               <a14:hiddenEffects xmlns:a14="http://schemas.microsoft.com/office/drawing/2010/main">
                 <a:effectLst>
                   <a:outerShdw dist="35921" dir="2700000" algn="ctr" rotWithShape="0">
@@ -11252,7 +12060,7 @@
   <p:timing>
     <p:tnLst>
       <p:par>
-        <p:cTn xmlns:p14="http://schemas.microsoft.com/office/powerpoint/2010/main" id="1" dur="indefinite" restart="never" nodeType="tmRoot"/>
+        <p:cTn id="1" dur="indefinite" restart="never" nodeType="tmRoot"/>
       </p:par>
     </p:tnLst>
   </p:timing>
@@ -11292,10 +12100,10 @@
           <a:lstStyle/>
           <a:p>
             <a:r>
-              <a:rPr lang="fr-FR" dirty="0" smtClean="0"/>
+              <a:rPr lang="en-US" dirty="0" smtClean="0"/>
               <a:t>Display Content Management</a:t>
             </a:r>
-            <a:endParaRPr lang="fr-FR" dirty="0"/>
+            <a:endParaRPr lang="en-US" dirty="0"/>
           </a:p>
         </p:txBody>
       </p:sp>
@@ -11312,204 +12120,64 @@
         <p:spPr/>
         <p:txBody>
           <a:bodyPr>
-            <a:normAutofit fontScale="92500" lnSpcReduction="10000"/>
+            <a:normAutofit fontScale="92500"/>
           </a:bodyPr>
           <a:lstStyle/>
           <a:p>
-            <a:endParaRPr lang="fr-FR" dirty="0" smtClean="0"/>
-          </a:p>
-          <a:p>
-            <a:r>
-              <a:rPr lang="fr-FR" dirty="0" err="1" smtClean="0"/>
-              <a:t>Many</a:t>
-            </a:r>
-            <a:r>
-              <a:rPr lang="fr-FR" dirty="0" smtClean="0"/>
-              <a:t> </a:t>
-            </a:r>
-            <a:r>
-              <a:rPr lang="fr-FR" dirty="0" err="1" smtClean="0"/>
-              <a:t>languages</a:t>
-            </a:r>
-            <a:endParaRPr lang="fr-FR" dirty="0"/>
-          </a:p>
-          <a:p>
-            <a:r>
-              <a:rPr lang="fr-FR" dirty="0" err="1" smtClean="0"/>
-              <a:t>Many</a:t>
-            </a:r>
-            <a:r>
-              <a:rPr lang="fr-FR" dirty="0" smtClean="0"/>
-              <a:t> </a:t>
-            </a:r>
-            <a:r>
-              <a:rPr lang="fr-FR" dirty="0" err="1" smtClean="0"/>
-              <a:t>layouts</a:t>
-            </a:r>
-            <a:endParaRPr lang="fr-FR" dirty="0" smtClean="0"/>
-          </a:p>
-          <a:p>
-            <a:r>
-              <a:rPr lang="fr-FR" dirty="0" smtClean="0"/>
-              <a:t>Content </a:t>
-            </a:r>
-            <a:r>
-              <a:rPr lang="fr-FR" dirty="0" err="1" smtClean="0"/>
-              <a:t>changed</a:t>
-            </a:r>
-            <a:r>
-              <a:rPr lang="fr-FR" dirty="0" smtClean="0"/>
-              <a:t> </a:t>
-            </a:r>
-            <a:r>
-              <a:rPr lang="fr-FR" dirty="0" err="1" smtClean="0"/>
-              <a:t>after</a:t>
-            </a:r>
-            <a:r>
-              <a:rPr lang="fr-FR" dirty="0" smtClean="0"/>
-              <a:t> the release</a:t>
+            <a:r>
+              <a:rPr lang="en-US" dirty="0" smtClean="0"/>
+              <a:t>Many languages</a:t>
+            </a:r>
+          </a:p>
+          <a:p>
+            <a:r>
+              <a:rPr lang="en-US" dirty="0" smtClean="0"/>
+              <a:t>Many layouts</a:t>
+            </a:r>
+          </a:p>
+          <a:p>
+            <a:r>
+              <a:rPr lang="en-US" dirty="0" smtClean="0"/>
+              <a:t>Content changed after the release</a:t>
             </a:r>
           </a:p>
           <a:p>
             <a:pPr lvl="1"/>
             <a:r>
-              <a:rPr lang="fr-FR" dirty="0" err="1" smtClean="0"/>
-              <a:t>Can’t</a:t>
-            </a:r>
-            <a:r>
-              <a:rPr lang="fr-FR" dirty="0" smtClean="0"/>
-              <a:t> </a:t>
-            </a:r>
-            <a:r>
-              <a:rPr lang="fr-FR" dirty="0" err="1" smtClean="0"/>
-              <a:t>be</a:t>
-            </a:r>
-            <a:r>
-              <a:rPr lang="fr-FR" dirty="0" smtClean="0"/>
-              <a:t> </a:t>
-            </a:r>
-            <a:r>
-              <a:rPr lang="fr-FR" dirty="0" err="1" smtClean="0"/>
-              <a:t>easily</a:t>
-            </a:r>
-            <a:r>
-              <a:rPr lang="fr-FR" dirty="0" smtClean="0"/>
-              <a:t> </a:t>
-            </a:r>
-            <a:r>
-              <a:rPr lang="fr-FR" dirty="0" err="1" smtClean="0"/>
-              <a:t>maintained</a:t>
-            </a:r>
-            <a:r>
-              <a:rPr lang="fr-FR" dirty="0" smtClean="0"/>
-              <a:t> by </a:t>
-            </a:r>
-            <a:r>
-              <a:rPr lang="fr-FR" dirty="0" err="1" smtClean="0"/>
-              <a:t>devteam</a:t>
-            </a:r>
-            <a:endParaRPr lang="fr-FR" dirty="0" smtClean="0"/>
+              <a:rPr lang="en-US" dirty="0" smtClean="0"/>
+              <a:t>Can’t be easily maintained by </a:t>
+            </a:r>
+            <a:r>
+              <a:rPr lang="en-US" dirty="0" err="1" smtClean="0"/>
+              <a:t>dev</a:t>
+            </a:r>
+            <a:r>
+              <a:rPr lang="en-US" dirty="0" smtClean="0"/>
+              <a:t> team</a:t>
+            </a:r>
           </a:p>
           <a:p>
             <a:pPr lvl="1"/>
             <a:r>
-              <a:rPr lang="fr-FR" dirty="0" smtClean="0"/>
-              <a:t>Not </a:t>
-            </a:r>
-            <a:r>
-              <a:rPr lang="fr-FR" dirty="0" err="1" smtClean="0"/>
-              <a:t>really</a:t>
-            </a:r>
-            <a:r>
-              <a:rPr lang="fr-FR" dirty="0" smtClean="0"/>
-              <a:t> content management</a:t>
-            </a:r>
-            <a:endParaRPr lang="fr-FR" dirty="0" smtClean="0"/>
-          </a:p>
-          <a:p>
-            <a:r>
-              <a:rPr lang="fr-FR" dirty="0" smtClean="0"/>
-              <a:t>Translate </a:t>
-            </a:r>
-            <a:r>
-              <a:rPr lang="fr-FR" dirty="0" err="1" smtClean="0"/>
-              <a:t>process</a:t>
-            </a:r>
-            <a:r>
-              <a:rPr lang="fr-FR" dirty="0" smtClean="0"/>
-              <a:t> (</a:t>
-            </a:r>
-            <a:r>
-              <a:rPr lang="fr-FR" dirty="0" err="1" smtClean="0"/>
-              <a:t>many</a:t>
-            </a:r>
-            <a:r>
-              <a:rPr lang="fr-FR" dirty="0" smtClean="0"/>
-              <a:t> people, slow, </a:t>
-            </a:r>
-            <a:r>
-              <a:rPr lang="fr-FR" dirty="0" smtClean="0"/>
-              <a:t>…</a:t>
-            </a:r>
-            <a:r>
-              <a:rPr lang="fr-FR" dirty="0" smtClean="0"/>
-              <a:t>)</a:t>
-            </a:r>
-            <a:endParaRPr lang="fr-FR" dirty="0" smtClean="0"/>
-          </a:p>
-          <a:p>
-            <a:endParaRPr lang="fr-FR" dirty="0" smtClean="0"/>
-          </a:p>
-          <a:p>
-            <a:r>
-              <a:rPr lang="fr-FR" dirty="0" smtClean="0"/>
-              <a:t>How to </a:t>
-            </a:r>
-            <a:r>
-              <a:rPr lang="fr-FR" dirty="0" err="1" smtClean="0"/>
-              <a:t>build</a:t>
-            </a:r>
-            <a:r>
-              <a:rPr lang="fr-FR" dirty="0" smtClean="0"/>
-              <a:t> </a:t>
-            </a:r>
-            <a:r>
-              <a:rPr lang="fr-FR" dirty="0" err="1" smtClean="0"/>
-              <a:t>solid</a:t>
-            </a:r>
-            <a:r>
-              <a:rPr lang="fr-FR" dirty="0" smtClean="0"/>
-              <a:t> code, and </a:t>
-            </a:r>
-            <a:r>
-              <a:rPr lang="fr-FR" dirty="0" err="1" smtClean="0"/>
-              <a:t>allow</a:t>
-            </a:r>
-            <a:r>
-              <a:rPr lang="fr-FR" dirty="0" smtClean="0"/>
-              <a:t> </a:t>
-            </a:r>
-            <a:r>
-              <a:rPr lang="fr-FR" dirty="0" err="1" smtClean="0"/>
-              <a:t>late</a:t>
-            </a:r>
-            <a:r>
-              <a:rPr lang="fr-FR" dirty="0" smtClean="0"/>
-              <a:t> changes</a:t>
-            </a:r>
-            <a:endParaRPr lang="fr-FR" dirty="0" smtClean="0"/>
-          </a:p>
-          <a:p>
-            <a:endParaRPr lang="fr-FR" dirty="0" smtClean="0"/>
-          </a:p>
-          <a:p>
-            <a:endParaRPr lang="fr-FR" dirty="0"/>
-          </a:p>
-          <a:p>
-            <a:endParaRPr lang="fr-FR" dirty="0" smtClean="0"/>
-          </a:p>
-          <a:p>
-            <a:endParaRPr lang="fr-FR" dirty="0"/>
+              <a:rPr lang="en-US" dirty="0" smtClean="0"/>
+              <a:t>Not really content management</a:t>
+            </a:r>
+          </a:p>
+          <a:p>
+            <a:r>
+              <a:rPr lang="en-US" dirty="0" smtClean="0"/>
+              <a:t>Translate process (many people, slow, …)</a:t>
+            </a:r>
+          </a:p>
+          <a:p>
+            <a:endParaRPr lang="en-US" dirty="0" smtClean="0"/>
+          </a:p>
+          <a:p>
+            <a:r>
+              <a:rPr lang="en-US" dirty="0" smtClean="0"/>
+              <a:t>How to build solid code, and allow late changes</a:t>
+            </a:r>
+            <a:endParaRPr lang="en-US" dirty="0"/>
           </a:p>
         </p:txBody>
       </p:sp>
@@ -11523,6 +12191,13 @@
   <p:clrMapOvr>
     <a:masterClrMapping/>
   </p:clrMapOvr>
+  <p:timing>
+    <p:tnLst>
+      <p:par>
+        <p:cTn id="1" dur="indefinite" restart="never" nodeType="tmRoot"/>
+      </p:par>
+    </p:tnLst>
+  </p:timing>
 </p:sld>
 </file>
 
@@ -11561,22 +12236,14 @@
           <a:lstStyle/>
           <a:p>
             <a:r>
-              <a:rPr lang="fr-FR" dirty="0" smtClean="0"/>
-              <a:t>Externalise labels </a:t>
-            </a:r>
-            <a:r>
-              <a:rPr lang="fr-FR" dirty="0" err="1" smtClean="0"/>
-              <a:t>using</a:t>
-            </a:r>
-            <a:r>
-              <a:rPr lang="fr-FR" dirty="0" smtClean="0"/>
-              <a:t> </a:t>
-            </a:r>
-            <a:r>
-              <a:rPr lang="fr-FR" dirty="0" smtClean="0"/>
-              <a:t>i18n</a:t>
-            </a:r>
-            <a:endParaRPr lang="fr-FR" dirty="0"/>
+              <a:rPr lang="en-US" dirty="0" err="1" smtClean="0"/>
+              <a:t>Externalise</a:t>
+            </a:r>
+            <a:r>
+              <a:rPr lang="en-US" dirty="0" smtClean="0"/>
+              <a:t> labels using i18n</a:t>
+            </a:r>
+            <a:endParaRPr lang="en-US" dirty="0"/>
           </a:p>
         </p:txBody>
       </p:sp>
@@ -11593,155 +12260,41 @@
         <p:spPr/>
         <p:txBody>
           <a:bodyPr>
-            <a:normAutofit lnSpcReduction="10000"/>
+            <a:normAutofit/>
           </a:bodyPr>
           <a:lstStyle/>
           <a:p>
-            <a:endParaRPr lang="fr-FR" dirty="0" smtClean="0"/>
-          </a:p>
-          <a:p>
-            <a:r>
-              <a:rPr lang="fr-FR" dirty="0" err="1" smtClean="0"/>
+            <a:r>
+              <a:rPr lang="en-US" dirty="0" err="1" smtClean="0"/>
               <a:t>ResourceBundle</a:t>
             </a:r>
             <a:r>
-              <a:rPr lang="fr-FR" dirty="0" smtClean="0"/>
-              <a:t> </a:t>
-            </a:r>
-            <a:r>
-              <a:rPr lang="fr-FR" dirty="0" err="1" smtClean="0"/>
-              <a:t>is</a:t>
-            </a:r>
-            <a:r>
-              <a:rPr lang="fr-FR" dirty="0" smtClean="0"/>
-              <a:t> </a:t>
-            </a:r>
-            <a:r>
-              <a:rPr lang="fr-FR" dirty="0" err="1" smtClean="0"/>
-              <a:t>here</a:t>
-            </a:r>
-            <a:r>
-              <a:rPr lang="fr-FR" dirty="0" smtClean="0"/>
-              <a:t> to </a:t>
-            </a:r>
-            <a:r>
-              <a:rPr lang="fr-FR" dirty="0" err="1" smtClean="0"/>
-              <a:t>dynamically</a:t>
-            </a:r>
-            <a:r>
-              <a:rPr lang="fr-FR" dirty="0" smtClean="0"/>
-              <a:t> </a:t>
-            </a:r>
-            <a:r>
-              <a:rPr lang="fr-FR" dirty="0" err="1" smtClean="0"/>
-              <a:t>bind</a:t>
-            </a:r>
-            <a:r>
-              <a:rPr lang="fr-FR" dirty="0" smtClean="0"/>
-              <a:t> </a:t>
-            </a:r>
-            <a:r>
-              <a:rPr lang="fr-FR" dirty="0" err="1" smtClean="0"/>
-              <a:t>some</a:t>
-            </a:r>
-            <a:r>
-              <a:rPr lang="fr-FR" dirty="0" smtClean="0"/>
-              <a:t> content </a:t>
-            </a:r>
-            <a:r>
-              <a:rPr lang="fr-FR" dirty="0" err="1" smtClean="0"/>
-              <a:t>according</a:t>
-            </a:r>
-            <a:r>
-              <a:rPr lang="fr-FR" dirty="0" smtClean="0"/>
-              <a:t> to the Locale</a:t>
-            </a:r>
-          </a:p>
-          <a:p>
-            <a:r>
-              <a:rPr lang="fr-FR" dirty="0" err="1" smtClean="0"/>
+              <a:rPr lang="en-US" dirty="0" smtClean="0"/>
+              <a:t> is here to dynamically bind some content according to the Locale</a:t>
+            </a:r>
+          </a:p>
+          <a:p>
+            <a:r>
+              <a:rPr lang="en-US" dirty="0" err="1" smtClean="0"/>
               <a:t>MessageFormat</a:t>
             </a:r>
             <a:r>
-              <a:rPr lang="fr-FR" dirty="0" smtClean="0"/>
-              <a:t> </a:t>
-            </a:r>
-            <a:r>
-              <a:rPr lang="fr-FR" dirty="0" err="1" smtClean="0"/>
-              <a:t>helps</a:t>
-            </a:r>
-            <a:r>
-              <a:rPr lang="fr-FR" dirty="0" smtClean="0"/>
-              <a:t> </a:t>
-            </a:r>
-            <a:r>
-              <a:rPr lang="fr-FR" dirty="0" smtClean="0"/>
-              <a:t>for display</a:t>
-            </a:r>
-          </a:p>
-          <a:p>
-            <a:endParaRPr lang="fr-FR" dirty="0"/>
-          </a:p>
-          <a:p>
-            <a:pPr marL="0" indent="0">
-              <a:buNone/>
-            </a:pPr>
-            <a:endParaRPr lang="fr-FR" dirty="0" smtClean="0"/>
-          </a:p>
-          <a:p>
-            <a:r>
-              <a:rPr lang="fr-FR" dirty="0" err="1" smtClean="0"/>
-              <a:t>Other</a:t>
-            </a:r>
-            <a:r>
-              <a:rPr lang="fr-FR" dirty="0" smtClean="0"/>
-              <a:t> </a:t>
-            </a:r>
-            <a:r>
-              <a:rPr lang="fr-FR" dirty="0" err="1" smtClean="0"/>
-              <a:t>languages</a:t>
-            </a:r>
-            <a:r>
-              <a:rPr lang="fr-FR" dirty="0" smtClean="0"/>
-              <a:t> are not </a:t>
-            </a:r>
-            <a:r>
-              <a:rPr lang="fr-FR" dirty="0" smtClean="0"/>
-              <a:t>in the code</a:t>
-            </a:r>
-          </a:p>
-          <a:p>
-            <a:r>
-              <a:rPr lang="fr-FR" dirty="0" err="1" smtClean="0"/>
-              <a:t>Maintained</a:t>
-            </a:r>
-            <a:r>
-              <a:rPr lang="fr-FR" dirty="0" smtClean="0"/>
-              <a:t> </a:t>
-            </a:r>
-            <a:r>
-              <a:rPr lang="fr-FR" dirty="0" err="1" smtClean="0"/>
-              <a:t>externally</a:t>
-            </a:r>
-            <a:r>
-              <a:rPr lang="fr-FR" dirty="0" smtClean="0"/>
-              <a:t> !</a:t>
-            </a:r>
-          </a:p>
-          <a:p>
-            <a:pPr marL="0" indent="0">
-              <a:buNone/>
-            </a:pPr>
-            <a:endParaRPr lang="fr-FR" dirty="0" smtClean="0"/>
-          </a:p>
-          <a:p>
-            <a:pPr marL="0" indent="0">
-              <a:buNone/>
-            </a:pPr>
-            <a:endParaRPr lang="fr-FR" dirty="0" smtClean="0"/>
-          </a:p>
-          <a:p>
-            <a:endParaRPr lang="fr-FR" dirty="0"/>
+              <a:rPr lang="en-US" dirty="0" smtClean="0"/>
+              <a:t> helps for display</a:t>
+            </a:r>
+          </a:p>
+          <a:p>
+            <a:r>
+              <a:rPr lang="en-US" dirty="0" smtClean="0"/>
+              <a:t>Other languages are not in the code</a:t>
+            </a:r>
+          </a:p>
+          <a:p>
+            <a:r>
+              <a:rPr lang="en-US" dirty="0" smtClean="0"/>
+              <a:t>Maintained externally !</a:t>
+            </a:r>
+            <a:endParaRPr lang="en-US" dirty="0" smtClean="0"/>
           </a:p>
         </p:txBody>
       </p:sp>
@@ -11755,6 +12308,13 @@
   <p:clrMapOvr>
     <a:masterClrMapping/>
   </p:clrMapOvr>
+  <p:timing>
+    <p:tnLst>
+      <p:par>
+        <p:cTn id="1" dur="indefinite" restart="never" nodeType="tmRoot"/>
+      </p:par>
+    </p:tnLst>
+  </p:timing>
 </p:sld>
 </file>
 
@@ -11791,18 +12351,10 @@
           <a:lstStyle/>
           <a:p>
             <a:r>
-              <a:rPr lang="fr-FR" dirty="0" err="1" smtClean="0"/>
-              <a:t>Reuse</a:t>
-            </a:r>
-            <a:r>
-              <a:rPr lang="fr-FR" dirty="0" smtClean="0"/>
-              <a:t> i18n </a:t>
-            </a:r>
-            <a:r>
-              <a:rPr lang="fr-FR" dirty="0" err="1" smtClean="0"/>
-              <a:t>mecanism</a:t>
-            </a:r>
-            <a:endParaRPr lang="fr-FR" dirty="0"/>
+              <a:rPr lang="en-US" dirty="0" smtClean="0"/>
+              <a:t>Reuse i18n mechanism</a:t>
+            </a:r>
+            <a:endParaRPr lang="en-US" dirty="0"/>
           </a:p>
         </p:txBody>
       </p:sp>
@@ -11822,70 +12374,36 @@
           <a:lstStyle/>
           <a:p>
             <a:r>
-              <a:rPr lang="fr-FR" dirty="0" smtClean="0"/>
-              <a:t>CSS and images </a:t>
-            </a:r>
-            <a:r>
-              <a:rPr lang="fr-FR" dirty="0" err="1" smtClean="0"/>
-              <a:t>binding</a:t>
-            </a:r>
-            <a:endParaRPr lang="fr-FR" dirty="0" smtClean="0"/>
-          </a:p>
-          <a:p>
-            <a:r>
-              <a:rPr lang="fr-FR" dirty="0" err="1" smtClean="0"/>
-              <a:t>Override</a:t>
-            </a:r>
-            <a:r>
-              <a:rPr lang="fr-FR" dirty="0" smtClean="0"/>
-              <a:t> the i18n </a:t>
-            </a:r>
-            <a:r>
-              <a:rPr lang="fr-FR" dirty="0" err="1" smtClean="0"/>
-              <a:t>mecanism</a:t>
-            </a:r>
-            <a:endParaRPr lang="fr-FR" dirty="0" smtClean="0"/>
-          </a:p>
-          <a:p>
-            <a:r>
-              <a:rPr lang="fr-FR" dirty="0" err="1" smtClean="0"/>
-              <a:t>Generate</a:t>
-            </a:r>
-            <a:r>
-              <a:rPr lang="fr-FR" dirty="0" smtClean="0"/>
-              <a:t> the </a:t>
-            </a:r>
-            <a:r>
-              <a:rPr lang="fr-FR" dirty="0" err="1" smtClean="0"/>
-              <a:t>reference</a:t>
-            </a:r>
-            <a:r>
-              <a:rPr lang="fr-FR" dirty="0" smtClean="0"/>
-              <a:t> files</a:t>
-            </a:r>
-          </a:p>
-          <a:p>
-            <a:r>
-              <a:rPr lang="fr-FR" dirty="0" err="1" smtClean="0"/>
-              <a:t>Generate</a:t>
-            </a:r>
-            <a:r>
-              <a:rPr lang="fr-FR" dirty="0" smtClean="0"/>
-              <a:t> </a:t>
-            </a:r>
-            <a:r>
-              <a:rPr lang="fr-FR" dirty="0" err="1" smtClean="0"/>
+              <a:rPr lang="en-US" dirty="0" smtClean="0"/>
+              <a:t>CSS and images binding</a:t>
+            </a:r>
+          </a:p>
+          <a:p>
+            <a:r>
+              <a:rPr lang="en-US" dirty="0" smtClean="0"/>
+              <a:t>Override the i18n mechanism</a:t>
+            </a:r>
+          </a:p>
+          <a:p>
+            <a:r>
+              <a:rPr lang="en-US" dirty="0" smtClean="0"/>
+              <a:t>Generate the reference files</a:t>
+            </a:r>
+          </a:p>
+          <a:p>
+            <a:r>
+              <a:rPr lang="en-US" dirty="0" smtClean="0"/>
+              <a:t>Generate </a:t>
+            </a:r>
+            <a:r>
+              <a:rPr lang="en-US" dirty="0" err="1" smtClean="0"/>
               <a:t>UnitTests</a:t>
             </a:r>
             <a:r>
-              <a:rPr lang="fr-FR" dirty="0" smtClean="0"/>
-              <a:t> to </a:t>
-            </a:r>
-            <a:r>
-              <a:rPr lang="fr-FR" smtClean="0"/>
-              <a:t>verify</a:t>
-            </a:r>
-            <a:endParaRPr lang="fr-FR" dirty="0"/>
+              <a:rPr lang="en-US" dirty="0" smtClean="0"/>
+              <a:t> to verify</a:t>
+            </a:r>
+            <a:endParaRPr lang="en-US" dirty="0"/>
           </a:p>
         </p:txBody>
       </p:sp>
@@ -11899,6 +12417,13 @@
   <p:clrMapOvr>
     <a:masterClrMapping/>
   </p:clrMapOvr>
+  <p:timing>
+    <p:tnLst>
+      <p:par>
+        <p:cTn id="1" dur="indefinite" restart="never" nodeType="tmRoot"/>
+      </p:par>
+    </p:tnLst>
+  </p:timing>
 </p:sld>
 </file>
 
@@ -11938,7 +12463,7 @@
               <a:rPr lang="en-US" dirty="0" smtClean="0"/>
               <a:t>Behind the scene</a:t>
             </a:r>
-            <a:endParaRPr lang="fr-FR" dirty="0"/>
+            <a:endParaRPr lang="en-US" dirty="0"/>
           </a:p>
         </p:txBody>
       </p:sp>
@@ -11993,7 +12518,7 @@
   <p:timing>
     <p:tnLst>
       <p:par>
-        <p:cTn xmlns:p14="http://schemas.microsoft.com/office/powerpoint/2010/main" id="1" dur="indefinite" restart="never" nodeType="tmRoot"/>
+        <p:cTn id="1" dur="indefinite" restart="never" nodeType="tmRoot"/>
       </p:par>
     </p:tnLst>
   </p:timing>

--- a/ez18n-slides/javaone-2012/ez18n_javaone2012.pptx
+++ b/ez18n-slides/javaone-2012/ez18n_javaone2012.pptx
@@ -27,12 +27,12 @@
     <p:sldId id="264" r:id="rId21"/>
     <p:sldId id="268" r:id="rId22"/>
     <p:sldId id="269" r:id="rId23"/>
-    <p:sldId id="272" r:id="rId24"/>
-    <p:sldId id="322" r:id="rId25"/>
-    <p:sldId id="325" r:id="rId26"/>
-    <p:sldId id="270" r:id="rId27"/>
-    <p:sldId id="275" r:id="rId28"/>
-    <p:sldId id="276" r:id="rId29"/>
+    <p:sldId id="322" r:id="rId24"/>
+    <p:sldId id="325" r:id="rId25"/>
+    <p:sldId id="270" r:id="rId26"/>
+    <p:sldId id="275" r:id="rId27"/>
+    <p:sldId id="276" r:id="rId28"/>
+    <p:sldId id="272" r:id="rId29"/>
     <p:sldId id="282" r:id="rId30"/>
     <p:sldId id="287" r:id="rId31"/>
     <p:sldId id="292" r:id="rId32"/>
@@ -6529,8 +6529,12 @@
           <a:lstStyle/>
           <a:p>
             <a:r>
-              <a:rPr lang="en-US" dirty="0" smtClean="0"/>
-              <a:t>APT limits</a:t>
+              <a:rPr lang="en-US" dirty="0"/>
+              <a:t>Limits </a:t>
+            </a:r>
+            <a:r>
+              <a:rPr lang="en-US" dirty="0" smtClean="0"/>
+              <a:t>of APT </a:t>
             </a:r>
             <a:endParaRPr lang="en-US" dirty="0"/>
           </a:p>
@@ -7027,380 +7031,6 @@
       </p:grpSpPr>
       <p:sp>
         <p:nvSpPr>
-          <p:cNvPr id="2" name="Titre 1"/>
-          <p:cNvSpPr>
-            <a:spLocks noGrp="1"/>
-          </p:cNvSpPr>
-          <p:nvPr>
-            <p:ph type="title"/>
-          </p:nvPr>
-        </p:nvSpPr>
-        <p:spPr/>
-        <p:txBody>
-          <a:bodyPr/>
-          <a:lstStyle/>
-          <a:p>
-            <a:r>
-              <a:rPr lang="fr-FR" dirty="0" err="1" smtClean="0"/>
-              <a:t>Templating</a:t>
-            </a:r>
-            <a:endParaRPr lang="fr-FR" dirty="0"/>
-          </a:p>
-        </p:txBody>
-      </p:sp>
-      <p:sp>
-        <p:nvSpPr>
-          <p:cNvPr id="3" name="Espace réservé du contenu 2"/>
-          <p:cNvSpPr>
-            <a:spLocks noGrp="1"/>
-          </p:cNvSpPr>
-          <p:nvPr>
-            <p:ph idx="1"/>
-          </p:nvPr>
-        </p:nvSpPr>
-        <p:spPr>
-          <a:xfrm>
-            <a:off x="457200" y="1371601"/>
-            <a:ext cx="8229600" cy="1904999"/>
-          </a:xfrm>
-        </p:spPr>
-        <p:txBody>
-          <a:bodyPr>
-            <a:normAutofit fontScale="77500" lnSpcReduction="20000"/>
-          </a:bodyPr>
-          <a:lstStyle/>
-          <a:p>
-            <a:r>
-              <a:rPr lang="en-US" dirty="0" smtClean="0"/>
-              <a:t>A </a:t>
-            </a:r>
-            <a:r>
-              <a:rPr lang="en-US" dirty="0" err="1" smtClean="0"/>
-              <a:t>votre</a:t>
-            </a:r>
-            <a:r>
-              <a:rPr lang="en-US" dirty="0" smtClean="0"/>
-              <a:t> guise !</a:t>
-            </a:r>
-          </a:p>
-          <a:p>
-            <a:r>
-              <a:rPr lang="en-US" dirty="0" smtClean="0"/>
-              <a:t>Respecter </a:t>
-            </a:r>
-            <a:r>
-              <a:rPr lang="en-US" dirty="0" err="1" smtClean="0"/>
-              <a:t>l’indentation</a:t>
-            </a:r>
-            <a:r>
-              <a:rPr lang="en-US" dirty="0" smtClean="0"/>
-              <a:t> </a:t>
-            </a:r>
-            <a:r>
-              <a:rPr lang="en-US" dirty="0" err="1" smtClean="0"/>
-              <a:t>classique</a:t>
-            </a:r>
-            <a:r>
-              <a:rPr lang="en-US" dirty="0" smtClean="0"/>
-              <a:t> java </a:t>
-            </a:r>
-            <a:r>
-              <a:rPr lang="en-US" dirty="0" err="1" smtClean="0"/>
-              <a:t>si</a:t>
-            </a:r>
-            <a:r>
-              <a:rPr lang="en-US" dirty="0" smtClean="0"/>
-              <a:t> </a:t>
-            </a:r>
-            <a:r>
-              <a:rPr lang="en-US" dirty="0" err="1" smtClean="0"/>
-              <a:t>vous</a:t>
-            </a:r>
-            <a:r>
-              <a:rPr lang="en-US" dirty="0" smtClean="0"/>
-              <a:t> </a:t>
-            </a:r>
-            <a:r>
-              <a:rPr lang="en-US" dirty="0" err="1" smtClean="0"/>
-              <a:t>travaillez</a:t>
-            </a:r>
-            <a:r>
-              <a:rPr lang="en-US" dirty="0" smtClean="0"/>
-              <a:t> en ‘</a:t>
-            </a:r>
-            <a:r>
-              <a:rPr lang="en-US" dirty="0" err="1" smtClean="0"/>
-              <a:t>deux</a:t>
-            </a:r>
-            <a:r>
-              <a:rPr lang="en-US" dirty="0" smtClean="0"/>
-              <a:t> passes’</a:t>
-            </a:r>
-          </a:p>
-          <a:p>
-            <a:r>
-              <a:rPr lang="en-US" dirty="0" smtClean="0"/>
-              <a:t>Un petit </a:t>
-            </a:r>
-            <a:r>
-              <a:rPr lang="en-US" dirty="0" err="1" smtClean="0"/>
-              <a:t>moteur</a:t>
-            </a:r>
-            <a:r>
-              <a:rPr lang="en-US" dirty="0" smtClean="0"/>
-              <a:t> de template </a:t>
-            </a:r>
-            <a:r>
-              <a:rPr lang="en-US" dirty="0" err="1" smtClean="0"/>
-              <a:t>tient</a:t>
-            </a:r>
-            <a:r>
-              <a:rPr lang="en-US" dirty="0" smtClean="0"/>
-              <a:t> </a:t>
-            </a:r>
-            <a:r>
-              <a:rPr lang="en-US" dirty="0" err="1" smtClean="0"/>
-              <a:t>dans</a:t>
-            </a:r>
-            <a:r>
-              <a:rPr lang="en-US" dirty="0" smtClean="0"/>
-              <a:t> </a:t>
-            </a:r>
-            <a:r>
-              <a:rPr lang="en-US" dirty="0" err="1" smtClean="0"/>
-              <a:t>une</a:t>
-            </a:r>
-            <a:r>
-              <a:rPr lang="en-US" dirty="0" smtClean="0"/>
-              <a:t> </a:t>
-            </a:r>
-            <a:r>
-              <a:rPr lang="en-US" dirty="0" err="1" smtClean="0"/>
-              <a:t>classe</a:t>
-            </a:r>
-            <a:endParaRPr lang="en-US" dirty="0" smtClean="0"/>
-          </a:p>
-          <a:p>
-            <a:pPr lvl="1">
-              <a:buFont typeface="Wingdings" pitchFamily="2" charset="2"/>
-              <a:buChar char="Ø"/>
-            </a:pPr>
-            <a:r>
-              <a:rPr lang="en-US" dirty="0" err="1" smtClean="0"/>
-              <a:t>Moteur</a:t>
-            </a:r>
-            <a:r>
-              <a:rPr lang="en-US" dirty="0" smtClean="0"/>
-              <a:t> de macro de apache ant</a:t>
-            </a:r>
-          </a:p>
-          <a:p>
-            <a:pPr lvl="1">
-              <a:buFont typeface="Wingdings" pitchFamily="2" charset="2"/>
-              <a:buChar char="Ø"/>
-            </a:pPr>
-            <a:endParaRPr lang="en-US" dirty="0"/>
-          </a:p>
-        </p:txBody>
-      </p:sp>
-      <p:pic>
-        <p:nvPicPr>
-          <p:cNvPr id="1026" name="Picture 2"/>
-          <p:cNvPicPr>
-            <a:picLocks noChangeAspect="1" noChangeArrowheads="1"/>
-          </p:cNvPicPr>
-          <p:nvPr/>
-        </p:nvPicPr>
-        <p:blipFill>
-          <a:blip r:embed="rId2">
-            <a:extLst>
-              <a:ext uri="{28A0092B-C50C-407E-A947-70E740481C1C}">
-                <a14:useLocalDpi xmlns:a14="http://schemas.microsoft.com/office/drawing/2010/main"/>
-              </a:ext>
-            </a:extLst>
-          </a:blip>
-          <a:srcRect/>
-          <a:stretch>
-            <a:fillRect/>
-          </a:stretch>
-        </p:blipFill>
-        <p:spPr bwMode="auto">
-          <a:xfrm>
-            <a:off x="545399" y="3200400"/>
-            <a:ext cx="6477000" cy="2038847"/>
-          </a:xfrm>
-          <a:prstGeom prst="rect">
-            <a:avLst/>
-          </a:prstGeom>
-          <a:noFill/>
-          <a:ln w="28575">
-            <a:solidFill>
-              <a:schemeClr val="tx2"/>
-            </a:solidFill>
-            <a:miter lim="800000"/>
-            <a:headEnd/>
-            <a:tailEnd/>
-          </a:ln>
-          <a:effectLst/>
-          <a:extLst>
-            <a:ext uri="{909E8E84-426E-40dd-AFC4-6F175D3DCCD1}">
-              <a14:hiddenFill xmlns:a14="http://schemas.microsoft.com/office/drawing/2010/main">
-                <a:solidFill>
-                  <a:schemeClr val="accent1"/>
-                </a:solidFill>
-              </a14:hiddenFill>
-            </a:ext>
-            <a:ext uri="{AF507438-7753-43e0-B8FC-AC1667EBCBE1}">
-              <a14:hiddenEffects xmlns:a14="http://schemas.microsoft.com/office/drawing/2010/main">
-                <a:effectLst>
-                  <a:outerShdw dist="35921" dir="2700000" algn="ctr" rotWithShape="0">
-                    <a:schemeClr val="bg2"/>
-                  </a:outerShdw>
-                </a:effectLst>
-              </a14:hiddenEffects>
-            </a:ext>
-          </a:extLst>
-        </p:spPr>
-      </p:pic>
-      <p:pic>
-        <p:nvPicPr>
-          <p:cNvPr id="1028" name="Picture 4"/>
-          <p:cNvPicPr>
-            <a:picLocks noChangeAspect="1" noChangeArrowheads="1"/>
-          </p:cNvPicPr>
-          <p:nvPr/>
-        </p:nvPicPr>
-        <p:blipFill>
-          <a:blip r:embed="rId3">
-            <a:extLst>
-              <a:ext uri="{28A0092B-C50C-407E-A947-70E740481C1C}">
-                <a14:useLocalDpi xmlns:a14="http://schemas.microsoft.com/office/drawing/2010/main"/>
-              </a:ext>
-            </a:extLst>
-          </a:blip>
-          <a:srcRect/>
-          <a:stretch>
-            <a:fillRect/>
-          </a:stretch>
-        </p:blipFill>
-        <p:spPr bwMode="auto">
-          <a:xfrm>
-            <a:off x="1143000" y="4902888"/>
-            <a:ext cx="7696200" cy="1121359"/>
-          </a:xfrm>
-          <a:prstGeom prst="rect">
-            <a:avLst/>
-          </a:prstGeom>
-          <a:noFill/>
-          <a:ln w="28575">
-            <a:solidFill>
-              <a:schemeClr val="tx2"/>
-            </a:solidFill>
-            <a:miter lim="800000"/>
-            <a:headEnd/>
-            <a:tailEnd/>
-          </a:ln>
-          <a:effectLst/>
-          <a:extLst>
-            <a:ext uri="{909E8E84-426E-40dd-AFC4-6F175D3DCCD1}">
-              <a14:hiddenFill xmlns:a14="http://schemas.microsoft.com/office/drawing/2010/main">
-                <a:solidFill>
-                  <a:schemeClr val="accent1"/>
-                </a:solidFill>
-              </a14:hiddenFill>
-            </a:ext>
-            <a:ext uri="{AF507438-7753-43e0-B8FC-AC1667EBCBE1}">
-              <a14:hiddenEffects xmlns:a14="http://schemas.microsoft.com/office/drawing/2010/main">
-                <a:effectLst>
-                  <a:outerShdw dist="35921" dir="2700000" algn="ctr" rotWithShape="0">
-                    <a:schemeClr val="bg2"/>
-                  </a:outerShdw>
-                </a:effectLst>
-              </a14:hiddenEffects>
-            </a:ext>
-          </a:extLst>
-        </p:spPr>
-      </p:pic>
-      <p:cxnSp>
-        <p:nvCxnSpPr>
-          <p:cNvPr id="5" name="Connecteur en arc 4"/>
-          <p:cNvCxnSpPr>
-            <a:stCxn id="1028" idx="1"/>
-            <a:endCxn id="1026" idx="1"/>
-          </p:cNvCxnSpPr>
-          <p:nvPr/>
-        </p:nvCxnSpPr>
-        <p:spPr>
-          <a:xfrm rot="10800000">
-            <a:off x="545400" y="4219824"/>
-            <a:ext cx="597601" cy="1243744"/>
-          </a:xfrm>
-          <a:prstGeom prst="curvedConnector3">
-            <a:avLst>
-              <a:gd name="adj1" fmla="val 176807"/>
-            </a:avLst>
-          </a:prstGeom>
-          <a:ln w="38100">
-            <a:solidFill>
-              <a:schemeClr val="tx2"/>
-            </a:solidFill>
-            <a:tailEnd type="arrow"/>
-          </a:ln>
-        </p:spPr>
-        <p:style>
-          <a:lnRef idx="1">
-            <a:schemeClr val="accent1"/>
-          </a:lnRef>
-          <a:fillRef idx="0">
-            <a:schemeClr val="accent1"/>
-          </a:fillRef>
-          <a:effectRef idx="0">
-            <a:schemeClr val="accent1"/>
-          </a:effectRef>
-          <a:fontRef idx="minor">
-            <a:schemeClr val="tx1"/>
-          </a:fontRef>
-        </p:style>
-      </p:cxnSp>
-    </p:spTree>
-    <p:extLst>
-      <p:ext uri="{BB962C8B-B14F-4D97-AF65-F5344CB8AC3E}">
-        <p14:creationId xmlns:p14="http://schemas.microsoft.com/office/powerpoint/2010/main" val="3637915822"/>
-      </p:ext>
-    </p:extLst>
-  </p:cSld>
-  <p:clrMapOvr>
-    <a:masterClrMapping/>
-  </p:clrMapOvr>
-  <p:timing>
-    <p:tnLst>
-      <p:par>
-        <p:cTn xmlns:p14="http://schemas.microsoft.com/office/powerpoint/2010/main" id="1" dur="indefinite" restart="never" nodeType="tmRoot"/>
-      </p:par>
-    </p:tnLst>
-  </p:timing>
-</p:sld>
-</file>
-
-<file path=ppt/slides/slide24.xml><?xml version="1.0" encoding="utf-8"?>
-<p:sld xmlns:a="http://schemas.openxmlformats.org/drawingml/2006/main" xmlns:r="http://schemas.openxmlformats.org/officeDocument/2006/relationships" xmlns:p="http://schemas.openxmlformats.org/presentationml/2006/main">
-  <p:cSld>
-    <p:spTree>
-      <p:nvGrpSpPr>
-        <p:cNvPr id="1" name=""/>
-        <p:cNvGrpSpPr/>
-        <p:nvPr/>
-      </p:nvGrpSpPr>
-      <p:grpSpPr>
-        <a:xfrm>
-          <a:off x="0" y="0"/>
-          <a:ext cx="0" cy="0"/>
-          <a:chOff x="0" y="0"/>
-          <a:chExt cx="0" cy="0"/>
-        </a:xfrm>
-      </p:grpSpPr>
-      <p:sp>
-        <p:nvSpPr>
           <p:cNvPr id="3" name="Espace réservé du numéro de diapositive 3"/>
           <p:cNvSpPr>
             <a:spLocks noGrp="1"/>
@@ -7417,7 +7047,7 @@
             <a:fld id="{491EF83F-DC3D-2B41-8CED-EDA4CF3DA041}" type="slidenum">
               <a:rPr lang="en-US"/>
               <a:pPr/>
-              <a:t>24</a:t>
+              <a:t>23</a:t>
             </a:fld>
             <a:endParaRPr lang="en-US"/>
           </a:p>
@@ -7615,7 +7245,7 @@
 </p:sld>
 </file>
 
-<file path=ppt/slides/slide25.xml><?xml version="1.0" encoding="utf-8"?>
+<file path=ppt/slides/slide24.xml><?xml version="1.0" encoding="utf-8"?>
 <p:sld xmlns:a="http://schemas.openxmlformats.org/drawingml/2006/main" xmlns:r="http://schemas.openxmlformats.org/officeDocument/2006/relationships" xmlns:p="http://schemas.openxmlformats.org/presentationml/2006/main">
   <p:cSld>
     <p:spTree>
@@ -7679,7 +7309,7 @@
 </p:sld>
 </file>
 
-<file path=ppt/slides/slide26.xml><?xml version="1.0" encoding="utf-8"?>
+<file path=ppt/slides/slide25.xml><?xml version="1.0" encoding="utf-8"?>
 <p:sld xmlns:a="http://schemas.openxmlformats.org/drawingml/2006/main" xmlns:r="http://schemas.openxmlformats.org/officeDocument/2006/relationships" xmlns:p="http://schemas.openxmlformats.org/presentationml/2006/main">
   <p:cSld>
     <p:spTree>
@@ -8163,7 +7793,7 @@
 </p:sld>
 </file>
 
-<file path=ppt/slides/slide27.xml><?xml version="1.0" encoding="utf-8"?>
+<file path=ppt/slides/slide26.xml><?xml version="1.0" encoding="utf-8"?>
 <p:sld xmlns:a="http://schemas.openxmlformats.org/drawingml/2006/main" xmlns:r="http://schemas.openxmlformats.org/officeDocument/2006/relationships" xmlns:p="http://schemas.openxmlformats.org/presentationml/2006/main">
   <p:cSld>
     <p:spTree>
@@ -8682,7 +8312,7 @@
 </p:sld>
 </file>
 
-<file path=ppt/slides/slide28.xml><?xml version="1.0" encoding="utf-8"?>
+<file path=ppt/slides/slide27.xml><?xml version="1.0" encoding="utf-8"?>
 <p:sld xmlns:a="http://schemas.openxmlformats.org/drawingml/2006/main" xmlns:r="http://schemas.openxmlformats.org/officeDocument/2006/relationships" xmlns:p="http://schemas.openxmlformats.org/presentationml/2006/main">
   <p:cSld>
     <p:spTree>
@@ -9142,6 +8772,370 @@
     <p:extLst>
       <p:ext uri="{BB962C8B-B14F-4D97-AF65-F5344CB8AC3E}">
         <p14:creationId xmlns:p14="http://schemas.microsoft.com/office/powerpoint/2010/main" val="3023170449"/>
+      </p:ext>
+    </p:extLst>
+  </p:cSld>
+  <p:clrMapOvr>
+    <a:masterClrMapping/>
+  </p:clrMapOvr>
+  <p:timing>
+    <p:tnLst>
+      <p:par>
+        <p:cTn xmlns:p14="http://schemas.microsoft.com/office/powerpoint/2010/main" id="1" dur="indefinite" restart="never" nodeType="tmRoot"/>
+      </p:par>
+    </p:tnLst>
+  </p:timing>
+</p:sld>
+</file>
+
+<file path=ppt/slides/slide28.xml><?xml version="1.0" encoding="utf-8"?>
+<p:sld xmlns:a="http://schemas.openxmlformats.org/drawingml/2006/main" xmlns:r="http://schemas.openxmlformats.org/officeDocument/2006/relationships" xmlns:p="http://schemas.openxmlformats.org/presentationml/2006/main">
+  <p:cSld>
+    <p:spTree>
+      <p:nvGrpSpPr>
+        <p:cNvPr id="1" name=""/>
+        <p:cNvGrpSpPr/>
+        <p:nvPr/>
+      </p:nvGrpSpPr>
+      <p:grpSpPr>
+        <a:xfrm>
+          <a:off x="0" y="0"/>
+          <a:ext cx="0" cy="0"/>
+          <a:chOff x="0" y="0"/>
+          <a:chExt cx="0" cy="0"/>
+        </a:xfrm>
+      </p:grpSpPr>
+      <p:sp>
+        <p:nvSpPr>
+          <p:cNvPr id="2" name="Titre 1"/>
+          <p:cNvSpPr>
+            <a:spLocks noGrp="1"/>
+          </p:cNvSpPr>
+          <p:nvPr>
+            <p:ph type="title"/>
+          </p:nvPr>
+        </p:nvSpPr>
+        <p:spPr/>
+        <p:txBody>
+          <a:bodyPr/>
+          <a:lstStyle/>
+          <a:p>
+            <a:r>
+              <a:rPr lang="fr-FR" dirty="0" err="1" smtClean="0"/>
+              <a:t>Templating</a:t>
+            </a:r>
+            <a:endParaRPr lang="fr-FR" dirty="0"/>
+          </a:p>
+        </p:txBody>
+      </p:sp>
+      <p:sp>
+        <p:nvSpPr>
+          <p:cNvPr id="3" name="Espace réservé du contenu 2"/>
+          <p:cNvSpPr>
+            <a:spLocks noGrp="1"/>
+          </p:cNvSpPr>
+          <p:nvPr>
+            <p:ph idx="1"/>
+          </p:nvPr>
+        </p:nvSpPr>
+        <p:spPr>
+          <a:xfrm>
+            <a:off x="457200" y="1371601"/>
+            <a:ext cx="8229600" cy="1904999"/>
+          </a:xfrm>
+        </p:spPr>
+        <p:txBody>
+          <a:bodyPr>
+            <a:normAutofit fontScale="85000" lnSpcReduction="10000"/>
+          </a:bodyPr>
+          <a:lstStyle/>
+          <a:p>
+            <a:r>
+              <a:rPr lang="en-US" dirty="0" smtClean="0"/>
+              <a:t>Respecter </a:t>
+            </a:r>
+            <a:r>
+              <a:rPr lang="en-US" dirty="0" err="1" smtClean="0"/>
+              <a:t>l’indentation</a:t>
+            </a:r>
+            <a:r>
+              <a:rPr lang="en-US" dirty="0" smtClean="0"/>
+              <a:t> </a:t>
+            </a:r>
+            <a:r>
+              <a:rPr lang="en-US" dirty="0" err="1" smtClean="0"/>
+              <a:t>classique</a:t>
+            </a:r>
+            <a:r>
+              <a:rPr lang="en-US" dirty="0" smtClean="0"/>
+              <a:t> java </a:t>
+            </a:r>
+            <a:r>
+              <a:rPr lang="en-US" dirty="0" err="1" smtClean="0"/>
+              <a:t>si</a:t>
+            </a:r>
+            <a:r>
+              <a:rPr lang="en-US" dirty="0" smtClean="0"/>
+              <a:t> </a:t>
+            </a:r>
+            <a:r>
+              <a:rPr lang="en-US" dirty="0" err="1" smtClean="0"/>
+              <a:t>vous</a:t>
+            </a:r>
+            <a:r>
+              <a:rPr lang="en-US" dirty="0" smtClean="0"/>
+              <a:t> </a:t>
+            </a:r>
+            <a:r>
+              <a:rPr lang="en-US" dirty="0" err="1" smtClean="0"/>
+              <a:t>travaillez</a:t>
+            </a:r>
+            <a:r>
+              <a:rPr lang="en-US" dirty="0" smtClean="0"/>
+              <a:t> en ‘</a:t>
+            </a:r>
+            <a:r>
+              <a:rPr lang="en-US" dirty="0" err="1" smtClean="0"/>
+              <a:t>deux</a:t>
+            </a:r>
+            <a:r>
+              <a:rPr lang="en-US" dirty="0" smtClean="0"/>
+              <a:t> passes’</a:t>
+            </a:r>
+          </a:p>
+          <a:p>
+            <a:r>
+              <a:rPr lang="en-US" dirty="0" smtClean="0"/>
+              <a:t>Un </a:t>
+            </a:r>
+            <a:r>
+              <a:rPr lang="en-US" dirty="0" smtClean="0"/>
+              <a:t>petit </a:t>
+            </a:r>
+            <a:r>
+              <a:rPr lang="en-US" dirty="0" err="1" smtClean="0"/>
+              <a:t>moteur</a:t>
+            </a:r>
+            <a:r>
+              <a:rPr lang="en-US" dirty="0" smtClean="0"/>
+              <a:t> de template </a:t>
+            </a:r>
+            <a:r>
+              <a:rPr lang="en-US" dirty="0" err="1" smtClean="0"/>
+              <a:t>tient</a:t>
+            </a:r>
+            <a:r>
+              <a:rPr lang="en-US" dirty="0" smtClean="0"/>
+              <a:t> </a:t>
+            </a:r>
+            <a:r>
+              <a:rPr lang="en-US" dirty="0" err="1" smtClean="0"/>
+              <a:t>dans</a:t>
+            </a:r>
+            <a:r>
+              <a:rPr lang="en-US" dirty="0" smtClean="0"/>
+              <a:t> </a:t>
+            </a:r>
+            <a:r>
+              <a:rPr lang="en-US" dirty="0" err="1" smtClean="0"/>
+              <a:t>une</a:t>
+            </a:r>
+            <a:r>
+              <a:rPr lang="en-US" dirty="0" smtClean="0"/>
+              <a:t> </a:t>
+            </a:r>
+            <a:r>
+              <a:rPr lang="en-US" dirty="0" err="1" smtClean="0"/>
+              <a:t>classe</a:t>
+            </a:r>
+            <a:endParaRPr lang="en-US" dirty="0" smtClean="0"/>
+          </a:p>
+          <a:p>
+            <a:pPr lvl="1">
+              <a:buFont typeface="Wingdings" pitchFamily="2" charset="2"/>
+              <a:buChar char="Ø"/>
+            </a:pPr>
+            <a:r>
+              <a:rPr lang="en-US" dirty="0" err="1" smtClean="0"/>
+              <a:t>Moteur</a:t>
+            </a:r>
+            <a:r>
+              <a:rPr lang="en-US" dirty="0" smtClean="0"/>
+              <a:t> de macro de apache ant</a:t>
+            </a:r>
+          </a:p>
+          <a:p>
+            <a:pPr lvl="1">
+              <a:buFont typeface="Wingdings" pitchFamily="2" charset="2"/>
+              <a:buChar char="Ø"/>
+            </a:pPr>
+            <a:endParaRPr lang="en-US" dirty="0"/>
+          </a:p>
+        </p:txBody>
+      </p:sp>
+      <p:pic>
+        <p:nvPicPr>
+          <p:cNvPr id="1026" name="Picture 2"/>
+          <p:cNvPicPr>
+            <a:picLocks noChangeAspect="1" noChangeArrowheads="1"/>
+          </p:cNvPicPr>
+          <p:nvPr/>
+        </p:nvPicPr>
+        <p:blipFill>
+          <a:blip r:embed="rId2">
+            <a:extLst>
+              <a:ext uri="{28A0092B-C50C-407E-A947-70E740481C1C}">
+                <a14:useLocalDpi xmlns:a14="http://schemas.microsoft.com/office/drawing/2010/main"/>
+              </a:ext>
+            </a:extLst>
+          </a:blip>
+          <a:srcRect/>
+          <a:stretch>
+            <a:fillRect/>
+          </a:stretch>
+        </p:blipFill>
+        <p:spPr bwMode="auto">
+          <a:xfrm>
+            <a:off x="545399" y="3200400"/>
+            <a:ext cx="6477000" cy="2038847"/>
+          </a:xfrm>
+          <a:prstGeom prst="rect">
+            <a:avLst/>
+          </a:prstGeom>
+          <a:noFill/>
+          <a:ln w="28575">
+            <a:solidFill>
+              <a:schemeClr val="tx2"/>
+            </a:solidFill>
+            <a:miter lim="800000"/>
+            <a:headEnd/>
+            <a:tailEnd/>
+          </a:ln>
+          <a:effectLst/>
+          <a:extLst>
+            <a:ext uri="{909E8E84-426E-40dd-AFC4-6F175D3DCCD1}">
+              <a14:hiddenFill xmlns:a14="http://schemas.microsoft.com/office/drawing/2010/main">
+                <a:solidFill>
+                  <a:schemeClr val="accent1"/>
+                </a:solidFill>
+              </a14:hiddenFill>
+            </a:ext>
+            <a:ext uri="{AF507438-7753-43e0-B8FC-AC1667EBCBE1}">
+              <a14:hiddenEffects xmlns:a14="http://schemas.microsoft.com/office/drawing/2010/main">
+                <a:effectLst>
+                  <a:outerShdw dist="35921" dir="2700000" algn="ctr" rotWithShape="0">
+                    <a:schemeClr val="bg2"/>
+                  </a:outerShdw>
+                </a:effectLst>
+              </a14:hiddenEffects>
+            </a:ext>
+          </a:extLst>
+        </p:spPr>
+      </p:pic>
+      <p:pic>
+        <p:nvPicPr>
+          <p:cNvPr id="1028" name="Picture 4"/>
+          <p:cNvPicPr>
+            <a:picLocks noChangeAspect="1" noChangeArrowheads="1"/>
+          </p:cNvPicPr>
+          <p:nvPr/>
+        </p:nvPicPr>
+        <p:blipFill>
+          <a:blip r:embed="rId3">
+            <a:extLst>
+              <a:ext uri="{28A0092B-C50C-407E-A947-70E740481C1C}">
+                <a14:useLocalDpi xmlns:a14="http://schemas.microsoft.com/office/drawing/2010/main"/>
+              </a:ext>
+            </a:extLst>
+          </a:blip>
+          <a:srcRect/>
+          <a:stretch>
+            <a:fillRect/>
+          </a:stretch>
+        </p:blipFill>
+        <p:spPr bwMode="auto">
+          <a:xfrm>
+            <a:off x="1143000" y="4902888"/>
+            <a:ext cx="7696200" cy="1121359"/>
+          </a:xfrm>
+          <a:prstGeom prst="rect">
+            <a:avLst/>
+          </a:prstGeom>
+          <a:noFill/>
+          <a:ln w="28575">
+            <a:solidFill>
+              <a:schemeClr val="tx2"/>
+            </a:solidFill>
+            <a:miter lim="800000"/>
+            <a:headEnd/>
+            <a:tailEnd/>
+          </a:ln>
+          <a:effectLst/>
+          <a:extLst>
+            <a:ext uri="{909E8E84-426E-40dd-AFC4-6F175D3DCCD1}">
+              <a14:hiddenFill xmlns:a14="http://schemas.microsoft.com/office/drawing/2010/main">
+                <a:solidFill>
+                  <a:schemeClr val="accent1"/>
+                </a:solidFill>
+              </a14:hiddenFill>
+            </a:ext>
+            <a:ext uri="{AF507438-7753-43e0-B8FC-AC1667EBCBE1}">
+              <a14:hiddenEffects xmlns:a14="http://schemas.microsoft.com/office/drawing/2010/main">
+                <a:effectLst>
+                  <a:outerShdw dist="35921" dir="2700000" algn="ctr" rotWithShape="0">
+                    <a:schemeClr val="bg2"/>
+                  </a:outerShdw>
+                </a:effectLst>
+              </a14:hiddenEffects>
+            </a:ext>
+          </a:extLst>
+        </p:spPr>
+      </p:pic>
+      <p:cxnSp>
+        <p:nvCxnSpPr>
+          <p:cNvPr id="5" name="Connecteur en arc 4"/>
+          <p:cNvCxnSpPr>
+            <a:stCxn id="1028" idx="1"/>
+            <a:endCxn id="1026" idx="1"/>
+          </p:cNvCxnSpPr>
+          <p:nvPr/>
+        </p:nvCxnSpPr>
+        <p:spPr>
+          <a:xfrm rot="10800000">
+            <a:off x="545400" y="4219824"/>
+            <a:ext cx="597601" cy="1243744"/>
+          </a:xfrm>
+          <a:prstGeom prst="curvedConnector3">
+            <a:avLst>
+              <a:gd name="adj1" fmla="val 176807"/>
+            </a:avLst>
+          </a:prstGeom>
+          <a:ln w="38100">
+            <a:solidFill>
+              <a:schemeClr val="tx2"/>
+            </a:solidFill>
+            <a:tailEnd type="arrow"/>
+          </a:ln>
+        </p:spPr>
+        <p:style>
+          <a:lnRef idx="1">
+            <a:schemeClr val="accent1"/>
+          </a:lnRef>
+          <a:fillRef idx="0">
+            <a:schemeClr val="accent1"/>
+          </a:fillRef>
+          <a:effectRef idx="0">
+            <a:schemeClr val="accent1"/>
+          </a:effectRef>
+          <a:fontRef idx="minor">
+            <a:schemeClr val="tx1"/>
+          </a:fontRef>
+        </p:style>
+      </p:cxnSp>
+    </p:spTree>
+    <p:extLst>
+      <p:ext uri="{BB962C8B-B14F-4D97-AF65-F5344CB8AC3E}">
+        <p14:creationId xmlns:p14="http://schemas.microsoft.com/office/powerpoint/2010/main" val="3637915822"/>
       </p:ext>
     </p:extLst>
   </p:cSld>
